--- a/test_driven_data_wrangling_r.pptx
+++ b/test_driven_data_wrangling_r.pptx
@@ -218,7 +218,7 @@
           <a:p>
             <a:fld id="{17119444-0EAC-46C4-8C7F-BECA04876CB2}" type="datetimeFigureOut">
               <a:rPr lang="en-US" smtClean="0"/>
-              <a:t>8/15/2018</a:t>
+              <a:t>8/16/2018</a:t>
             </a:fld>
             <a:endParaRPr lang="en-US"/>
           </a:p>
@@ -1257,7 +1257,7 @@
           <a:p>
             <a:fld id="{BE86D659-235A-4480-A52F-151100DCBC9E}" type="datetimeFigureOut">
               <a:rPr lang="en-US" smtClean="0"/>
-              <a:t>8/15/2018</a:t>
+              <a:t>8/16/2018</a:t>
             </a:fld>
             <a:endParaRPr lang="en-US"/>
           </a:p>
@@ -1425,7 +1425,7 @@
           <a:p>
             <a:fld id="{BE86D659-235A-4480-A52F-151100DCBC9E}" type="datetimeFigureOut">
               <a:rPr lang="en-US" smtClean="0"/>
-              <a:t>8/15/2018</a:t>
+              <a:t>8/16/2018</a:t>
             </a:fld>
             <a:endParaRPr lang="en-US"/>
           </a:p>
@@ -1603,7 +1603,7 @@
           <a:p>
             <a:fld id="{BE86D659-235A-4480-A52F-151100DCBC9E}" type="datetimeFigureOut">
               <a:rPr lang="en-US" smtClean="0"/>
-              <a:t>8/15/2018</a:t>
+              <a:t>8/16/2018</a:t>
             </a:fld>
             <a:endParaRPr lang="en-US"/>
           </a:p>
@@ -1771,7 +1771,7 @@
           <a:p>
             <a:fld id="{BE86D659-235A-4480-A52F-151100DCBC9E}" type="datetimeFigureOut">
               <a:rPr lang="en-US" smtClean="0"/>
-              <a:t>8/15/2018</a:t>
+              <a:t>8/16/2018</a:t>
             </a:fld>
             <a:endParaRPr lang="en-US"/>
           </a:p>
@@ -2016,7 +2016,7 @@
           <a:p>
             <a:fld id="{BE86D659-235A-4480-A52F-151100DCBC9E}" type="datetimeFigureOut">
               <a:rPr lang="en-US" smtClean="0"/>
-              <a:t>8/15/2018</a:t>
+              <a:t>8/16/2018</a:t>
             </a:fld>
             <a:endParaRPr lang="en-US"/>
           </a:p>
@@ -2245,7 +2245,7 @@
           <a:p>
             <a:fld id="{BE86D659-235A-4480-A52F-151100DCBC9E}" type="datetimeFigureOut">
               <a:rPr lang="en-US" smtClean="0"/>
-              <a:t>8/15/2018</a:t>
+              <a:t>8/16/2018</a:t>
             </a:fld>
             <a:endParaRPr lang="en-US"/>
           </a:p>
@@ -2609,7 +2609,7 @@
           <a:p>
             <a:fld id="{BE86D659-235A-4480-A52F-151100DCBC9E}" type="datetimeFigureOut">
               <a:rPr lang="en-US" smtClean="0"/>
-              <a:t>8/15/2018</a:t>
+              <a:t>8/16/2018</a:t>
             </a:fld>
             <a:endParaRPr lang="en-US"/>
           </a:p>
@@ -2726,7 +2726,7 @@
           <a:p>
             <a:fld id="{BE86D659-235A-4480-A52F-151100DCBC9E}" type="datetimeFigureOut">
               <a:rPr lang="en-US" smtClean="0"/>
-              <a:t>8/15/2018</a:t>
+              <a:t>8/16/2018</a:t>
             </a:fld>
             <a:endParaRPr lang="en-US"/>
           </a:p>
@@ -2821,7 +2821,7 @@
           <a:p>
             <a:fld id="{BE86D659-235A-4480-A52F-151100DCBC9E}" type="datetimeFigureOut">
               <a:rPr lang="en-US" smtClean="0"/>
-              <a:t>8/15/2018</a:t>
+              <a:t>8/16/2018</a:t>
             </a:fld>
             <a:endParaRPr lang="en-US"/>
           </a:p>
@@ -3096,7 +3096,7 @@
           <a:p>
             <a:fld id="{BE86D659-235A-4480-A52F-151100DCBC9E}" type="datetimeFigureOut">
               <a:rPr lang="en-US" smtClean="0"/>
-              <a:t>8/15/2018</a:t>
+              <a:t>8/16/2018</a:t>
             </a:fld>
             <a:endParaRPr lang="en-US"/>
           </a:p>
@@ -3348,7 +3348,7 @@
           <a:p>
             <a:fld id="{BE86D659-235A-4480-A52F-151100DCBC9E}" type="datetimeFigureOut">
               <a:rPr lang="en-US" smtClean="0"/>
-              <a:t>8/15/2018</a:t>
+              <a:t>8/16/2018</a:t>
             </a:fld>
             <a:endParaRPr lang="en-US"/>
           </a:p>
@@ -3559,7 +3559,7 @@
           <a:p>
             <a:fld id="{BE86D659-235A-4480-A52F-151100DCBC9E}" type="datetimeFigureOut">
               <a:rPr lang="en-US" smtClean="0"/>
-              <a:t>8/15/2018</a:t>
+              <a:t>8/16/2018</a:t>
             </a:fld>
             <a:endParaRPr lang="en-US"/>
           </a:p>
@@ -4056,14 +4056,11 @@
           </a:p>
           <a:p>
             <a:r>
-              <a:rPr lang="en-US" i="1" dirty="0">
+              <a:rPr lang="en-US" i="1">
                 <a:hlinkClick r:id="rId3"/>
               </a:rPr>
-              <a:t>https://github.com/donaldsawyer/phdata-tdd-r</a:t>
-            </a:r>
-            <a:endParaRPr lang="en-US" i="1" dirty="0"/>
-          </a:p>
-          <a:p>
+              <a:t>https://github.com/donaldsawyer/test-driven-data-wrangling-r</a:t>
+            </a:r>
             <a:endParaRPr lang="en-US" i="1" dirty="0"/>
           </a:p>
         </p:txBody>

--- a/test_driven_data_wrangling_r.pptx
+++ b/test_driven_data_wrangling_r.pptx
@@ -5,31 +5,30 @@
     <p:sldMasterId id="2147483648" r:id="rId1"/>
   </p:sldMasterIdLst>
   <p:notesMasterIdLst>
-    <p:notesMasterId r:id="rId24"/>
+    <p:notesMasterId r:id="rId23"/>
   </p:notesMasterIdLst>
   <p:sldIdLst>
     <p:sldId id="256" r:id="rId2"/>
     <p:sldId id="329" r:id="rId3"/>
     <p:sldId id="258" r:id="rId4"/>
-    <p:sldId id="323" r:id="rId5"/>
-    <p:sldId id="304" r:id="rId6"/>
-    <p:sldId id="257" r:id="rId7"/>
-    <p:sldId id="290" r:id="rId8"/>
-    <p:sldId id="291" r:id="rId9"/>
-    <p:sldId id="259" r:id="rId10"/>
-    <p:sldId id="262" r:id="rId11"/>
-    <p:sldId id="260" r:id="rId12"/>
-    <p:sldId id="263" r:id="rId13"/>
-    <p:sldId id="261" r:id="rId14"/>
-    <p:sldId id="326" r:id="rId15"/>
-    <p:sldId id="327" r:id="rId16"/>
-    <p:sldId id="328" r:id="rId17"/>
-    <p:sldId id="292" r:id="rId18"/>
-    <p:sldId id="296" r:id="rId19"/>
-    <p:sldId id="325" r:id="rId20"/>
-    <p:sldId id="301" r:id="rId21"/>
-    <p:sldId id="297" r:id="rId22"/>
-    <p:sldId id="264" r:id="rId23"/>
+    <p:sldId id="304" r:id="rId5"/>
+    <p:sldId id="257" r:id="rId6"/>
+    <p:sldId id="290" r:id="rId7"/>
+    <p:sldId id="291" r:id="rId8"/>
+    <p:sldId id="259" r:id="rId9"/>
+    <p:sldId id="262" r:id="rId10"/>
+    <p:sldId id="260" r:id="rId11"/>
+    <p:sldId id="263" r:id="rId12"/>
+    <p:sldId id="261" r:id="rId13"/>
+    <p:sldId id="326" r:id="rId14"/>
+    <p:sldId id="327" r:id="rId15"/>
+    <p:sldId id="328" r:id="rId16"/>
+    <p:sldId id="292" r:id="rId17"/>
+    <p:sldId id="296" r:id="rId18"/>
+    <p:sldId id="325" r:id="rId19"/>
+    <p:sldId id="301" r:id="rId20"/>
+    <p:sldId id="297" r:id="rId21"/>
+    <p:sldId id="264" r:id="rId22"/>
   </p:sldIdLst>
   <p:sldSz cx="12192000" cy="6858000"/>
   <p:notesSz cx="6858000" cy="9144000"/>
@@ -1017,7 +1016,7 @@
           <a:p>
             <a:fld id="{F3496621-8783-4CB2-97DF-757AC60A4E09}" type="slidenum">
               <a:rPr lang="en-US" smtClean="0"/>
-              <a:t>6</a:t>
+              <a:t>5</a:t>
             </a:fld>
             <a:endParaRPr lang="en-US"/>
           </a:p>
@@ -1109,7 +1108,7 @@
           <a:p>
             <a:fld id="{42D9BCB6-4ADF-E241-8727-DE2078405E7F}" type="slidenum">
               <a:rPr lang="en-US" smtClean="0"/>
-              <a:t>7</a:t>
+              <a:t>6</a:t>
             </a:fld>
             <a:endParaRPr lang="en-US"/>
           </a:p>
@@ -4112,7 +4111,7 @@
           <a:p>
             <a:r>
               <a:rPr lang="en-US"/>
-              <a:t>A Doorbuster Metric Program</a:t>
+              <a:t>The R Example</a:t>
             </a:r>
           </a:p>
         </p:txBody>
@@ -4134,116 +4133,86 @@
           </a:bodyPr>
           <a:lstStyle/>
           <a:p>
-            <a:pPr marL="0" indent="0">
-              <a:buNone/>
-            </a:pPr>
-            <a:r>
-              <a:rPr lang="en-US" b="1" dirty="0"/>
-              <a:t>Requirements</a:t>
-            </a:r>
-          </a:p>
-          <a:p>
-            <a:pPr marL="514350" indent="-514350">
-              <a:buAutoNum type="arabicPeriod"/>
-            </a:pPr>
-            <a:r>
-              <a:rPr lang="en-US" dirty="0"/>
-              <a:t>Shall read two product csv files</a:t>
-            </a:r>
-          </a:p>
-          <a:p>
-            <a:pPr marL="971550" lvl="1" indent="-514350">
-              <a:buAutoNum type="arabicPeriod"/>
-            </a:pPr>
-            <a:r>
-              <a:rPr lang="en-US" dirty="0"/>
-              <a:t>Doorbuster1.csv</a:t>
-            </a:r>
-          </a:p>
-          <a:p>
-            <a:pPr marL="971550" lvl="1" indent="-514350">
-              <a:buAutoNum type="arabicPeriod"/>
-            </a:pPr>
-            <a:r>
-              <a:rPr lang="en-US" dirty="0"/>
-              <a:t>Doorbuster2.csv</a:t>
-            </a:r>
-          </a:p>
-          <a:p>
-            <a:pPr marL="514350" indent="-514350">
-              <a:buAutoNum type="arabicPeriod"/>
-            </a:pPr>
-            <a:r>
-              <a:rPr lang="en-US" dirty="0"/>
-              <a:t>Shall add two metrics to the product data</a:t>
-            </a:r>
-          </a:p>
-          <a:p>
-            <a:pPr marL="971550" lvl="1" indent="-514350">
-              <a:buAutoNum type="arabicPeriod"/>
-            </a:pPr>
-            <a:r>
-              <a:rPr lang="en-US" dirty="0"/>
-              <a:t>Products that are doorbusters but have no price assigned</a:t>
-            </a:r>
-          </a:p>
-          <a:p>
-            <a:pPr marL="971550" lvl="1" indent="-514350">
-              <a:buAutoNum type="arabicPeriod"/>
-            </a:pPr>
-            <a:r>
-              <a:rPr lang="en-US" dirty="0"/>
-              <a:t>Products that are doorbusters and online, but are out of stock</a:t>
-            </a:r>
-          </a:p>
-          <a:p>
-            <a:pPr marL="514350" indent="-514350">
-              <a:buAutoNum type="arabicPeriod"/>
-            </a:pPr>
-            <a:r>
-              <a:rPr lang="en-US" dirty="0"/>
-              <a:t>Shall write out a csv with the following:</a:t>
-            </a:r>
-          </a:p>
-          <a:p>
-            <a:pPr marL="971550" lvl="1" indent="-514350">
-              <a:buAutoNum type="arabicPeriod"/>
-            </a:pPr>
-            <a:r>
-              <a:rPr lang="en-US" dirty="0"/>
-              <a:t>Product id</a:t>
-            </a:r>
-          </a:p>
-          <a:p>
-            <a:pPr marL="971550" lvl="1" indent="-514350">
-              <a:buAutoNum type="arabicPeriod"/>
-            </a:pPr>
-            <a:r>
-              <a:rPr lang="en-US" dirty="0"/>
-              <a:t>No price metric</a:t>
-            </a:r>
-          </a:p>
-          <a:p>
-            <a:pPr marL="971550" lvl="1" indent="-514350">
-              <a:buAutoNum type="arabicPeriod"/>
-            </a:pPr>
-            <a:r>
-              <a:rPr lang="en-US" dirty="0"/>
-              <a:t>Online but out of stock metric</a:t>
-            </a:r>
-          </a:p>
-          <a:p>
-            <a:pPr marL="971550" lvl="1" indent="-514350">
-              <a:buAutoNum type="arabicPeriod"/>
-            </a:pPr>
-            <a:endParaRPr lang="en-US" dirty="0"/>
+            <a:r>
+              <a:rPr lang="en-US" dirty="0"/>
+              <a:t>0_monolith.R</a:t>
+            </a:r>
+          </a:p>
+          <a:p>
+            <a:pPr lvl="1"/>
+            <a:r>
+              <a:rPr lang="en-US" dirty="0"/>
+              <a:t>A typical R Script</a:t>
+            </a:r>
+          </a:p>
+          <a:p>
+            <a:pPr lvl="1"/>
+            <a:r>
+              <a:rPr lang="en-US" dirty="0"/>
+              <a:t>Contains a lot of code that all runs in sequence</a:t>
+            </a:r>
+          </a:p>
+          <a:p>
+            <a:r>
+              <a:rPr lang="en-US" dirty="0"/>
+              <a:t>What the script does</a:t>
+            </a:r>
+          </a:p>
+          <a:p>
+            <a:pPr lvl="1"/>
+            <a:r>
+              <a:rPr lang="en-US" dirty="0"/>
+              <a:t>Reads 2 data sets from csv (doorbuster data)</a:t>
+            </a:r>
+          </a:p>
+          <a:p>
+            <a:pPr lvl="2"/>
+            <a:r>
+              <a:rPr lang="en-US" dirty="0"/>
+              <a:t>doorbuster1.csv &amp; doorbuster2.csv</a:t>
+            </a:r>
+          </a:p>
+          <a:p>
+            <a:pPr lvl="1"/>
+            <a:r>
+              <a:rPr lang="en-US" dirty="0"/>
+              <a:t>Combines the datasets</a:t>
+            </a:r>
+          </a:p>
+          <a:p>
+            <a:pPr lvl="1"/>
+            <a:r>
+              <a:rPr lang="en-US" dirty="0"/>
+              <a:t>Adds metrics for</a:t>
+            </a:r>
+          </a:p>
+          <a:p>
+            <a:pPr lvl="2"/>
+            <a:r>
+              <a:rPr lang="en-US" dirty="0"/>
+              <a:t>Doorbuster items missing a price</a:t>
+            </a:r>
+          </a:p>
+          <a:p>
+            <a:pPr lvl="2"/>
+            <a:r>
+              <a:rPr lang="en-US" dirty="0"/>
+              <a:t>Doorbuster items that are online, but out of stock</a:t>
+            </a:r>
+          </a:p>
+          <a:p>
+            <a:pPr lvl="1"/>
+            <a:r>
+              <a:rPr lang="en-US" dirty="0"/>
+              <a:t>Writes metric data to csv called doorbuster_metrics.csv</a:t>
+            </a:r>
           </a:p>
         </p:txBody>
       </p:sp>
     </p:spTree>
     <p:extLst>
       <p:ext uri="{BB962C8B-B14F-4D97-AF65-F5344CB8AC3E}">
-        <p14:creationId xmlns:p14="http://schemas.microsoft.com/office/powerpoint/2010/main" val="1358362045"/>
+        <p14:creationId xmlns:p14="http://schemas.microsoft.com/office/powerpoint/2010/main" val="1171179039"/>
       </p:ext>
     </p:extLst>
   </p:cSld>
@@ -4313,33 +4282,15 @@
                                   </p:childTnLst>
                                 </p:cTn>
                               </p:par>
-                            </p:childTnLst>
-                          </p:cTn>
-                        </p:par>
-                      </p:childTnLst>
-                    </p:cTn>
-                  </p:par>
-                  <p:par>
-                    <p:cTn id="8" fill="hold">
-                      <p:stCondLst>
-                        <p:cond delay="indefinite"/>
-                      </p:stCondLst>
-                      <p:childTnLst>
-                        <p:par>
-                          <p:cTn id="9" fill="hold">
-                            <p:stCondLst>
-                              <p:cond delay="0"/>
-                            </p:stCondLst>
-                            <p:childTnLst>
                               <p:par>
-                                <p:cTn id="10" presetID="10" presetClass="entr" presetSubtype="0" fill="hold" grpId="0" nodeType="clickEffect">
+                                <p:cTn id="8" presetID="10" presetClass="entr" presetSubtype="0" fill="hold" grpId="0" nodeType="withEffect">
                                   <p:stCondLst>
                                     <p:cond delay="0"/>
                                   </p:stCondLst>
                                   <p:childTnLst>
                                     <p:set>
                                       <p:cBhvr>
-                                        <p:cTn id="11" dur="1" fill="hold">
+                                        <p:cTn id="9" dur="1" fill="hold">
                                           <p:stCondLst>
                                             <p:cond delay="0"/>
                                           </p:stCondLst>
@@ -4361,7 +4312,7 @@
                                     </p:set>
                                     <p:animEffect transition="in" filter="fade">
                                       <p:cBhvr>
-                                        <p:cTn id="12" dur="500"/>
+                                        <p:cTn id="10" dur="500"/>
                                         <p:tgtEl>
                                           <p:spTgt spid="3">
                                             <p:txEl>
@@ -4375,14 +4326,14 @@
                                 </p:cTn>
                               </p:par>
                               <p:par>
-                                <p:cTn id="13" presetID="10" presetClass="entr" presetSubtype="0" fill="hold" grpId="0" nodeType="withEffect">
+                                <p:cTn id="11" presetID="10" presetClass="entr" presetSubtype="0" fill="hold" grpId="0" nodeType="withEffect">
                                   <p:stCondLst>
                                     <p:cond delay="0"/>
                                   </p:stCondLst>
                                   <p:childTnLst>
                                     <p:set>
                                       <p:cBhvr>
-                                        <p:cTn id="14" dur="1" fill="hold">
+                                        <p:cTn id="12" dur="1" fill="hold">
                                           <p:stCondLst>
                                             <p:cond delay="0"/>
                                           </p:stCondLst>
@@ -4404,54 +4355,11 @@
                                     </p:set>
                                     <p:animEffect transition="in" filter="fade">
                                       <p:cBhvr>
-                                        <p:cTn id="15" dur="500"/>
+                                        <p:cTn id="13" dur="500"/>
                                         <p:tgtEl>
                                           <p:spTgt spid="3">
                                             <p:txEl>
                                               <p:pRg st="2" end="2"/>
-                                            </p:txEl>
-                                          </p:spTgt>
-                                        </p:tgtEl>
-                                      </p:cBhvr>
-                                    </p:animEffect>
-                                  </p:childTnLst>
-                                </p:cTn>
-                              </p:par>
-                              <p:par>
-                                <p:cTn id="16" presetID="10" presetClass="entr" presetSubtype="0" fill="hold" grpId="0" nodeType="withEffect">
-                                  <p:stCondLst>
-                                    <p:cond delay="0"/>
-                                  </p:stCondLst>
-                                  <p:childTnLst>
-                                    <p:set>
-                                      <p:cBhvr>
-                                        <p:cTn id="17" dur="1" fill="hold">
-                                          <p:stCondLst>
-                                            <p:cond delay="0"/>
-                                          </p:stCondLst>
-                                        </p:cTn>
-                                        <p:tgtEl>
-                                          <p:spTgt spid="3">
-                                            <p:txEl>
-                                              <p:pRg st="3" end="3"/>
-                                            </p:txEl>
-                                          </p:spTgt>
-                                        </p:tgtEl>
-                                        <p:attrNameLst>
-                                          <p:attrName>style.visibility</p:attrName>
-                                        </p:attrNameLst>
-                                      </p:cBhvr>
-                                      <p:to>
-                                        <p:strVal val="visible"/>
-                                      </p:to>
-                                    </p:set>
-                                    <p:animEffect transition="in" filter="fade">
-                                      <p:cBhvr>
-                                        <p:cTn id="18" dur="500"/>
-                                        <p:tgtEl>
-                                          <p:spTgt spid="3">
-                                            <p:txEl>
-                                              <p:pRg st="3" end="3"/>
                                             </p:txEl>
                                           </p:spTgt>
                                         </p:tgtEl>
@@ -4467,26 +4375,26 @@
                     </p:cTn>
                   </p:par>
                   <p:par>
-                    <p:cTn id="19" fill="hold">
+                    <p:cTn id="14" fill="hold">
                       <p:stCondLst>
                         <p:cond delay="indefinite"/>
                       </p:stCondLst>
                       <p:childTnLst>
                         <p:par>
-                          <p:cTn id="20" fill="hold">
+                          <p:cTn id="15" fill="hold">
                             <p:stCondLst>
                               <p:cond delay="0"/>
                             </p:stCondLst>
                             <p:childTnLst>
                               <p:par>
-                                <p:cTn id="21" presetID="10" presetClass="entr" presetSubtype="0" fill="hold" grpId="0" nodeType="clickEffect">
+                                <p:cTn id="16" presetID="10" presetClass="entr" presetSubtype="0" fill="hold" grpId="0" nodeType="clickEffect">
                                   <p:stCondLst>
                                     <p:cond delay="0"/>
                                   </p:stCondLst>
                                   <p:childTnLst>
                                     <p:set>
                                       <p:cBhvr>
-                                        <p:cTn id="22" dur="1" fill="hold">
+                                        <p:cTn id="17" dur="1" fill="hold">
                                           <p:stCondLst>
                                             <p:cond delay="0"/>
                                           </p:stCondLst>
@@ -4494,7 +4402,7 @@
                                         <p:tgtEl>
                                           <p:spTgt spid="3">
                                             <p:txEl>
-                                              <p:pRg st="4" end="4"/>
+                                              <p:pRg st="3" end="3"/>
                                             </p:txEl>
                                           </p:spTgt>
                                         </p:tgtEl>
@@ -4508,11 +4416,11 @@
                                     </p:set>
                                     <p:animEffect transition="in" filter="fade">
                                       <p:cBhvr>
-                                        <p:cTn id="23" dur="500"/>
-                                        <p:tgtEl>
-                                          <p:spTgt spid="3">
-                                            <p:txEl>
-                                              <p:pRg st="4" end="4"/>
+                                        <p:cTn id="18" dur="500"/>
+                                        <p:tgtEl>
+                                          <p:spTgt spid="3">
+                                            <p:txEl>
+                                              <p:pRg st="3" end="3"/>
                                             </p:txEl>
                                           </p:spTgt>
                                         </p:tgtEl>
@@ -4522,14 +4430,14 @@
                                 </p:cTn>
                               </p:par>
                               <p:par>
-                                <p:cTn id="24" presetID="10" presetClass="entr" presetSubtype="0" fill="hold" grpId="0" nodeType="withEffect">
+                                <p:cTn id="19" presetID="10" presetClass="entr" presetSubtype="0" fill="hold" grpId="0" nodeType="withEffect">
                                   <p:stCondLst>
                                     <p:cond delay="0"/>
                                   </p:stCondLst>
                                   <p:childTnLst>
                                     <p:set>
                                       <p:cBhvr>
-                                        <p:cTn id="25" dur="1" fill="hold">
+                                        <p:cTn id="20" dur="1" fill="hold">
                                           <p:stCondLst>
                                             <p:cond delay="0"/>
                                           </p:stCondLst>
@@ -4537,7 +4445,7 @@
                                         <p:tgtEl>
                                           <p:spTgt spid="3">
                                             <p:txEl>
-                                              <p:pRg st="5" end="5"/>
+                                              <p:pRg st="4" end="4"/>
                                             </p:txEl>
                                           </p:spTgt>
                                         </p:tgtEl>
@@ -4551,11 +4459,11 @@
                                     </p:set>
                                     <p:animEffect transition="in" filter="fade">
                                       <p:cBhvr>
-                                        <p:cTn id="26" dur="500"/>
-                                        <p:tgtEl>
-                                          <p:spTgt spid="3">
-                                            <p:txEl>
-                                              <p:pRg st="5" end="5"/>
+                                        <p:cTn id="21" dur="500"/>
+                                        <p:tgtEl>
+                                          <p:spTgt spid="3">
+                                            <p:txEl>
+                                              <p:pRg st="4" end="4"/>
                                             </p:txEl>
                                           </p:spTgt>
                                         </p:tgtEl>
@@ -4565,14 +4473,14 @@
                                 </p:cTn>
                               </p:par>
                               <p:par>
-                                <p:cTn id="27" presetID="10" presetClass="entr" presetSubtype="0" fill="hold" grpId="0" nodeType="withEffect">
+                                <p:cTn id="22" presetID="10" presetClass="entr" presetSubtype="0" fill="hold" grpId="0" nodeType="withEffect">
                                   <p:stCondLst>
                                     <p:cond delay="0"/>
                                   </p:stCondLst>
                                   <p:childTnLst>
                                     <p:set>
                                       <p:cBhvr>
-                                        <p:cTn id="28" dur="1" fill="hold">
+                                        <p:cTn id="23" dur="1" fill="hold">
                                           <p:stCondLst>
                                             <p:cond delay="0"/>
                                           </p:stCondLst>
@@ -4580,7 +4488,7 @@
                                         <p:tgtEl>
                                           <p:spTgt spid="3">
                                             <p:txEl>
-                                              <p:pRg st="6" end="6"/>
+                                              <p:pRg st="5" end="5"/>
                                             </p:txEl>
                                           </p:spTgt>
                                         </p:tgtEl>
@@ -4594,11 +4502,11 @@
                                     </p:set>
                                     <p:animEffect transition="in" filter="fade">
                                       <p:cBhvr>
-                                        <p:cTn id="29" dur="500"/>
-                                        <p:tgtEl>
-                                          <p:spTgt spid="3">
-                                            <p:txEl>
-                                              <p:pRg st="6" end="6"/>
+                                        <p:cTn id="24" dur="500"/>
+                                        <p:tgtEl>
+                                          <p:spTgt spid="3">
+                                            <p:txEl>
+                                              <p:pRg st="5" end="5"/>
                                             </p:txEl>
                                           </p:spTgt>
                                         </p:tgtEl>
@@ -4607,33 +4515,15 @@
                                   </p:childTnLst>
                                 </p:cTn>
                               </p:par>
-                            </p:childTnLst>
-                          </p:cTn>
-                        </p:par>
-                      </p:childTnLst>
-                    </p:cTn>
-                  </p:par>
-                  <p:par>
-                    <p:cTn id="30" fill="hold">
-                      <p:stCondLst>
-                        <p:cond delay="indefinite"/>
-                      </p:stCondLst>
-                      <p:childTnLst>
-                        <p:par>
-                          <p:cTn id="31" fill="hold">
-                            <p:stCondLst>
-                              <p:cond delay="0"/>
-                            </p:stCondLst>
-                            <p:childTnLst>
                               <p:par>
-                                <p:cTn id="32" presetID="10" presetClass="entr" presetSubtype="0" fill="hold" grpId="0" nodeType="clickEffect">
+                                <p:cTn id="25" presetID="10" presetClass="entr" presetSubtype="0" fill="hold" grpId="0" nodeType="withEffect">
                                   <p:stCondLst>
                                     <p:cond delay="0"/>
                                   </p:stCondLst>
                                   <p:childTnLst>
                                     <p:set>
                                       <p:cBhvr>
-                                        <p:cTn id="33" dur="1" fill="hold">
+                                        <p:cTn id="26" dur="1" fill="hold">
                                           <p:stCondLst>
                                             <p:cond delay="0"/>
                                           </p:stCondLst>
@@ -4641,7 +4531,7 @@
                                         <p:tgtEl>
                                           <p:spTgt spid="3">
                                             <p:txEl>
-                                              <p:pRg st="7" end="7"/>
+                                              <p:pRg st="6" end="6"/>
                                             </p:txEl>
                                           </p:spTgt>
                                         </p:tgtEl>
@@ -4655,11 +4545,11 @@
                                     </p:set>
                                     <p:animEffect transition="in" filter="fade">
                                       <p:cBhvr>
-                                        <p:cTn id="34" dur="500"/>
-                                        <p:tgtEl>
-                                          <p:spTgt spid="3">
-                                            <p:txEl>
-                                              <p:pRg st="7" end="7"/>
+                                        <p:cTn id="27" dur="500"/>
+                                        <p:tgtEl>
+                                          <p:spTgt spid="3">
+                                            <p:txEl>
+                                              <p:pRg st="6" end="6"/>
                                             </p:txEl>
                                           </p:spTgt>
                                         </p:tgtEl>
@@ -4669,14 +4559,14 @@
                                 </p:cTn>
                               </p:par>
                               <p:par>
-                                <p:cTn id="35" presetID="10" presetClass="entr" presetSubtype="0" fill="hold" grpId="0" nodeType="withEffect">
+                                <p:cTn id="28" presetID="10" presetClass="entr" presetSubtype="0" fill="hold" grpId="0" nodeType="withEffect">
                                   <p:stCondLst>
                                     <p:cond delay="0"/>
                                   </p:stCondLst>
                                   <p:childTnLst>
                                     <p:set>
                                       <p:cBhvr>
-                                        <p:cTn id="36" dur="1" fill="hold">
+                                        <p:cTn id="29" dur="1" fill="hold">
                                           <p:stCondLst>
                                             <p:cond delay="0"/>
                                           </p:stCondLst>
@@ -4684,7 +4574,7 @@
                                         <p:tgtEl>
                                           <p:spTgt spid="3">
                                             <p:txEl>
-                                              <p:pRg st="8" end="8"/>
+                                              <p:pRg st="7" end="7"/>
                                             </p:txEl>
                                           </p:spTgt>
                                         </p:tgtEl>
@@ -4698,11 +4588,11 @@
                                     </p:set>
                                     <p:animEffect transition="in" filter="fade">
                                       <p:cBhvr>
-                                        <p:cTn id="37" dur="500"/>
-                                        <p:tgtEl>
-                                          <p:spTgt spid="3">
-                                            <p:txEl>
-                                              <p:pRg st="8" end="8"/>
+                                        <p:cTn id="30" dur="500"/>
+                                        <p:tgtEl>
+                                          <p:spTgt spid="3">
+                                            <p:txEl>
+                                              <p:pRg st="7" end="7"/>
                                             </p:txEl>
                                           </p:spTgt>
                                         </p:tgtEl>
@@ -4712,14 +4602,14 @@
                                 </p:cTn>
                               </p:par>
                               <p:par>
-                                <p:cTn id="38" presetID="10" presetClass="entr" presetSubtype="0" fill="hold" grpId="0" nodeType="withEffect">
+                                <p:cTn id="31" presetID="10" presetClass="entr" presetSubtype="0" fill="hold" grpId="0" nodeType="withEffect">
                                   <p:stCondLst>
                                     <p:cond delay="0"/>
                                   </p:stCondLst>
                                   <p:childTnLst>
                                     <p:set>
                                       <p:cBhvr>
-                                        <p:cTn id="39" dur="1" fill="hold">
+                                        <p:cTn id="32" dur="1" fill="hold">
                                           <p:stCondLst>
                                             <p:cond delay="0"/>
                                           </p:stCondLst>
@@ -4727,7 +4617,7 @@
                                         <p:tgtEl>
                                           <p:spTgt spid="3">
                                             <p:txEl>
-                                              <p:pRg st="9" end="9"/>
+                                              <p:pRg st="8" end="8"/>
                                             </p:txEl>
                                           </p:spTgt>
                                         </p:tgtEl>
@@ -4741,11 +4631,11 @@
                                     </p:set>
                                     <p:animEffect transition="in" filter="fade">
                                       <p:cBhvr>
-                                        <p:cTn id="40" dur="500"/>
-                                        <p:tgtEl>
-                                          <p:spTgt spid="3">
-                                            <p:txEl>
-                                              <p:pRg st="9" end="9"/>
+                                        <p:cTn id="33" dur="500"/>
+                                        <p:tgtEl>
+                                          <p:spTgt spid="3">
+                                            <p:txEl>
+                                              <p:pRg st="8" end="8"/>
                                             </p:txEl>
                                           </p:spTgt>
                                         </p:tgtEl>
@@ -4755,14 +4645,14 @@
                                 </p:cTn>
                               </p:par>
                               <p:par>
-                                <p:cTn id="41" presetID="10" presetClass="entr" presetSubtype="0" fill="hold" grpId="0" nodeType="withEffect">
+                                <p:cTn id="34" presetID="10" presetClass="entr" presetSubtype="0" fill="hold" grpId="0" nodeType="withEffect">
                                   <p:stCondLst>
                                     <p:cond delay="0"/>
                                   </p:stCondLst>
                                   <p:childTnLst>
                                     <p:set>
                                       <p:cBhvr>
-                                        <p:cTn id="42" dur="1" fill="hold">
+                                        <p:cTn id="35" dur="1" fill="hold">
                                           <p:stCondLst>
                                             <p:cond delay="0"/>
                                           </p:stCondLst>
@@ -4770,7 +4660,7 @@
                                         <p:tgtEl>
                                           <p:spTgt spid="3">
                                             <p:txEl>
-                                              <p:pRg st="10" end="10"/>
+                                              <p:pRg st="9" end="9"/>
                                             </p:txEl>
                                           </p:spTgt>
                                         </p:tgtEl>
@@ -4784,7 +4674,50 @@
                                     </p:set>
                                     <p:animEffect transition="in" filter="fade">
                                       <p:cBhvr>
-                                        <p:cTn id="43" dur="500"/>
+                                        <p:cTn id="36" dur="500"/>
+                                        <p:tgtEl>
+                                          <p:spTgt spid="3">
+                                            <p:txEl>
+                                              <p:pRg st="9" end="9"/>
+                                            </p:txEl>
+                                          </p:spTgt>
+                                        </p:tgtEl>
+                                      </p:cBhvr>
+                                    </p:animEffect>
+                                  </p:childTnLst>
+                                </p:cTn>
+                              </p:par>
+                              <p:par>
+                                <p:cTn id="37" presetID="10" presetClass="entr" presetSubtype="0" fill="hold" grpId="0" nodeType="withEffect">
+                                  <p:stCondLst>
+                                    <p:cond delay="0"/>
+                                  </p:stCondLst>
+                                  <p:childTnLst>
+                                    <p:set>
+                                      <p:cBhvr>
+                                        <p:cTn id="38" dur="1" fill="hold">
+                                          <p:stCondLst>
+                                            <p:cond delay="0"/>
+                                          </p:stCondLst>
+                                        </p:cTn>
+                                        <p:tgtEl>
+                                          <p:spTgt spid="3">
+                                            <p:txEl>
+                                              <p:pRg st="10" end="10"/>
+                                            </p:txEl>
+                                          </p:spTgt>
+                                        </p:tgtEl>
+                                        <p:attrNameLst>
+                                          <p:attrName>style.visibility</p:attrName>
+                                        </p:attrNameLst>
+                                      </p:cBhvr>
+                                      <p:to>
+                                        <p:strVal val="visible"/>
+                                      </p:to>
+                                    </p:set>
+                                    <p:animEffect transition="in" filter="fade">
+                                      <p:cBhvr>
+                                        <p:cTn id="39" dur="500"/>
                                         <p:tgtEl>
                                           <p:spTgt spid="3">
                                             <p:txEl>
@@ -4865,7 +4798,7 @@
           <a:p>
             <a:r>
               <a:rPr lang="en-US"/>
-              <a:t>The R Example</a:t>
+              <a:t>To Refactor (the TDD Way)</a:t>
             </a:r>
           </a:p>
         </p:txBody>
@@ -4882,91 +4815,233 @@
         </p:nvSpPr>
         <p:spPr/>
         <p:txBody>
-          <a:bodyPr>
-            <a:normAutofit lnSpcReduction="10000"/>
-          </a:bodyPr>
+          <a:bodyPr/>
           <a:lstStyle/>
           <a:p>
-            <a:r>
-              <a:rPr lang="en-US" dirty="0"/>
-              <a:t>0_monolith.R</a:t>
-            </a:r>
-          </a:p>
-          <a:p>
-            <a:pPr lvl="1"/>
-            <a:r>
-              <a:rPr lang="en-US" dirty="0"/>
-              <a:t>A typical R Script</a:t>
-            </a:r>
-          </a:p>
-          <a:p>
-            <a:pPr lvl="1"/>
-            <a:r>
-              <a:rPr lang="en-US" dirty="0"/>
-              <a:t>Contains a lot of code that all runs in sequence</a:t>
-            </a:r>
-          </a:p>
-          <a:p>
-            <a:r>
-              <a:rPr lang="en-US" dirty="0"/>
-              <a:t>What the script does</a:t>
-            </a:r>
-          </a:p>
-          <a:p>
-            <a:pPr lvl="1"/>
-            <a:r>
-              <a:rPr lang="en-US" dirty="0"/>
-              <a:t>Reads 2 data sets from csv (doorbuster data)</a:t>
-            </a:r>
-          </a:p>
-          <a:p>
-            <a:pPr lvl="2"/>
-            <a:r>
-              <a:rPr lang="en-US" dirty="0"/>
-              <a:t>doorbuster1.csv &amp; doorbuster2.csv</a:t>
-            </a:r>
-          </a:p>
-          <a:p>
-            <a:pPr lvl="1"/>
-            <a:r>
-              <a:rPr lang="en-US" dirty="0"/>
-              <a:t>Combines the datasets</a:t>
-            </a:r>
-          </a:p>
-          <a:p>
-            <a:pPr lvl="1"/>
-            <a:r>
-              <a:rPr lang="en-US" dirty="0"/>
-              <a:t>Adds metrics for</a:t>
-            </a:r>
-          </a:p>
-          <a:p>
-            <a:pPr lvl="2"/>
-            <a:r>
-              <a:rPr lang="en-US" dirty="0"/>
-              <a:t>Doorbuster items missing a price</a:t>
-            </a:r>
-          </a:p>
-          <a:p>
-            <a:pPr lvl="2"/>
-            <a:r>
-              <a:rPr lang="en-US" dirty="0"/>
-              <a:t>Doorbuster items that are online, but out of stock</a:t>
-            </a:r>
-          </a:p>
-          <a:p>
-            <a:pPr lvl="1"/>
-            <a:r>
-              <a:rPr lang="en-US" dirty="0"/>
-              <a:t>Writes metric data to csv called doorbuster_metrics.csv</a:t>
-            </a:r>
+            <a:pPr marL="514350" indent="-514350">
+              <a:buFont typeface="+mj-lt"/>
+              <a:buAutoNum type="arabicPeriod"/>
+            </a:pPr>
+            <a:r>
+              <a:rPr lang="en-US"/>
+              <a:t>Stub out a function for the code being refactored</a:t>
+            </a:r>
+          </a:p>
+          <a:p>
+            <a:pPr marL="514350" indent="-514350">
+              <a:buFont typeface="+mj-lt"/>
+              <a:buAutoNum type="arabicPeriod"/>
+            </a:pPr>
+            <a:r>
+              <a:rPr lang="en-US"/>
+              <a:t>Write the appropriate unit tests</a:t>
+            </a:r>
+          </a:p>
+          <a:p>
+            <a:pPr marL="514350" indent="-514350">
+              <a:buFont typeface="+mj-lt"/>
+              <a:buAutoNum type="arabicPeriod"/>
+            </a:pPr>
+            <a:r>
+              <a:rPr lang="en-US"/>
+              <a:t>RUN the tests </a:t>
+            </a:r>
+            <a:r>
+              <a:rPr lang="en-US">
+                <a:sym typeface="Wingdings" panose="05000000000000000000" pitchFamily="2" charset="2"/>
+              </a:rPr>
+              <a:t> They BETTER fail!</a:t>
+            </a:r>
+          </a:p>
+          <a:p>
+            <a:pPr marL="514350" indent="-514350">
+              <a:buFont typeface="+mj-lt"/>
+              <a:buAutoNum type="arabicPeriod"/>
+            </a:pPr>
+            <a:r>
+              <a:rPr lang="en-US">
+                <a:sym typeface="Wingdings" panose="05000000000000000000" pitchFamily="2" charset="2"/>
+              </a:rPr>
+              <a:t>Fill the code into the method</a:t>
+            </a:r>
+          </a:p>
+          <a:p>
+            <a:pPr marL="514350" indent="-514350">
+              <a:buFont typeface="+mj-lt"/>
+              <a:buAutoNum type="arabicPeriod"/>
+            </a:pPr>
+            <a:r>
+              <a:rPr lang="en-US">
+                <a:sym typeface="Wingdings" panose="05000000000000000000" pitchFamily="2" charset="2"/>
+              </a:rPr>
+              <a:t>RUN the tests &amp; fix function until the tests pass</a:t>
+            </a:r>
+          </a:p>
+          <a:p>
+            <a:pPr marL="514350" indent="-514350">
+              <a:buFont typeface="+mj-lt"/>
+              <a:buAutoNum type="arabicPeriod"/>
+            </a:pPr>
+            <a:r>
+              <a:rPr lang="en-US">
+                <a:sym typeface="Wingdings" panose="05000000000000000000" pitchFamily="2" charset="2"/>
+              </a:rPr>
+              <a:t>Move on</a:t>
+            </a:r>
+          </a:p>
+          <a:p>
+            <a:pPr marL="514350" indent="-514350">
+              <a:buFont typeface="+mj-lt"/>
+              <a:buAutoNum type="arabicPeriod"/>
+            </a:pPr>
+            <a:r>
+              <a:rPr lang="en-US">
+                <a:sym typeface="Wingdings" panose="05000000000000000000" pitchFamily="2" charset="2"/>
+              </a:rPr>
+              <a:t>Every change to the program you make, RUN ALL THE TESTS</a:t>
+            </a:r>
+          </a:p>
+          <a:p>
+            <a:pPr marL="514350" indent="-514350">
+              <a:buFont typeface="+mj-lt"/>
+              <a:buAutoNum type="arabicPeriod"/>
+            </a:pPr>
+            <a:r>
+              <a:rPr lang="en-US">
+                <a:sym typeface="Wingdings" panose="05000000000000000000" pitchFamily="2" charset="2"/>
+              </a:rPr>
+              <a:t>Every defect that gets reported  CREATE NEW TESTS</a:t>
+            </a:r>
+            <a:endParaRPr lang="en-US"/>
           </a:p>
         </p:txBody>
       </p:sp>
     </p:spTree>
     <p:extLst>
       <p:ext uri="{BB962C8B-B14F-4D97-AF65-F5344CB8AC3E}">
-        <p14:creationId xmlns:p14="http://schemas.microsoft.com/office/powerpoint/2010/main" val="1171179039"/>
+        <p14:creationId xmlns:p14="http://schemas.microsoft.com/office/powerpoint/2010/main" val="137657008"/>
+      </p:ext>
+    </p:extLst>
+  </p:cSld>
+  <p:clrMapOvr>
+    <a:masterClrMapping/>
+  </p:clrMapOvr>
+</p:sld>
+</file>
+
+<file path=ppt/slides/slide12.xml><?xml version="1.0" encoding="utf-8"?>
+<p:sld xmlns:a="http://schemas.openxmlformats.org/drawingml/2006/main" xmlns:r="http://schemas.openxmlformats.org/officeDocument/2006/relationships" xmlns:p="http://schemas.openxmlformats.org/presentationml/2006/main">
+  <p:cSld>
+    <p:spTree>
+      <p:nvGrpSpPr>
+        <p:cNvPr id="1" name=""/>
+        <p:cNvGrpSpPr/>
+        <p:nvPr/>
+      </p:nvGrpSpPr>
+      <p:grpSpPr>
+        <a:xfrm>
+          <a:off x="0" y="0"/>
+          <a:ext cx="0" cy="0"/>
+          <a:chOff x="0" y="0"/>
+          <a:chExt cx="0" cy="0"/>
+        </a:xfrm>
+      </p:grpSpPr>
+      <p:sp>
+        <p:nvSpPr>
+          <p:cNvPr id="2" name="Title 1"/>
+          <p:cNvSpPr>
+            <a:spLocks noGrp="1"/>
+          </p:cNvSpPr>
+          <p:nvPr>
+            <p:ph type="title"/>
+          </p:nvPr>
+        </p:nvSpPr>
+        <p:spPr/>
+        <p:txBody>
+          <a:bodyPr/>
+          <a:lstStyle/>
+          <a:p>
+            <a:r>
+              <a:rPr lang="en-US"/>
+              <a:t>Refactor: Extract Method</a:t>
+            </a:r>
+          </a:p>
+        </p:txBody>
+      </p:sp>
+      <p:sp>
+        <p:nvSpPr>
+          <p:cNvPr id="3" name="Content Placeholder 2"/>
+          <p:cNvSpPr>
+            <a:spLocks noGrp="1"/>
+          </p:cNvSpPr>
+          <p:nvPr>
+            <p:ph idx="1"/>
+          </p:nvPr>
+        </p:nvSpPr>
+        <p:spPr/>
+        <p:txBody>
+          <a:bodyPr/>
+          <a:lstStyle/>
+          <a:p>
+            <a:r>
+              <a:rPr lang="en-US" dirty="0"/>
+              <a:t>Purpose</a:t>
+            </a:r>
+          </a:p>
+          <a:p>
+            <a:pPr lvl="1"/>
+            <a:r>
+              <a:rPr lang="en-US" dirty="0"/>
+              <a:t>Take a chunk of code and create a method/function so it can be tested.</a:t>
+            </a:r>
+          </a:p>
+          <a:p>
+            <a:pPr lvl="1"/>
+            <a:r>
+              <a:rPr lang="en-US" dirty="0"/>
+              <a:t>Make a small function to follow the Single Responsibility principle</a:t>
+            </a:r>
+          </a:p>
+          <a:p>
+            <a:r>
+              <a:rPr lang="en-US" dirty="0"/>
+              <a:t>In 0_monolith.R</a:t>
+            </a:r>
+          </a:p>
+          <a:p>
+            <a:pPr lvl="1"/>
+            <a:r>
+              <a:rPr lang="en-US" dirty="0"/>
+              <a:t>Create a method for reading a single doorbuster csv file</a:t>
+            </a:r>
+          </a:p>
+          <a:p>
+            <a:pPr lvl="1"/>
+            <a:r>
+              <a:rPr lang="en-US" dirty="0"/>
+              <a:t>Create a method that reads both doorbuster csv files</a:t>
+            </a:r>
+          </a:p>
+          <a:p>
+            <a:pPr lvl="1"/>
+            <a:r>
+              <a:rPr lang="en-US" dirty="0"/>
+              <a:t>Create a method that adds metric for doorbusters with no price</a:t>
+            </a:r>
+          </a:p>
+          <a:p>
+            <a:pPr lvl="1"/>
+            <a:r>
+              <a:rPr lang="en-US" dirty="0"/>
+              <a:t>Create a method that adds metric for doorbusters that are online but out of stock</a:t>
+            </a:r>
+          </a:p>
+        </p:txBody>
+      </p:sp>
+    </p:spTree>
+    <p:extLst>
+      <p:ext uri="{BB962C8B-B14F-4D97-AF65-F5344CB8AC3E}">
+        <p14:creationId xmlns:p14="http://schemas.microsoft.com/office/powerpoint/2010/main" val="367337230"/>
       </p:ext>
     </p:extLst>
   </p:cSld>
@@ -4985,6 +5060,9 @@
                     <p:cTn id="3" fill="hold">
                       <p:stCondLst>
                         <p:cond delay="indefinite"/>
+                        <p:cond evt="onBegin" delay="0">
+                          <p:tn val="2"/>
+                        </p:cond>
                       </p:stCondLst>
                       <p:childTnLst>
                         <p:par>
@@ -4994,7 +5072,7 @@
                             </p:stCondLst>
                             <p:childTnLst>
                               <p:par>
-                                <p:cTn id="5" presetID="10" presetClass="entr" presetSubtype="0" fill="hold" grpId="0" nodeType="clickEffect">
+                                <p:cTn id="5" presetID="10" presetClass="entr" presetSubtype="0" fill="hold" nodeType="withEffect">
                                   <p:stCondLst>
                                     <p:cond delay="0"/>
                                   </p:stCondLst>
@@ -5037,7 +5115,7 @@
                                 </p:cTn>
                               </p:par>
                               <p:par>
-                                <p:cTn id="8" presetID="10" presetClass="entr" presetSubtype="0" fill="hold" grpId="0" nodeType="withEffect">
+                                <p:cTn id="8" presetID="10" presetClass="entr" presetSubtype="0" fill="hold" nodeType="withEffect">
                                   <p:stCondLst>
                                     <p:cond delay="0"/>
                                   </p:stCondLst>
@@ -5080,7 +5158,7 @@
                                 </p:cTn>
                               </p:par>
                               <p:par>
-                                <p:cTn id="11" presetID="10" presetClass="entr" presetSubtype="0" fill="hold" grpId="0" nodeType="withEffect">
+                                <p:cTn id="11" presetID="10" presetClass="entr" presetSubtype="0" fill="hold" nodeType="withEffect">
                                   <p:stCondLst>
                                     <p:cond delay="0"/>
                                   </p:stCondLst>
@@ -5141,7 +5219,7 @@
                             </p:stCondLst>
                             <p:childTnLst>
                               <p:par>
-                                <p:cTn id="16" presetID="10" presetClass="entr" presetSubtype="0" fill="hold" grpId="0" nodeType="clickEffect">
+                                <p:cTn id="16" presetID="10" presetClass="entr" presetSubtype="0" fill="hold" nodeType="clickEffect">
                                   <p:stCondLst>
                                     <p:cond delay="0"/>
                                   </p:stCondLst>
@@ -5184,7 +5262,7 @@
                                 </p:cTn>
                               </p:par>
                               <p:par>
-                                <p:cTn id="19" presetID="10" presetClass="entr" presetSubtype="0" fill="hold" grpId="0" nodeType="withEffect">
+                                <p:cTn id="19" presetID="10" presetClass="entr" presetSubtype="0" fill="hold" nodeType="withEffect">
                                   <p:stCondLst>
                                     <p:cond delay="0"/>
                                   </p:stCondLst>
@@ -5227,7 +5305,7 @@
                                 </p:cTn>
                               </p:par>
                               <p:par>
-                                <p:cTn id="22" presetID="10" presetClass="entr" presetSubtype="0" fill="hold" grpId="0" nodeType="withEffect">
+                                <p:cTn id="22" presetID="10" presetClass="entr" presetSubtype="0" fill="hold" nodeType="withEffect">
                                   <p:stCondLst>
                                     <p:cond delay="0"/>
                                   </p:stCondLst>
@@ -5270,7 +5348,7 @@
                                 </p:cTn>
                               </p:par>
                               <p:par>
-                                <p:cTn id="25" presetID="10" presetClass="entr" presetSubtype="0" fill="hold" grpId="0" nodeType="withEffect">
+                                <p:cTn id="25" presetID="10" presetClass="entr" presetSubtype="0" fill="hold" nodeType="withEffect">
                                   <p:stCondLst>
                                     <p:cond delay="0"/>
                                   </p:stCondLst>
@@ -5313,7 +5391,7 @@
                                 </p:cTn>
                               </p:par>
                               <p:par>
-                                <p:cTn id="28" presetID="10" presetClass="entr" presetSubtype="0" fill="hold" grpId="0" nodeType="withEffect">
+                                <p:cTn id="28" presetID="10" presetClass="entr" presetSubtype="0" fill="hold" nodeType="withEffect">
                                   <p:stCondLst>
                                     <p:cond delay="0"/>
                                   </p:stCondLst>
@@ -5343,1464 +5421,6 @@
                                     <p:animEffect transition="in" filter="fade">
                                       <p:cBhvr>
                                         <p:cTn id="30" dur="500"/>
-                                        <p:tgtEl>
-                                          <p:spTgt spid="3">
-                                            <p:txEl>
-                                              <p:pRg st="7" end="7"/>
-                                            </p:txEl>
-                                          </p:spTgt>
-                                        </p:tgtEl>
-                                      </p:cBhvr>
-                                    </p:animEffect>
-                                  </p:childTnLst>
-                                </p:cTn>
-                              </p:par>
-                              <p:par>
-                                <p:cTn id="31" presetID="10" presetClass="entr" presetSubtype="0" fill="hold" grpId="0" nodeType="withEffect">
-                                  <p:stCondLst>
-                                    <p:cond delay="0"/>
-                                  </p:stCondLst>
-                                  <p:childTnLst>
-                                    <p:set>
-                                      <p:cBhvr>
-                                        <p:cTn id="32" dur="1" fill="hold">
-                                          <p:stCondLst>
-                                            <p:cond delay="0"/>
-                                          </p:stCondLst>
-                                        </p:cTn>
-                                        <p:tgtEl>
-                                          <p:spTgt spid="3">
-                                            <p:txEl>
-                                              <p:pRg st="8" end="8"/>
-                                            </p:txEl>
-                                          </p:spTgt>
-                                        </p:tgtEl>
-                                        <p:attrNameLst>
-                                          <p:attrName>style.visibility</p:attrName>
-                                        </p:attrNameLst>
-                                      </p:cBhvr>
-                                      <p:to>
-                                        <p:strVal val="visible"/>
-                                      </p:to>
-                                    </p:set>
-                                    <p:animEffect transition="in" filter="fade">
-                                      <p:cBhvr>
-                                        <p:cTn id="33" dur="500"/>
-                                        <p:tgtEl>
-                                          <p:spTgt spid="3">
-                                            <p:txEl>
-                                              <p:pRg st="8" end="8"/>
-                                            </p:txEl>
-                                          </p:spTgt>
-                                        </p:tgtEl>
-                                      </p:cBhvr>
-                                    </p:animEffect>
-                                  </p:childTnLst>
-                                </p:cTn>
-                              </p:par>
-                              <p:par>
-                                <p:cTn id="34" presetID="10" presetClass="entr" presetSubtype="0" fill="hold" grpId="0" nodeType="withEffect">
-                                  <p:stCondLst>
-                                    <p:cond delay="0"/>
-                                  </p:stCondLst>
-                                  <p:childTnLst>
-                                    <p:set>
-                                      <p:cBhvr>
-                                        <p:cTn id="35" dur="1" fill="hold">
-                                          <p:stCondLst>
-                                            <p:cond delay="0"/>
-                                          </p:stCondLst>
-                                        </p:cTn>
-                                        <p:tgtEl>
-                                          <p:spTgt spid="3">
-                                            <p:txEl>
-                                              <p:pRg st="9" end="9"/>
-                                            </p:txEl>
-                                          </p:spTgt>
-                                        </p:tgtEl>
-                                        <p:attrNameLst>
-                                          <p:attrName>style.visibility</p:attrName>
-                                        </p:attrNameLst>
-                                      </p:cBhvr>
-                                      <p:to>
-                                        <p:strVal val="visible"/>
-                                      </p:to>
-                                    </p:set>
-                                    <p:animEffect transition="in" filter="fade">
-                                      <p:cBhvr>
-                                        <p:cTn id="36" dur="500"/>
-                                        <p:tgtEl>
-                                          <p:spTgt spid="3">
-                                            <p:txEl>
-                                              <p:pRg st="9" end="9"/>
-                                            </p:txEl>
-                                          </p:spTgt>
-                                        </p:tgtEl>
-                                      </p:cBhvr>
-                                    </p:animEffect>
-                                  </p:childTnLst>
-                                </p:cTn>
-                              </p:par>
-                              <p:par>
-                                <p:cTn id="37" presetID="10" presetClass="entr" presetSubtype="0" fill="hold" grpId="0" nodeType="withEffect">
-                                  <p:stCondLst>
-                                    <p:cond delay="0"/>
-                                  </p:stCondLst>
-                                  <p:childTnLst>
-                                    <p:set>
-                                      <p:cBhvr>
-                                        <p:cTn id="38" dur="1" fill="hold">
-                                          <p:stCondLst>
-                                            <p:cond delay="0"/>
-                                          </p:stCondLst>
-                                        </p:cTn>
-                                        <p:tgtEl>
-                                          <p:spTgt spid="3">
-                                            <p:txEl>
-                                              <p:pRg st="10" end="10"/>
-                                            </p:txEl>
-                                          </p:spTgt>
-                                        </p:tgtEl>
-                                        <p:attrNameLst>
-                                          <p:attrName>style.visibility</p:attrName>
-                                        </p:attrNameLst>
-                                      </p:cBhvr>
-                                      <p:to>
-                                        <p:strVal val="visible"/>
-                                      </p:to>
-                                    </p:set>
-                                    <p:animEffect transition="in" filter="fade">
-                                      <p:cBhvr>
-                                        <p:cTn id="39" dur="500"/>
-                                        <p:tgtEl>
-                                          <p:spTgt spid="3">
-                                            <p:txEl>
-                                              <p:pRg st="10" end="10"/>
-                                            </p:txEl>
-                                          </p:spTgt>
-                                        </p:tgtEl>
-                                      </p:cBhvr>
-                                    </p:animEffect>
-                                  </p:childTnLst>
-                                </p:cTn>
-                              </p:par>
-                            </p:childTnLst>
-                          </p:cTn>
-                        </p:par>
-                      </p:childTnLst>
-                    </p:cTn>
-                  </p:par>
-                </p:childTnLst>
-              </p:cTn>
-              <p:prevCondLst>
-                <p:cond evt="onPrev" delay="0">
-                  <p:tgtEl>
-                    <p:sldTgt/>
-                  </p:tgtEl>
-                </p:cond>
-              </p:prevCondLst>
-              <p:nextCondLst>
-                <p:cond evt="onNext" delay="0">
-                  <p:tgtEl>
-                    <p:sldTgt/>
-                  </p:tgtEl>
-                </p:cond>
-              </p:nextCondLst>
-            </p:seq>
-          </p:childTnLst>
-        </p:cTn>
-      </p:par>
-    </p:tnLst>
-    <p:bldLst>
-      <p:bldP spid="3" grpId="0" build="p"/>
-    </p:bldLst>
-  </p:timing>
-</p:sld>
-</file>
-
-<file path=ppt/slides/slide12.xml><?xml version="1.0" encoding="utf-8"?>
-<p:sld xmlns:a="http://schemas.openxmlformats.org/drawingml/2006/main" xmlns:r="http://schemas.openxmlformats.org/officeDocument/2006/relationships" xmlns:p="http://schemas.openxmlformats.org/presentationml/2006/main">
-  <p:cSld>
-    <p:spTree>
-      <p:nvGrpSpPr>
-        <p:cNvPr id="1" name=""/>
-        <p:cNvGrpSpPr/>
-        <p:nvPr/>
-      </p:nvGrpSpPr>
-      <p:grpSpPr>
-        <a:xfrm>
-          <a:off x="0" y="0"/>
-          <a:ext cx="0" cy="0"/>
-          <a:chOff x="0" y="0"/>
-          <a:chExt cx="0" cy="0"/>
-        </a:xfrm>
-      </p:grpSpPr>
-      <p:sp>
-        <p:nvSpPr>
-          <p:cNvPr id="2" name="Title 1"/>
-          <p:cNvSpPr>
-            <a:spLocks noGrp="1"/>
-          </p:cNvSpPr>
-          <p:nvPr>
-            <p:ph type="title"/>
-          </p:nvPr>
-        </p:nvSpPr>
-        <p:spPr/>
-        <p:txBody>
-          <a:bodyPr/>
-          <a:lstStyle/>
-          <a:p>
-            <a:r>
-              <a:rPr lang="en-US"/>
-              <a:t>To Refactor (the TDD Way)</a:t>
-            </a:r>
-          </a:p>
-        </p:txBody>
-      </p:sp>
-      <p:sp>
-        <p:nvSpPr>
-          <p:cNvPr id="3" name="Content Placeholder 2"/>
-          <p:cNvSpPr>
-            <a:spLocks noGrp="1"/>
-          </p:cNvSpPr>
-          <p:nvPr>
-            <p:ph idx="1"/>
-          </p:nvPr>
-        </p:nvSpPr>
-        <p:spPr/>
-        <p:txBody>
-          <a:bodyPr/>
-          <a:lstStyle/>
-          <a:p>
-            <a:pPr marL="514350" indent="-514350">
-              <a:buFont typeface="+mj-lt"/>
-              <a:buAutoNum type="arabicPeriod"/>
-            </a:pPr>
-            <a:r>
-              <a:rPr lang="en-US"/>
-              <a:t>Stub out a function for the code being refactored</a:t>
-            </a:r>
-          </a:p>
-          <a:p>
-            <a:pPr marL="514350" indent="-514350">
-              <a:buFont typeface="+mj-lt"/>
-              <a:buAutoNum type="arabicPeriod"/>
-            </a:pPr>
-            <a:r>
-              <a:rPr lang="en-US"/>
-              <a:t>Write the appropriate unit tests</a:t>
-            </a:r>
-          </a:p>
-          <a:p>
-            <a:pPr marL="514350" indent="-514350">
-              <a:buFont typeface="+mj-lt"/>
-              <a:buAutoNum type="arabicPeriod"/>
-            </a:pPr>
-            <a:r>
-              <a:rPr lang="en-US"/>
-              <a:t>RUN the tests </a:t>
-            </a:r>
-            <a:r>
-              <a:rPr lang="en-US">
-                <a:sym typeface="Wingdings" panose="05000000000000000000" pitchFamily="2" charset="2"/>
-              </a:rPr>
-              <a:t> They BETTER fail!</a:t>
-            </a:r>
-          </a:p>
-          <a:p>
-            <a:pPr marL="514350" indent="-514350">
-              <a:buFont typeface="+mj-lt"/>
-              <a:buAutoNum type="arabicPeriod"/>
-            </a:pPr>
-            <a:r>
-              <a:rPr lang="en-US">
-                <a:sym typeface="Wingdings" panose="05000000000000000000" pitchFamily="2" charset="2"/>
-              </a:rPr>
-              <a:t>Fill the code into the method</a:t>
-            </a:r>
-          </a:p>
-          <a:p>
-            <a:pPr marL="514350" indent="-514350">
-              <a:buFont typeface="+mj-lt"/>
-              <a:buAutoNum type="arabicPeriod"/>
-            </a:pPr>
-            <a:r>
-              <a:rPr lang="en-US">
-                <a:sym typeface="Wingdings" panose="05000000000000000000" pitchFamily="2" charset="2"/>
-              </a:rPr>
-              <a:t>RUN the tests &amp; fix function until the tests pass</a:t>
-            </a:r>
-          </a:p>
-          <a:p>
-            <a:pPr marL="514350" indent="-514350">
-              <a:buFont typeface="+mj-lt"/>
-              <a:buAutoNum type="arabicPeriod"/>
-            </a:pPr>
-            <a:r>
-              <a:rPr lang="en-US">
-                <a:sym typeface="Wingdings" panose="05000000000000000000" pitchFamily="2" charset="2"/>
-              </a:rPr>
-              <a:t>Move on</a:t>
-            </a:r>
-          </a:p>
-          <a:p>
-            <a:pPr marL="514350" indent="-514350">
-              <a:buFont typeface="+mj-lt"/>
-              <a:buAutoNum type="arabicPeriod"/>
-            </a:pPr>
-            <a:r>
-              <a:rPr lang="en-US">
-                <a:sym typeface="Wingdings" panose="05000000000000000000" pitchFamily="2" charset="2"/>
-              </a:rPr>
-              <a:t>Every change to the program you make, RUN ALL THE TESTS</a:t>
-            </a:r>
-          </a:p>
-          <a:p>
-            <a:pPr marL="514350" indent="-514350">
-              <a:buFont typeface="+mj-lt"/>
-              <a:buAutoNum type="arabicPeriod"/>
-            </a:pPr>
-            <a:r>
-              <a:rPr lang="en-US">
-                <a:sym typeface="Wingdings" panose="05000000000000000000" pitchFamily="2" charset="2"/>
-              </a:rPr>
-              <a:t>Every defect that gets reported  CREATE NEW TESTS</a:t>
-            </a:r>
-            <a:endParaRPr lang="en-US"/>
-          </a:p>
-        </p:txBody>
-      </p:sp>
-    </p:spTree>
-    <p:extLst>
-      <p:ext uri="{BB962C8B-B14F-4D97-AF65-F5344CB8AC3E}">
-        <p14:creationId xmlns:p14="http://schemas.microsoft.com/office/powerpoint/2010/main" val="137657008"/>
-      </p:ext>
-    </p:extLst>
-  </p:cSld>
-  <p:clrMapOvr>
-    <a:masterClrMapping/>
-  </p:clrMapOvr>
-  <p:timing>
-    <p:tnLst>
-      <p:par>
-        <p:cTn id="1" dur="indefinite" restart="never" nodeType="tmRoot">
-          <p:childTnLst>
-            <p:seq concurrent="1" nextAc="seek">
-              <p:cTn id="2" dur="indefinite" nodeType="mainSeq">
-                <p:childTnLst>
-                  <p:par>
-                    <p:cTn id="3" fill="hold">
-                      <p:stCondLst>
-                        <p:cond delay="indefinite"/>
-                      </p:stCondLst>
-                      <p:childTnLst>
-                        <p:par>
-                          <p:cTn id="4" fill="hold">
-                            <p:stCondLst>
-                              <p:cond delay="0"/>
-                            </p:stCondLst>
-                            <p:childTnLst>
-                              <p:par>
-                                <p:cTn id="5" presetID="10" presetClass="entr" presetSubtype="0" fill="hold" grpId="0" nodeType="clickEffect">
-                                  <p:stCondLst>
-                                    <p:cond delay="0"/>
-                                  </p:stCondLst>
-                                  <p:childTnLst>
-                                    <p:set>
-                                      <p:cBhvr>
-                                        <p:cTn id="6" dur="1" fill="hold">
-                                          <p:stCondLst>
-                                            <p:cond delay="0"/>
-                                          </p:stCondLst>
-                                        </p:cTn>
-                                        <p:tgtEl>
-                                          <p:spTgt spid="3">
-                                            <p:txEl>
-                                              <p:pRg st="0" end="0"/>
-                                            </p:txEl>
-                                          </p:spTgt>
-                                        </p:tgtEl>
-                                        <p:attrNameLst>
-                                          <p:attrName>style.visibility</p:attrName>
-                                        </p:attrNameLst>
-                                      </p:cBhvr>
-                                      <p:to>
-                                        <p:strVal val="visible"/>
-                                      </p:to>
-                                    </p:set>
-                                    <p:animEffect transition="in" filter="fade">
-                                      <p:cBhvr>
-                                        <p:cTn id="7" dur="500"/>
-                                        <p:tgtEl>
-                                          <p:spTgt spid="3">
-                                            <p:txEl>
-                                              <p:pRg st="0" end="0"/>
-                                            </p:txEl>
-                                          </p:spTgt>
-                                        </p:tgtEl>
-                                      </p:cBhvr>
-                                    </p:animEffect>
-                                  </p:childTnLst>
-                                </p:cTn>
-                              </p:par>
-                            </p:childTnLst>
-                          </p:cTn>
-                        </p:par>
-                      </p:childTnLst>
-                    </p:cTn>
-                  </p:par>
-                  <p:par>
-                    <p:cTn id="8" fill="hold">
-                      <p:stCondLst>
-                        <p:cond delay="indefinite"/>
-                      </p:stCondLst>
-                      <p:childTnLst>
-                        <p:par>
-                          <p:cTn id="9" fill="hold">
-                            <p:stCondLst>
-                              <p:cond delay="0"/>
-                            </p:stCondLst>
-                            <p:childTnLst>
-                              <p:par>
-                                <p:cTn id="10" presetID="10" presetClass="entr" presetSubtype="0" fill="hold" grpId="0" nodeType="clickEffect">
-                                  <p:stCondLst>
-                                    <p:cond delay="0"/>
-                                  </p:stCondLst>
-                                  <p:childTnLst>
-                                    <p:set>
-                                      <p:cBhvr>
-                                        <p:cTn id="11" dur="1" fill="hold">
-                                          <p:stCondLst>
-                                            <p:cond delay="0"/>
-                                          </p:stCondLst>
-                                        </p:cTn>
-                                        <p:tgtEl>
-                                          <p:spTgt spid="3">
-                                            <p:txEl>
-                                              <p:pRg st="1" end="1"/>
-                                            </p:txEl>
-                                          </p:spTgt>
-                                        </p:tgtEl>
-                                        <p:attrNameLst>
-                                          <p:attrName>style.visibility</p:attrName>
-                                        </p:attrNameLst>
-                                      </p:cBhvr>
-                                      <p:to>
-                                        <p:strVal val="visible"/>
-                                      </p:to>
-                                    </p:set>
-                                    <p:animEffect transition="in" filter="fade">
-                                      <p:cBhvr>
-                                        <p:cTn id="12" dur="500"/>
-                                        <p:tgtEl>
-                                          <p:spTgt spid="3">
-                                            <p:txEl>
-                                              <p:pRg st="1" end="1"/>
-                                            </p:txEl>
-                                          </p:spTgt>
-                                        </p:tgtEl>
-                                      </p:cBhvr>
-                                    </p:animEffect>
-                                  </p:childTnLst>
-                                </p:cTn>
-                              </p:par>
-                            </p:childTnLst>
-                          </p:cTn>
-                        </p:par>
-                      </p:childTnLst>
-                    </p:cTn>
-                  </p:par>
-                  <p:par>
-                    <p:cTn id="13" fill="hold">
-                      <p:stCondLst>
-                        <p:cond delay="indefinite"/>
-                      </p:stCondLst>
-                      <p:childTnLst>
-                        <p:par>
-                          <p:cTn id="14" fill="hold">
-                            <p:stCondLst>
-                              <p:cond delay="0"/>
-                            </p:stCondLst>
-                            <p:childTnLst>
-                              <p:par>
-                                <p:cTn id="15" presetID="10" presetClass="entr" presetSubtype="0" fill="hold" grpId="0" nodeType="clickEffect">
-                                  <p:stCondLst>
-                                    <p:cond delay="0"/>
-                                  </p:stCondLst>
-                                  <p:childTnLst>
-                                    <p:set>
-                                      <p:cBhvr>
-                                        <p:cTn id="16" dur="1" fill="hold">
-                                          <p:stCondLst>
-                                            <p:cond delay="0"/>
-                                          </p:stCondLst>
-                                        </p:cTn>
-                                        <p:tgtEl>
-                                          <p:spTgt spid="3">
-                                            <p:txEl>
-                                              <p:pRg st="2" end="2"/>
-                                            </p:txEl>
-                                          </p:spTgt>
-                                        </p:tgtEl>
-                                        <p:attrNameLst>
-                                          <p:attrName>style.visibility</p:attrName>
-                                        </p:attrNameLst>
-                                      </p:cBhvr>
-                                      <p:to>
-                                        <p:strVal val="visible"/>
-                                      </p:to>
-                                    </p:set>
-                                    <p:animEffect transition="in" filter="fade">
-                                      <p:cBhvr>
-                                        <p:cTn id="17" dur="500"/>
-                                        <p:tgtEl>
-                                          <p:spTgt spid="3">
-                                            <p:txEl>
-                                              <p:pRg st="2" end="2"/>
-                                            </p:txEl>
-                                          </p:spTgt>
-                                        </p:tgtEl>
-                                      </p:cBhvr>
-                                    </p:animEffect>
-                                  </p:childTnLst>
-                                </p:cTn>
-                              </p:par>
-                            </p:childTnLst>
-                          </p:cTn>
-                        </p:par>
-                      </p:childTnLst>
-                    </p:cTn>
-                  </p:par>
-                  <p:par>
-                    <p:cTn id="18" fill="hold">
-                      <p:stCondLst>
-                        <p:cond delay="indefinite"/>
-                      </p:stCondLst>
-                      <p:childTnLst>
-                        <p:par>
-                          <p:cTn id="19" fill="hold">
-                            <p:stCondLst>
-                              <p:cond delay="0"/>
-                            </p:stCondLst>
-                            <p:childTnLst>
-                              <p:par>
-                                <p:cTn id="20" presetID="10" presetClass="entr" presetSubtype="0" fill="hold" grpId="0" nodeType="clickEffect">
-                                  <p:stCondLst>
-                                    <p:cond delay="0"/>
-                                  </p:stCondLst>
-                                  <p:childTnLst>
-                                    <p:set>
-                                      <p:cBhvr>
-                                        <p:cTn id="21" dur="1" fill="hold">
-                                          <p:stCondLst>
-                                            <p:cond delay="0"/>
-                                          </p:stCondLst>
-                                        </p:cTn>
-                                        <p:tgtEl>
-                                          <p:spTgt spid="3">
-                                            <p:txEl>
-                                              <p:pRg st="3" end="3"/>
-                                            </p:txEl>
-                                          </p:spTgt>
-                                        </p:tgtEl>
-                                        <p:attrNameLst>
-                                          <p:attrName>style.visibility</p:attrName>
-                                        </p:attrNameLst>
-                                      </p:cBhvr>
-                                      <p:to>
-                                        <p:strVal val="visible"/>
-                                      </p:to>
-                                    </p:set>
-                                    <p:animEffect transition="in" filter="fade">
-                                      <p:cBhvr>
-                                        <p:cTn id="22" dur="500"/>
-                                        <p:tgtEl>
-                                          <p:spTgt spid="3">
-                                            <p:txEl>
-                                              <p:pRg st="3" end="3"/>
-                                            </p:txEl>
-                                          </p:spTgt>
-                                        </p:tgtEl>
-                                      </p:cBhvr>
-                                    </p:animEffect>
-                                  </p:childTnLst>
-                                </p:cTn>
-                              </p:par>
-                            </p:childTnLst>
-                          </p:cTn>
-                        </p:par>
-                      </p:childTnLst>
-                    </p:cTn>
-                  </p:par>
-                  <p:par>
-                    <p:cTn id="23" fill="hold">
-                      <p:stCondLst>
-                        <p:cond delay="indefinite"/>
-                      </p:stCondLst>
-                      <p:childTnLst>
-                        <p:par>
-                          <p:cTn id="24" fill="hold">
-                            <p:stCondLst>
-                              <p:cond delay="0"/>
-                            </p:stCondLst>
-                            <p:childTnLst>
-                              <p:par>
-                                <p:cTn id="25" presetID="10" presetClass="entr" presetSubtype="0" fill="hold" grpId="0" nodeType="clickEffect">
-                                  <p:stCondLst>
-                                    <p:cond delay="0"/>
-                                  </p:stCondLst>
-                                  <p:childTnLst>
-                                    <p:set>
-                                      <p:cBhvr>
-                                        <p:cTn id="26" dur="1" fill="hold">
-                                          <p:stCondLst>
-                                            <p:cond delay="0"/>
-                                          </p:stCondLst>
-                                        </p:cTn>
-                                        <p:tgtEl>
-                                          <p:spTgt spid="3">
-                                            <p:txEl>
-                                              <p:pRg st="4" end="4"/>
-                                            </p:txEl>
-                                          </p:spTgt>
-                                        </p:tgtEl>
-                                        <p:attrNameLst>
-                                          <p:attrName>style.visibility</p:attrName>
-                                        </p:attrNameLst>
-                                      </p:cBhvr>
-                                      <p:to>
-                                        <p:strVal val="visible"/>
-                                      </p:to>
-                                    </p:set>
-                                    <p:animEffect transition="in" filter="fade">
-                                      <p:cBhvr>
-                                        <p:cTn id="27" dur="500"/>
-                                        <p:tgtEl>
-                                          <p:spTgt spid="3">
-                                            <p:txEl>
-                                              <p:pRg st="4" end="4"/>
-                                            </p:txEl>
-                                          </p:spTgt>
-                                        </p:tgtEl>
-                                      </p:cBhvr>
-                                    </p:animEffect>
-                                  </p:childTnLst>
-                                </p:cTn>
-                              </p:par>
-                            </p:childTnLst>
-                          </p:cTn>
-                        </p:par>
-                      </p:childTnLst>
-                    </p:cTn>
-                  </p:par>
-                  <p:par>
-                    <p:cTn id="28" fill="hold">
-                      <p:stCondLst>
-                        <p:cond delay="indefinite"/>
-                      </p:stCondLst>
-                      <p:childTnLst>
-                        <p:par>
-                          <p:cTn id="29" fill="hold">
-                            <p:stCondLst>
-                              <p:cond delay="0"/>
-                            </p:stCondLst>
-                            <p:childTnLst>
-                              <p:par>
-                                <p:cTn id="30" presetID="10" presetClass="entr" presetSubtype="0" fill="hold" grpId="0" nodeType="clickEffect">
-                                  <p:stCondLst>
-                                    <p:cond delay="0"/>
-                                  </p:stCondLst>
-                                  <p:childTnLst>
-                                    <p:set>
-                                      <p:cBhvr>
-                                        <p:cTn id="31" dur="1" fill="hold">
-                                          <p:stCondLst>
-                                            <p:cond delay="0"/>
-                                          </p:stCondLst>
-                                        </p:cTn>
-                                        <p:tgtEl>
-                                          <p:spTgt spid="3">
-                                            <p:txEl>
-                                              <p:pRg st="5" end="5"/>
-                                            </p:txEl>
-                                          </p:spTgt>
-                                        </p:tgtEl>
-                                        <p:attrNameLst>
-                                          <p:attrName>style.visibility</p:attrName>
-                                        </p:attrNameLst>
-                                      </p:cBhvr>
-                                      <p:to>
-                                        <p:strVal val="visible"/>
-                                      </p:to>
-                                    </p:set>
-                                    <p:animEffect transition="in" filter="fade">
-                                      <p:cBhvr>
-                                        <p:cTn id="32" dur="500"/>
-                                        <p:tgtEl>
-                                          <p:spTgt spid="3">
-                                            <p:txEl>
-                                              <p:pRg st="5" end="5"/>
-                                            </p:txEl>
-                                          </p:spTgt>
-                                        </p:tgtEl>
-                                      </p:cBhvr>
-                                    </p:animEffect>
-                                  </p:childTnLst>
-                                </p:cTn>
-                              </p:par>
-                            </p:childTnLst>
-                          </p:cTn>
-                        </p:par>
-                      </p:childTnLst>
-                    </p:cTn>
-                  </p:par>
-                  <p:par>
-                    <p:cTn id="33" fill="hold">
-                      <p:stCondLst>
-                        <p:cond delay="indefinite"/>
-                      </p:stCondLst>
-                      <p:childTnLst>
-                        <p:par>
-                          <p:cTn id="34" fill="hold">
-                            <p:stCondLst>
-                              <p:cond delay="0"/>
-                            </p:stCondLst>
-                            <p:childTnLst>
-                              <p:par>
-                                <p:cTn id="35" presetID="10" presetClass="entr" presetSubtype="0" fill="hold" grpId="0" nodeType="clickEffect">
-                                  <p:stCondLst>
-                                    <p:cond delay="0"/>
-                                  </p:stCondLst>
-                                  <p:childTnLst>
-                                    <p:set>
-                                      <p:cBhvr>
-                                        <p:cTn id="36" dur="1" fill="hold">
-                                          <p:stCondLst>
-                                            <p:cond delay="0"/>
-                                          </p:stCondLst>
-                                        </p:cTn>
-                                        <p:tgtEl>
-                                          <p:spTgt spid="3">
-                                            <p:txEl>
-                                              <p:pRg st="6" end="6"/>
-                                            </p:txEl>
-                                          </p:spTgt>
-                                        </p:tgtEl>
-                                        <p:attrNameLst>
-                                          <p:attrName>style.visibility</p:attrName>
-                                        </p:attrNameLst>
-                                      </p:cBhvr>
-                                      <p:to>
-                                        <p:strVal val="visible"/>
-                                      </p:to>
-                                    </p:set>
-                                    <p:animEffect transition="in" filter="fade">
-                                      <p:cBhvr>
-                                        <p:cTn id="37" dur="500"/>
-                                        <p:tgtEl>
-                                          <p:spTgt spid="3">
-                                            <p:txEl>
-                                              <p:pRg st="6" end="6"/>
-                                            </p:txEl>
-                                          </p:spTgt>
-                                        </p:tgtEl>
-                                      </p:cBhvr>
-                                    </p:animEffect>
-                                  </p:childTnLst>
-                                </p:cTn>
-                              </p:par>
-                            </p:childTnLst>
-                          </p:cTn>
-                        </p:par>
-                      </p:childTnLst>
-                    </p:cTn>
-                  </p:par>
-                  <p:par>
-                    <p:cTn id="38" fill="hold">
-                      <p:stCondLst>
-                        <p:cond delay="indefinite"/>
-                      </p:stCondLst>
-                      <p:childTnLst>
-                        <p:par>
-                          <p:cTn id="39" fill="hold">
-                            <p:stCondLst>
-                              <p:cond delay="0"/>
-                            </p:stCondLst>
-                            <p:childTnLst>
-                              <p:par>
-                                <p:cTn id="40" presetID="10" presetClass="entr" presetSubtype="0" fill="hold" grpId="0" nodeType="clickEffect">
-                                  <p:stCondLst>
-                                    <p:cond delay="0"/>
-                                  </p:stCondLst>
-                                  <p:childTnLst>
-                                    <p:set>
-                                      <p:cBhvr>
-                                        <p:cTn id="41" dur="1" fill="hold">
-                                          <p:stCondLst>
-                                            <p:cond delay="0"/>
-                                          </p:stCondLst>
-                                        </p:cTn>
-                                        <p:tgtEl>
-                                          <p:spTgt spid="3">
-                                            <p:txEl>
-                                              <p:pRg st="7" end="7"/>
-                                            </p:txEl>
-                                          </p:spTgt>
-                                        </p:tgtEl>
-                                        <p:attrNameLst>
-                                          <p:attrName>style.visibility</p:attrName>
-                                        </p:attrNameLst>
-                                      </p:cBhvr>
-                                      <p:to>
-                                        <p:strVal val="visible"/>
-                                      </p:to>
-                                    </p:set>
-                                    <p:animEffect transition="in" filter="fade">
-                                      <p:cBhvr>
-                                        <p:cTn id="42" dur="500"/>
-                                        <p:tgtEl>
-                                          <p:spTgt spid="3">
-                                            <p:txEl>
-                                              <p:pRg st="7" end="7"/>
-                                            </p:txEl>
-                                          </p:spTgt>
-                                        </p:tgtEl>
-                                      </p:cBhvr>
-                                    </p:animEffect>
-                                  </p:childTnLst>
-                                </p:cTn>
-                              </p:par>
-                            </p:childTnLst>
-                          </p:cTn>
-                        </p:par>
-                      </p:childTnLst>
-                    </p:cTn>
-                  </p:par>
-                </p:childTnLst>
-              </p:cTn>
-              <p:prevCondLst>
-                <p:cond evt="onPrev" delay="0">
-                  <p:tgtEl>
-                    <p:sldTgt/>
-                  </p:tgtEl>
-                </p:cond>
-              </p:prevCondLst>
-              <p:nextCondLst>
-                <p:cond evt="onNext" delay="0">
-                  <p:tgtEl>
-                    <p:sldTgt/>
-                  </p:tgtEl>
-                </p:cond>
-              </p:nextCondLst>
-            </p:seq>
-          </p:childTnLst>
-        </p:cTn>
-      </p:par>
-    </p:tnLst>
-    <p:bldLst>
-      <p:bldP spid="3" grpId="0" build="p"/>
-    </p:bldLst>
-  </p:timing>
-</p:sld>
-</file>
-
-<file path=ppt/slides/slide13.xml><?xml version="1.0" encoding="utf-8"?>
-<p:sld xmlns:a="http://schemas.openxmlformats.org/drawingml/2006/main" xmlns:r="http://schemas.openxmlformats.org/officeDocument/2006/relationships" xmlns:p="http://schemas.openxmlformats.org/presentationml/2006/main">
-  <p:cSld>
-    <p:spTree>
-      <p:nvGrpSpPr>
-        <p:cNvPr id="1" name=""/>
-        <p:cNvGrpSpPr/>
-        <p:nvPr/>
-      </p:nvGrpSpPr>
-      <p:grpSpPr>
-        <a:xfrm>
-          <a:off x="0" y="0"/>
-          <a:ext cx="0" cy="0"/>
-          <a:chOff x="0" y="0"/>
-          <a:chExt cx="0" cy="0"/>
-        </a:xfrm>
-      </p:grpSpPr>
-      <p:sp>
-        <p:nvSpPr>
-          <p:cNvPr id="2" name="Title 1"/>
-          <p:cNvSpPr>
-            <a:spLocks noGrp="1"/>
-          </p:cNvSpPr>
-          <p:nvPr>
-            <p:ph type="title"/>
-          </p:nvPr>
-        </p:nvSpPr>
-        <p:spPr/>
-        <p:txBody>
-          <a:bodyPr/>
-          <a:lstStyle/>
-          <a:p>
-            <a:r>
-              <a:rPr lang="en-US"/>
-              <a:t>Refactor: Extract Method</a:t>
-            </a:r>
-          </a:p>
-        </p:txBody>
-      </p:sp>
-      <p:sp>
-        <p:nvSpPr>
-          <p:cNvPr id="3" name="Content Placeholder 2"/>
-          <p:cNvSpPr>
-            <a:spLocks noGrp="1"/>
-          </p:cNvSpPr>
-          <p:nvPr>
-            <p:ph idx="1"/>
-          </p:nvPr>
-        </p:nvSpPr>
-        <p:spPr/>
-        <p:txBody>
-          <a:bodyPr/>
-          <a:lstStyle/>
-          <a:p>
-            <a:r>
-              <a:rPr lang="en-US" dirty="0"/>
-              <a:t>Purpose</a:t>
-            </a:r>
-          </a:p>
-          <a:p>
-            <a:pPr lvl="1"/>
-            <a:r>
-              <a:rPr lang="en-US" dirty="0"/>
-              <a:t>Take a chunk of code and create a method/function so it can be tested.</a:t>
-            </a:r>
-          </a:p>
-          <a:p>
-            <a:pPr lvl="1"/>
-            <a:r>
-              <a:rPr lang="en-US" dirty="0"/>
-              <a:t>Make a small function to follow the Single Responsibility principle</a:t>
-            </a:r>
-          </a:p>
-          <a:p>
-            <a:r>
-              <a:rPr lang="en-US" dirty="0"/>
-              <a:t>In 0_monolith.R</a:t>
-            </a:r>
-          </a:p>
-          <a:p>
-            <a:pPr lvl="1"/>
-            <a:r>
-              <a:rPr lang="en-US" dirty="0"/>
-              <a:t>Create a method for reading a single doorbuster csv file</a:t>
-            </a:r>
-          </a:p>
-          <a:p>
-            <a:pPr lvl="1"/>
-            <a:r>
-              <a:rPr lang="en-US" dirty="0"/>
-              <a:t>Create a method that reads both doorbuster csv files</a:t>
-            </a:r>
-          </a:p>
-          <a:p>
-            <a:pPr lvl="1"/>
-            <a:r>
-              <a:rPr lang="en-US" dirty="0"/>
-              <a:t>Create a method that adds metric for doorbusters with no price</a:t>
-            </a:r>
-          </a:p>
-          <a:p>
-            <a:pPr lvl="1"/>
-            <a:r>
-              <a:rPr lang="en-US" dirty="0"/>
-              <a:t>Create a method that adds metric for doorbusters that are online but out of stock</a:t>
-            </a:r>
-          </a:p>
-        </p:txBody>
-      </p:sp>
-    </p:spTree>
-    <p:extLst>
-      <p:ext uri="{BB962C8B-B14F-4D97-AF65-F5344CB8AC3E}">
-        <p14:creationId xmlns:p14="http://schemas.microsoft.com/office/powerpoint/2010/main" val="367337230"/>
-      </p:ext>
-    </p:extLst>
-  </p:cSld>
-  <p:clrMapOvr>
-    <a:masterClrMapping/>
-  </p:clrMapOvr>
-  <p:timing>
-    <p:tnLst>
-      <p:par>
-        <p:cTn id="1" dur="indefinite" restart="never" nodeType="tmRoot">
-          <p:childTnLst>
-            <p:seq concurrent="1" nextAc="seek">
-              <p:cTn id="2" dur="indefinite" nodeType="mainSeq">
-                <p:childTnLst>
-                  <p:par>
-                    <p:cTn id="3" fill="hold">
-                      <p:stCondLst>
-                        <p:cond delay="indefinite"/>
-                      </p:stCondLst>
-                      <p:childTnLst>
-                        <p:par>
-                          <p:cTn id="4" fill="hold">
-                            <p:stCondLst>
-                              <p:cond delay="0"/>
-                            </p:stCondLst>
-                            <p:childTnLst>
-                              <p:par>
-                                <p:cTn id="5" presetID="10" presetClass="entr" presetSubtype="0" fill="hold" nodeType="clickEffect">
-                                  <p:stCondLst>
-                                    <p:cond delay="0"/>
-                                  </p:stCondLst>
-                                  <p:childTnLst>
-                                    <p:set>
-                                      <p:cBhvr>
-                                        <p:cTn id="6" dur="1" fill="hold">
-                                          <p:stCondLst>
-                                            <p:cond delay="0"/>
-                                          </p:stCondLst>
-                                        </p:cTn>
-                                        <p:tgtEl>
-                                          <p:spTgt spid="3">
-                                            <p:txEl>
-                                              <p:pRg st="0" end="0"/>
-                                            </p:txEl>
-                                          </p:spTgt>
-                                        </p:tgtEl>
-                                        <p:attrNameLst>
-                                          <p:attrName>style.visibility</p:attrName>
-                                        </p:attrNameLst>
-                                      </p:cBhvr>
-                                      <p:to>
-                                        <p:strVal val="visible"/>
-                                      </p:to>
-                                    </p:set>
-                                    <p:animEffect transition="in" filter="fade">
-                                      <p:cBhvr>
-                                        <p:cTn id="7" dur="500"/>
-                                        <p:tgtEl>
-                                          <p:spTgt spid="3">
-                                            <p:txEl>
-                                              <p:pRg st="0" end="0"/>
-                                            </p:txEl>
-                                          </p:spTgt>
-                                        </p:tgtEl>
-                                      </p:cBhvr>
-                                    </p:animEffect>
-                                  </p:childTnLst>
-                                </p:cTn>
-                              </p:par>
-                            </p:childTnLst>
-                          </p:cTn>
-                        </p:par>
-                      </p:childTnLst>
-                    </p:cTn>
-                  </p:par>
-                  <p:par>
-                    <p:cTn id="8" fill="hold">
-                      <p:stCondLst>
-                        <p:cond delay="indefinite"/>
-                      </p:stCondLst>
-                      <p:childTnLst>
-                        <p:par>
-                          <p:cTn id="9" fill="hold">
-                            <p:stCondLst>
-                              <p:cond delay="0"/>
-                            </p:stCondLst>
-                            <p:childTnLst>
-                              <p:par>
-                                <p:cTn id="10" presetID="10" presetClass="entr" presetSubtype="0" fill="hold" nodeType="clickEffect">
-                                  <p:stCondLst>
-                                    <p:cond delay="0"/>
-                                  </p:stCondLst>
-                                  <p:childTnLst>
-                                    <p:set>
-                                      <p:cBhvr>
-                                        <p:cTn id="11" dur="1" fill="hold">
-                                          <p:stCondLst>
-                                            <p:cond delay="0"/>
-                                          </p:stCondLst>
-                                        </p:cTn>
-                                        <p:tgtEl>
-                                          <p:spTgt spid="3">
-                                            <p:txEl>
-                                              <p:pRg st="1" end="1"/>
-                                            </p:txEl>
-                                          </p:spTgt>
-                                        </p:tgtEl>
-                                        <p:attrNameLst>
-                                          <p:attrName>style.visibility</p:attrName>
-                                        </p:attrNameLst>
-                                      </p:cBhvr>
-                                      <p:to>
-                                        <p:strVal val="visible"/>
-                                      </p:to>
-                                    </p:set>
-                                    <p:animEffect transition="in" filter="fade">
-                                      <p:cBhvr>
-                                        <p:cTn id="12" dur="500"/>
-                                        <p:tgtEl>
-                                          <p:spTgt spid="3">
-                                            <p:txEl>
-                                              <p:pRg st="1" end="1"/>
-                                            </p:txEl>
-                                          </p:spTgt>
-                                        </p:tgtEl>
-                                      </p:cBhvr>
-                                    </p:animEffect>
-                                  </p:childTnLst>
-                                </p:cTn>
-                              </p:par>
-                            </p:childTnLst>
-                          </p:cTn>
-                        </p:par>
-                      </p:childTnLst>
-                    </p:cTn>
-                  </p:par>
-                  <p:par>
-                    <p:cTn id="13" fill="hold">
-                      <p:stCondLst>
-                        <p:cond delay="indefinite"/>
-                      </p:stCondLst>
-                      <p:childTnLst>
-                        <p:par>
-                          <p:cTn id="14" fill="hold">
-                            <p:stCondLst>
-                              <p:cond delay="0"/>
-                            </p:stCondLst>
-                            <p:childTnLst>
-                              <p:par>
-                                <p:cTn id="15" presetID="10" presetClass="entr" presetSubtype="0" fill="hold" nodeType="clickEffect">
-                                  <p:stCondLst>
-                                    <p:cond delay="0"/>
-                                  </p:stCondLst>
-                                  <p:childTnLst>
-                                    <p:set>
-                                      <p:cBhvr>
-                                        <p:cTn id="16" dur="1" fill="hold">
-                                          <p:stCondLst>
-                                            <p:cond delay="0"/>
-                                          </p:stCondLst>
-                                        </p:cTn>
-                                        <p:tgtEl>
-                                          <p:spTgt spid="3">
-                                            <p:txEl>
-                                              <p:pRg st="2" end="2"/>
-                                            </p:txEl>
-                                          </p:spTgt>
-                                        </p:tgtEl>
-                                        <p:attrNameLst>
-                                          <p:attrName>style.visibility</p:attrName>
-                                        </p:attrNameLst>
-                                      </p:cBhvr>
-                                      <p:to>
-                                        <p:strVal val="visible"/>
-                                      </p:to>
-                                    </p:set>
-                                    <p:animEffect transition="in" filter="fade">
-                                      <p:cBhvr>
-                                        <p:cTn id="17" dur="500"/>
-                                        <p:tgtEl>
-                                          <p:spTgt spid="3">
-                                            <p:txEl>
-                                              <p:pRg st="2" end="2"/>
-                                            </p:txEl>
-                                          </p:spTgt>
-                                        </p:tgtEl>
-                                      </p:cBhvr>
-                                    </p:animEffect>
-                                  </p:childTnLst>
-                                </p:cTn>
-                              </p:par>
-                            </p:childTnLst>
-                          </p:cTn>
-                        </p:par>
-                      </p:childTnLst>
-                    </p:cTn>
-                  </p:par>
-                  <p:par>
-                    <p:cTn id="18" fill="hold">
-                      <p:stCondLst>
-                        <p:cond delay="indefinite"/>
-                      </p:stCondLst>
-                      <p:childTnLst>
-                        <p:par>
-                          <p:cTn id="19" fill="hold">
-                            <p:stCondLst>
-                              <p:cond delay="0"/>
-                            </p:stCondLst>
-                            <p:childTnLst>
-                              <p:par>
-                                <p:cTn id="20" presetID="10" presetClass="entr" presetSubtype="0" fill="hold" nodeType="clickEffect">
-                                  <p:stCondLst>
-                                    <p:cond delay="0"/>
-                                  </p:stCondLst>
-                                  <p:childTnLst>
-                                    <p:set>
-                                      <p:cBhvr>
-                                        <p:cTn id="21" dur="1" fill="hold">
-                                          <p:stCondLst>
-                                            <p:cond delay="0"/>
-                                          </p:stCondLst>
-                                        </p:cTn>
-                                        <p:tgtEl>
-                                          <p:spTgt spid="3">
-                                            <p:txEl>
-                                              <p:pRg st="3" end="3"/>
-                                            </p:txEl>
-                                          </p:spTgt>
-                                        </p:tgtEl>
-                                        <p:attrNameLst>
-                                          <p:attrName>style.visibility</p:attrName>
-                                        </p:attrNameLst>
-                                      </p:cBhvr>
-                                      <p:to>
-                                        <p:strVal val="visible"/>
-                                      </p:to>
-                                    </p:set>
-                                    <p:animEffect transition="in" filter="fade">
-                                      <p:cBhvr>
-                                        <p:cTn id="22" dur="500"/>
-                                        <p:tgtEl>
-                                          <p:spTgt spid="3">
-                                            <p:txEl>
-                                              <p:pRg st="3" end="3"/>
-                                            </p:txEl>
-                                          </p:spTgt>
-                                        </p:tgtEl>
-                                      </p:cBhvr>
-                                    </p:animEffect>
-                                  </p:childTnLst>
-                                </p:cTn>
-                              </p:par>
-                            </p:childTnLst>
-                          </p:cTn>
-                        </p:par>
-                      </p:childTnLst>
-                    </p:cTn>
-                  </p:par>
-                  <p:par>
-                    <p:cTn id="23" fill="hold">
-                      <p:stCondLst>
-                        <p:cond delay="indefinite"/>
-                      </p:stCondLst>
-                      <p:childTnLst>
-                        <p:par>
-                          <p:cTn id="24" fill="hold">
-                            <p:stCondLst>
-                              <p:cond delay="0"/>
-                            </p:stCondLst>
-                            <p:childTnLst>
-                              <p:par>
-                                <p:cTn id="25" presetID="10" presetClass="entr" presetSubtype="0" fill="hold" nodeType="clickEffect">
-                                  <p:stCondLst>
-                                    <p:cond delay="0"/>
-                                  </p:stCondLst>
-                                  <p:childTnLst>
-                                    <p:set>
-                                      <p:cBhvr>
-                                        <p:cTn id="26" dur="1" fill="hold">
-                                          <p:stCondLst>
-                                            <p:cond delay="0"/>
-                                          </p:stCondLst>
-                                        </p:cTn>
-                                        <p:tgtEl>
-                                          <p:spTgt spid="3">
-                                            <p:txEl>
-                                              <p:pRg st="4" end="4"/>
-                                            </p:txEl>
-                                          </p:spTgt>
-                                        </p:tgtEl>
-                                        <p:attrNameLst>
-                                          <p:attrName>style.visibility</p:attrName>
-                                        </p:attrNameLst>
-                                      </p:cBhvr>
-                                      <p:to>
-                                        <p:strVal val="visible"/>
-                                      </p:to>
-                                    </p:set>
-                                    <p:animEffect transition="in" filter="fade">
-                                      <p:cBhvr>
-                                        <p:cTn id="27" dur="500"/>
-                                        <p:tgtEl>
-                                          <p:spTgt spid="3">
-                                            <p:txEl>
-                                              <p:pRg st="4" end="4"/>
-                                            </p:txEl>
-                                          </p:spTgt>
-                                        </p:tgtEl>
-                                      </p:cBhvr>
-                                    </p:animEffect>
-                                  </p:childTnLst>
-                                </p:cTn>
-                              </p:par>
-                            </p:childTnLst>
-                          </p:cTn>
-                        </p:par>
-                      </p:childTnLst>
-                    </p:cTn>
-                  </p:par>
-                  <p:par>
-                    <p:cTn id="28" fill="hold">
-                      <p:stCondLst>
-                        <p:cond delay="indefinite"/>
-                      </p:stCondLst>
-                      <p:childTnLst>
-                        <p:par>
-                          <p:cTn id="29" fill="hold">
-                            <p:stCondLst>
-                              <p:cond delay="0"/>
-                            </p:stCondLst>
-                            <p:childTnLst>
-                              <p:par>
-                                <p:cTn id="30" presetID="10" presetClass="entr" presetSubtype="0" fill="hold" nodeType="clickEffect">
-                                  <p:stCondLst>
-                                    <p:cond delay="0"/>
-                                  </p:stCondLst>
-                                  <p:childTnLst>
-                                    <p:set>
-                                      <p:cBhvr>
-                                        <p:cTn id="31" dur="1" fill="hold">
-                                          <p:stCondLst>
-                                            <p:cond delay="0"/>
-                                          </p:stCondLst>
-                                        </p:cTn>
-                                        <p:tgtEl>
-                                          <p:spTgt spid="3">
-                                            <p:txEl>
-                                              <p:pRg st="5" end="5"/>
-                                            </p:txEl>
-                                          </p:spTgt>
-                                        </p:tgtEl>
-                                        <p:attrNameLst>
-                                          <p:attrName>style.visibility</p:attrName>
-                                        </p:attrNameLst>
-                                      </p:cBhvr>
-                                      <p:to>
-                                        <p:strVal val="visible"/>
-                                      </p:to>
-                                    </p:set>
-                                    <p:animEffect transition="in" filter="fade">
-                                      <p:cBhvr>
-                                        <p:cTn id="32" dur="500"/>
-                                        <p:tgtEl>
-                                          <p:spTgt spid="3">
-                                            <p:txEl>
-                                              <p:pRg st="5" end="5"/>
-                                            </p:txEl>
-                                          </p:spTgt>
-                                        </p:tgtEl>
-                                      </p:cBhvr>
-                                    </p:animEffect>
-                                  </p:childTnLst>
-                                </p:cTn>
-                              </p:par>
-                            </p:childTnLst>
-                          </p:cTn>
-                        </p:par>
-                      </p:childTnLst>
-                    </p:cTn>
-                  </p:par>
-                  <p:par>
-                    <p:cTn id="33" fill="hold">
-                      <p:stCondLst>
-                        <p:cond delay="indefinite"/>
-                      </p:stCondLst>
-                      <p:childTnLst>
-                        <p:par>
-                          <p:cTn id="34" fill="hold">
-                            <p:stCondLst>
-                              <p:cond delay="0"/>
-                            </p:stCondLst>
-                            <p:childTnLst>
-                              <p:par>
-                                <p:cTn id="35" presetID="10" presetClass="entr" presetSubtype="0" fill="hold" nodeType="clickEffect">
-                                  <p:stCondLst>
-                                    <p:cond delay="0"/>
-                                  </p:stCondLst>
-                                  <p:childTnLst>
-                                    <p:set>
-                                      <p:cBhvr>
-                                        <p:cTn id="36" dur="1" fill="hold">
-                                          <p:stCondLst>
-                                            <p:cond delay="0"/>
-                                          </p:stCondLst>
-                                        </p:cTn>
-                                        <p:tgtEl>
-                                          <p:spTgt spid="3">
-                                            <p:txEl>
-                                              <p:pRg st="6" end="6"/>
-                                            </p:txEl>
-                                          </p:spTgt>
-                                        </p:tgtEl>
-                                        <p:attrNameLst>
-                                          <p:attrName>style.visibility</p:attrName>
-                                        </p:attrNameLst>
-                                      </p:cBhvr>
-                                      <p:to>
-                                        <p:strVal val="visible"/>
-                                      </p:to>
-                                    </p:set>
-                                    <p:animEffect transition="in" filter="fade">
-                                      <p:cBhvr>
-                                        <p:cTn id="37" dur="500"/>
-                                        <p:tgtEl>
-                                          <p:spTgt spid="3">
-                                            <p:txEl>
-                                              <p:pRg st="6" end="6"/>
-                                            </p:txEl>
-                                          </p:spTgt>
-                                        </p:tgtEl>
-                                      </p:cBhvr>
-                                    </p:animEffect>
-                                  </p:childTnLst>
-                                </p:cTn>
-                              </p:par>
-                            </p:childTnLst>
-                          </p:cTn>
-                        </p:par>
-                      </p:childTnLst>
-                    </p:cTn>
-                  </p:par>
-                  <p:par>
-                    <p:cTn id="38" fill="hold">
-                      <p:stCondLst>
-                        <p:cond delay="indefinite"/>
-                      </p:stCondLst>
-                      <p:childTnLst>
-                        <p:par>
-                          <p:cTn id="39" fill="hold">
-                            <p:stCondLst>
-                              <p:cond delay="0"/>
-                            </p:stCondLst>
-                            <p:childTnLst>
-                              <p:par>
-                                <p:cTn id="40" presetID="10" presetClass="entr" presetSubtype="0" fill="hold" nodeType="clickEffect">
-                                  <p:stCondLst>
-                                    <p:cond delay="0"/>
-                                  </p:stCondLst>
-                                  <p:childTnLst>
-                                    <p:set>
-                                      <p:cBhvr>
-                                        <p:cTn id="41" dur="1" fill="hold">
-                                          <p:stCondLst>
-                                            <p:cond delay="0"/>
-                                          </p:stCondLst>
-                                        </p:cTn>
-                                        <p:tgtEl>
-                                          <p:spTgt spid="3">
-                                            <p:txEl>
-                                              <p:pRg st="7" end="7"/>
-                                            </p:txEl>
-                                          </p:spTgt>
-                                        </p:tgtEl>
-                                        <p:attrNameLst>
-                                          <p:attrName>style.visibility</p:attrName>
-                                        </p:attrNameLst>
-                                      </p:cBhvr>
-                                      <p:to>
-                                        <p:strVal val="visible"/>
-                                      </p:to>
-                                    </p:set>
-                                    <p:animEffect transition="in" filter="fade">
-                                      <p:cBhvr>
-                                        <p:cTn id="42" dur="500"/>
                                         <p:tgtEl>
                                           <p:spTgt spid="3">
                                             <p:txEl>
@@ -6844,6 +5464,131 @@
 </p:sld>
 </file>
 
+<file path=ppt/slides/slide13.xml><?xml version="1.0" encoding="utf-8"?>
+<p:sld xmlns:a="http://schemas.openxmlformats.org/drawingml/2006/main" xmlns:r="http://schemas.openxmlformats.org/officeDocument/2006/relationships" xmlns:p="http://schemas.openxmlformats.org/presentationml/2006/main">
+  <p:cSld>
+    <p:spTree>
+      <p:nvGrpSpPr>
+        <p:cNvPr id="1" name=""/>
+        <p:cNvGrpSpPr/>
+        <p:nvPr/>
+      </p:nvGrpSpPr>
+      <p:grpSpPr>
+        <a:xfrm>
+          <a:off x="0" y="0"/>
+          <a:ext cx="0" cy="0"/>
+          <a:chOff x="0" y="0"/>
+          <a:chExt cx="0" cy="0"/>
+        </a:xfrm>
+      </p:grpSpPr>
+      <p:sp>
+        <p:nvSpPr>
+          <p:cNvPr id="2" name="Title 1">
+            <a:extLst>
+              <a:ext uri="{FF2B5EF4-FFF2-40B4-BE49-F238E27FC236}">
+                <a16:creationId xmlns:a16="http://schemas.microsoft.com/office/drawing/2014/main" id="{8C995DCD-323E-46F5-B5D3-0D1A269E1376}"/>
+              </a:ext>
+            </a:extLst>
+          </p:cNvPr>
+          <p:cNvSpPr>
+            <a:spLocks noGrp="1"/>
+          </p:cNvSpPr>
+          <p:nvPr>
+            <p:ph type="title"/>
+          </p:nvPr>
+        </p:nvSpPr>
+        <p:spPr/>
+        <p:txBody>
+          <a:bodyPr/>
+          <a:lstStyle/>
+          <a:p>
+            <a:r>
+              <a:rPr lang="en-US" dirty="0"/>
+              <a:t>Refactor 1: Reading Files </a:t>
+            </a:r>
+          </a:p>
+        </p:txBody>
+      </p:sp>
+      <p:sp>
+        <p:nvSpPr>
+          <p:cNvPr id="3" name="Content Placeholder 2">
+            <a:extLst>
+              <a:ext uri="{FF2B5EF4-FFF2-40B4-BE49-F238E27FC236}">
+                <a16:creationId xmlns:a16="http://schemas.microsoft.com/office/drawing/2014/main" id="{264BCD51-3593-4212-9D1F-44749400CDE9}"/>
+              </a:ext>
+            </a:extLst>
+          </p:cNvPr>
+          <p:cNvSpPr>
+            <a:spLocks noGrp="1"/>
+          </p:cNvSpPr>
+          <p:nvPr>
+            <p:ph idx="1"/>
+          </p:nvPr>
+        </p:nvSpPr>
+        <p:spPr/>
+        <p:txBody>
+          <a:bodyPr/>
+          <a:lstStyle/>
+          <a:p>
+            <a:r>
+              <a:rPr lang="en-US" dirty="0"/>
+              <a:t>Create a function that reads a csv file</a:t>
+            </a:r>
+          </a:p>
+          <a:p>
+            <a:pPr lvl="1"/>
+            <a:r>
+              <a:rPr lang="en-US" dirty="0"/>
+              <a:t>read.doorbuster.csv()</a:t>
+            </a:r>
+          </a:p>
+          <a:p>
+            <a:r>
+              <a:rPr lang="en-US" dirty="0"/>
+              <a:t>Create a function that reads the specific files and combines them</a:t>
+            </a:r>
+          </a:p>
+          <a:p>
+            <a:pPr lvl="1"/>
+            <a:r>
+              <a:rPr lang="en-US" dirty="0" err="1"/>
+              <a:t>read.all.doorbuster.files</a:t>
+            </a:r>
+            <a:r>
+              <a:rPr lang="en-US" dirty="0"/>
+              <a:t>()</a:t>
+            </a:r>
+          </a:p>
+          <a:p>
+            <a:r>
+              <a:rPr lang="en-US" dirty="0"/>
+              <a:t>Why two functions?</a:t>
+            </a:r>
+          </a:p>
+          <a:p>
+            <a:endParaRPr lang="en-US" dirty="0"/>
+          </a:p>
+          <a:p>
+            <a:r>
+              <a:rPr lang="en-US" dirty="0"/>
+              <a:t>Replace data acquisition functionality in monolith</a:t>
+            </a:r>
+          </a:p>
+        </p:txBody>
+      </p:sp>
+    </p:spTree>
+    <p:extLst>
+      <p:ext uri="{BB962C8B-B14F-4D97-AF65-F5344CB8AC3E}">
+        <p14:creationId xmlns:p14="http://schemas.microsoft.com/office/powerpoint/2010/main" val="70157626"/>
+      </p:ext>
+    </p:extLst>
+  </p:cSld>
+  <p:clrMapOvr>
+    <a:masterClrMapping/>
+  </p:clrMapOvr>
+</p:sld>
+</file>
+
 <file path=ppt/slides/slide14.xml><?xml version="1.0" encoding="utf-8"?>
 <p:sld xmlns:a="http://schemas.openxmlformats.org/drawingml/2006/main" xmlns:r="http://schemas.openxmlformats.org/officeDocument/2006/relationships" xmlns:p="http://schemas.openxmlformats.org/presentationml/2006/main">
   <p:cSld>
@@ -6866,7 +5611,7 @@
           <p:cNvPr id="2" name="Title 1">
             <a:extLst>
               <a:ext uri="{FF2B5EF4-FFF2-40B4-BE49-F238E27FC236}">
-                <a16:creationId xmlns:a16="http://schemas.microsoft.com/office/drawing/2014/main" id="{8C995DCD-323E-46F5-B5D3-0D1A269E1376}"/>
+                <a16:creationId xmlns:a16="http://schemas.microsoft.com/office/drawing/2014/main" id="{07408BAE-2ABA-4AFD-A190-D1C3F819812F}"/>
               </a:ext>
             </a:extLst>
           </p:cNvPr>
@@ -6884,7 +5629,7 @@
           <a:p>
             <a:r>
               <a:rPr lang="en-US" dirty="0"/>
-              <a:t>Refactor 1: Reading Files </a:t>
+              <a:t>Refactor 2: Adding Metrics</a:t>
             </a:r>
           </a:p>
         </p:txBody>
@@ -6894,7 +5639,7 @@
           <p:cNvPr id="3" name="Content Placeholder 2">
             <a:extLst>
               <a:ext uri="{FF2B5EF4-FFF2-40B4-BE49-F238E27FC236}">
-                <a16:creationId xmlns:a16="http://schemas.microsoft.com/office/drawing/2014/main" id="{264BCD51-3593-4212-9D1F-44749400CDE9}"/>
+                <a16:creationId xmlns:a16="http://schemas.microsoft.com/office/drawing/2014/main" id="{CD014856-58EB-4A44-9CA9-D50547AF30CF}"/>
               </a:ext>
             </a:extLst>
           </p:cNvPr>
@@ -6912,46 +5657,32 @@
           <a:p>
             <a:r>
               <a:rPr lang="en-US" dirty="0"/>
-              <a:t>Create a function that reads a csv file</a:t>
+              <a:t>Create two new functions for the metrics required</a:t>
             </a:r>
           </a:p>
           <a:p>
             <a:pPr lvl="1"/>
             <a:r>
-              <a:rPr lang="en-US" dirty="0"/>
-              <a:t>read.doorbuster.csv()</a:t>
-            </a:r>
-          </a:p>
-          <a:p>
-            <a:r>
-              <a:rPr lang="en-US" dirty="0"/>
-              <a:t>Create a function that reads the specific files and combines them</a:t>
-            </a:r>
+              <a:rPr lang="en-US" dirty="0" err="1"/>
+              <a:t>add.column.db.noprice</a:t>
+            </a:r>
+            <a:endParaRPr lang="en-US" dirty="0"/>
           </a:p>
           <a:p>
             <a:pPr lvl="1"/>
             <a:r>
               <a:rPr lang="en-US" dirty="0" err="1"/>
-              <a:t>read.all.doorbuster.files</a:t>
-            </a:r>
-            <a:r>
-              <a:rPr lang="en-US" dirty="0"/>
-              <a:t>()</a:t>
-            </a:r>
-          </a:p>
-          <a:p>
-            <a:r>
-              <a:rPr lang="en-US" dirty="0"/>
-              <a:t>Why two functions?</a:t>
-            </a:r>
-          </a:p>
-          <a:p>
+              <a:t>add.column.db.online.outofstock</a:t>
+            </a:r>
             <a:endParaRPr lang="en-US" dirty="0"/>
           </a:p>
           <a:p>
-            <a:r>
-              <a:rPr lang="en-US" dirty="0"/>
-              <a:t>Replace data acquisition functionality in monolith</a:t>
+            <a:endParaRPr lang="en-US" dirty="0"/>
+          </a:p>
+          <a:p>
+            <a:r>
+              <a:rPr lang="en-US" dirty="0"/>
+              <a:t>Replace manipulations in monolith</a:t>
             </a:r>
           </a:p>
         </p:txBody>
@@ -6959,7 +5690,7 @@
     </p:spTree>
     <p:extLst>
       <p:ext uri="{BB962C8B-B14F-4D97-AF65-F5344CB8AC3E}">
-        <p14:creationId xmlns:p14="http://schemas.microsoft.com/office/powerpoint/2010/main" val="70157626"/>
+        <p14:creationId xmlns:p14="http://schemas.microsoft.com/office/powerpoint/2010/main" val="1317557719"/>
       </p:ext>
     </p:extLst>
   </p:cSld>
@@ -6991,7 +5722,7 @@
           <p:cNvPr id="2" name="Title 1">
             <a:extLst>
               <a:ext uri="{FF2B5EF4-FFF2-40B4-BE49-F238E27FC236}">
-                <a16:creationId xmlns:a16="http://schemas.microsoft.com/office/drawing/2014/main" id="{07408BAE-2ABA-4AFD-A190-D1C3F819812F}"/>
+                <a16:creationId xmlns:a16="http://schemas.microsoft.com/office/drawing/2014/main" id="{C8ED1D56-6414-4CFF-B32A-C56A7BD433AF}"/>
               </a:ext>
             </a:extLst>
           </p:cNvPr>
@@ -7009,7 +5740,7 @@
           <a:p>
             <a:r>
               <a:rPr lang="en-US" dirty="0"/>
-              <a:t>Refactor 2: Adding Metrics</a:t>
+              <a:t>Feature Add: Snake Case Columns</a:t>
             </a:r>
           </a:p>
         </p:txBody>
@@ -7019,7 +5750,7 @@
           <p:cNvPr id="3" name="Content Placeholder 2">
             <a:extLst>
               <a:ext uri="{FF2B5EF4-FFF2-40B4-BE49-F238E27FC236}">
-                <a16:creationId xmlns:a16="http://schemas.microsoft.com/office/drawing/2014/main" id="{CD014856-58EB-4A44-9CA9-D50547AF30CF}"/>
+                <a16:creationId xmlns:a16="http://schemas.microsoft.com/office/drawing/2014/main" id="{34A820EA-E832-4958-BF7F-C100417E9248}"/>
               </a:ext>
             </a:extLst>
           </p:cNvPr>
@@ -7037,40 +5768,62 @@
           <a:p>
             <a:r>
               <a:rPr lang="en-US" dirty="0"/>
-              <a:t>Create two new functions for the metrics required</a:t>
+              <a:t>Convert columns from column.name format to </a:t>
+            </a:r>
+            <a:r>
+              <a:rPr lang="en-US" dirty="0" err="1"/>
+              <a:t>column_name</a:t>
+            </a:r>
+            <a:r>
+              <a:rPr lang="en-US" dirty="0"/>
+              <a:t> format</a:t>
+            </a:r>
+          </a:p>
+          <a:p>
+            <a:r>
+              <a:rPr lang="en-US" dirty="0"/>
+              <a:t>Functions</a:t>
             </a:r>
           </a:p>
           <a:p>
             <a:pPr lvl="1"/>
             <a:r>
-              <a:rPr lang="en-US" dirty="0" err="1"/>
-              <a:t>add.column.db.noprice</a:t>
-            </a:r>
+              <a:rPr lang="en-US" dirty="0"/>
+              <a:t>Convert a string to snake case</a:t>
+            </a:r>
+          </a:p>
+          <a:p>
+            <a:pPr lvl="1"/>
+            <a:r>
+              <a:rPr lang="en-US" dirty="0"/>
+              <a:t>Convert array of strings to snake case</a:t>
+            </a:r>
+          </a:p>
+          <a:p>
             <a:endParaRPr lang="en-US" dirty="0"/>
           </a:p>
           <a:p>
+            <a:r>
+              <a:rPr lang="en-US" dirty="0"/>
+              <a:t>Add to monolith</a:t>
+            </a:r>
+          </a:p>
+          <a:p>
+            <a:endParaRPr lang="en-US" dirty="0"/>
+          </a:p>
+          <a:p>
             <a:pPr lvl="1"/>
-            <a:r>
-              <a:rPr lang="en-US" dirty="0" err="1"/>
-              <a:t>add.column.db.online.outofstock</a:t>
-            </a:r>
             <a:endParaRPr lang="en-US" dirty="0"/>
           </a:p>
           <a:p>
             <a:endParaRPr lang="en-US" dirty="0"/>
-          </a:p>
-          <a:p>
-            <a:r>
-              <a:rPr lang="en-US" dirty="0"/>
-              <a:t>Replace manipulations in monolith</a:t>
-            </a:r>
           </a:p>
         </p:txBody>
       </p:sp>
     </p:spTree>
     <p:extLst>
       <p:ext uri="{BB962C8B-B14F-4D97-AF65-F5344CB8AC3E}">
-        <p14:creationId xmlns:p14="http://schemas.microsoft.com/office/powerpoint/2010/main" val="1317557719"/>
+        <p14:creationId xmlns:p14="http://schemas.microsoft.com/office/powerpoint/2010/main" val="1080858537"/>
       </p:ext>
     </p:extLst>
   </p:cSld>
@@ -7099,10 +5852,10 @@
       </p:grpSpPr>
       <p:sp>
         <p:nvSpPr>
-          <p:cNvPr id="2" name="Title 1">
+          <p:cNvPr id="4" name="Title 3">
             <a:extLst>
               <a:ext uri="{FF2B5EF4-FFF2-40B4-BE49-F238E27FC236}">
-                <a16:creationId xmlns:a16="http://schemas.microsoft.com/office/drawing/2014/main" id="{C8ED1D56-6414-4CFF-B32A-C56A7BD433AF}"/>
+                <a16:creationId xmlns:a16="http://schemas.microsoft.com/office/drawing/2014/main" id="{1DEA03BC-81CD-4090-8358-78EEA42B0364}"/>
               </a:ext>
             </a:extLst>
           </p:cNvPr>
@@ -7120,17 +5873,17 @@
           <a:p>
             <a:r>
               <a:rPr lang="en-US" dirty="0"/>
-              <a:t>Feature Add: Snake Case Columns</a:t>
+              <a:t>Quick Tips</a:t>
             </a:r>
           </a:p>
         </p:txBody>
       </p:sp>
       <p:sp>
         <p:nvSpPr>
-          <p:cNvPr id="3" name="Content Placeholder 2">
+          <p:cNvPr id="5" name="Text Placeholder 4">
             <a:extLst>
               <a:ext uri="{FF2B5EF4-FFF2-40B4-BE49-F238E27FC236}">
-                <a16:creationId xmlns:a16="http://schemas.microsoft.com/office/drawing/2014/main" id="{34A820EA-E832-4958-BF7F-C100417E9248}"/>
+                <a16:creationId xmlns:a16="http://schemas.microsoft.com/office/drawing/2014/main" id="{97FD3551-08D2-4ACB-AB9E-450DE0246C73}"/>
               </a:ext>
             </a:extLst>
           </p:cNvPr>
@@ -7138,7 +5891,7 @@
             <a:spLocks noGrp="1"/>
           </p:cNvSpPr>
           <p:nvPr>
-            <p:ph idx="1"/>
+            <p:ph type="body" idx="1"/>
           </p:nvPr>
         </p:nvSpPr>
         <p:spPr/>
@@ -7146,64 +5899,14 @@
           <a:bodyPr/>
           <a:lstStyle/>
           <a:p>
-            <a:r>
-              <a:rPr lang="en-US" dirty="0"/>
-              <a:t>Convert columns from column.name format to </a:t>
-            </a:r>
-            <a:r>
-              <a:rPr lang="en-US" dirty="0" err="1"/>
-              <a:t>column_name</a:t>
-            </a:r>
-            <a:r>
-              <a:rPr lang="en-US" dirty="0"/>
-              <a:t> format</a:t>
-            </a:r>
-          </a:p>
-          <a:p>
-            <a:r>
-              <a:rPr lang="en-US" dirty="0"/>
-              <a:t>Functions</a:t>
-            </a:r>
-          </a:p>
-          <a:p>
-            <a:pPr lvl="1"/>
-            <a:r>
-              <a:rPr lang="en-US" dirty="0"/>
-              <a:t>Convert a string to snake case</a:t>
-            </a:r>
-          </a:p>
-          <a:p>
-            <a:pPr lvl="1"/>
-            <a:r>
-              <a:rPr lang="en-US" dirty="0"/>
-              <a:t>Convert array of strings to snake case</a:t>
-            </a:r>
-          </a:p>
-          <a:p>
-            <a:endParaRPr lang="en-US" dirty="0"/>
-          </a:p>
-          <a:p>
-            <a:r>
-              <a:rPr lang="en-US" dirty="0"/>
-              <a:t>Add to monolith</a:t>
-            </a:r>
-          </a:p>
-          <a:p>
-            <a:endParaRPr lang="en-US" dirty="0"/>
-          </a:p>
-          <a:p>
-            <a:pPr lvl="1"/>
-            <a:endParaRPr lang="en-US" dirty="0"/>
-          </a:p>
-          <a:p>
-            <a:endParaRPr lang="en-US" dirty="0"/>
+            <a:endParaRPr lang="en-US"/>
           </a:p>
         </p:txBody>
       </p:sp>
     </p:spTree>
     <p:extLst>
       <p:ext uri="{BB962C8B-B14F-4D97-AF65-F5344CB8AC3E}">
-        <p14:creationId xmlns:p14="http://schemas.microsoft.com/office/powerpoint/2010/main" val="1080858537"/>
+        <p14:creationId xmlns:p14="http://schemas.microsoft.com/office/powerpoint/2010/main" val="2529204238"/>
       </p:ext>
     </p:extLst>
   </p:cSld>
@@ -7232,61 +5935,37 @@
       </p:grpSpPr>
       <p:sp>
         <p:nvSpPr>
-          <p:cNvPr id="4" name="Title 3">
-            <a:extLst>
-              <a:ext uri="{FF2B5EF4-FFF2-40B4-BE49-F238E27FC236}">
-                <a16:creationId xmlns:a16="http://schemas.microsoft.com/office/drawing/2014/main" id="{1DEA03BC-81CD-4090-8358-78EEA42B0364}"/>
-              </a:ext>
-            </a:extLst>
-          </p:cNvPr>
+          <p:cNvPr id="2" name="Title 1"/>
           <p:cNvSpPr>
             <a:spLocks noGrp="1"/>
           </p:cNvSpPr>
           <p:nvPr>
-            <p:ph type="title"/>
+            <p:ph type="ctrTitle"/>
           </p:nvPr>
         </p:nvSpPr>
-        <p:spPr/>
+        <p:spPr>
+          <a:xfrm>
+            <a:off x="1524000" y="1122362"/>
+            <a:ext cx="9144000" cy="4604670"/>
+          </a:xfrm>
+        </p:spPr>
         <p:txBody>
-          <a:bodyPr/>
+          <a:bodyPr anchor="ctr">
+            <a:normAutofit/>
+          </a:bodyPr>
           <a:lstStyle/>
           <a:p>
             <a:r>
-              <a:rPr lang="en-US" dirty="0"/>
-              <a:t>Quick Tips</a:t>
-            </a:r>
-          </a:p>
-        </p:txBody>
-      </p:sp>
-      <p:sp>
-        <p:nvSpPr>
-          <p:cNvPr id="5" name="Text Placeholder 4">
-            <a:extLst>
-              <a:ext uri="{FF2B5EF4-FFF2-40B4-BE49-F238E27FC236}">
-                <a16:creationId xmlns:a16="http://schemas.microsoft.com/office/drawing/2014/main" id="{97FD3551-08D2-4ACB-AB9E-450DE0246C73}"/>
-              </a:ext>
-            </a:extLst>
-          </p:cNvPr>
-          <p:cNvSpPr>
-            <a:spLocks noGrp="1"/>
-          </p:cNvSpPr>
-          <p:nvPr>
-            <p:ph type="body" idx="1"/>
-          </p:nvPr>
-        </p:nvSpPr>
-        <p:spPr/>
-        <p:txBody>
-          <a:bodyPr/>
-          <a:lstStyle/>
-          <a:p>
-            <a:endParaRPr lang="en-US"/>
+              <a:rPr lang="en-US" sz="6600" dirty="0"/>
+              <a:t>1 Test &gt; No Tests.  Always.</a:t>
+            </a:r>
           </a:p>
         </p:txBody>
       </p:sp>
     </p:spTree>
     <p:extLst>
       <p:ext uri="{BB962C8B-B14F-4D97-AF65-F5344CB8AC3E}">
-        <p14:creationId xmlns:p14="http://schemas.microsoft.com/office/powerpoint/2010/main" val="2529204238"/>
+        <p14:creationId xmlns:p14="http://schemas.microsoft.com/office/powerpoint/2010/main" val="3327269754"/>
       </p:ext>
     </p:extLst>
   </p:cSld>
@@ -7337,7 +6016,7 @@
           <a:p>
             <a:r>
               <a:rPr lang="en-US" sz="6600" dirty="0"/>
-              <a:t>1 Test &gt; No Tests.  Always.</a:t>
+              <a:t>Where there’s smoke, there’s fire.</a:t>
             </a:r>
           </a:p>
         </p:txBody>
@@ -7345,7 +6024,7 @@
     </p:spTree>
     <p:extLst>
       <p:ext uri="{BB962C8B-B14F-4D97-AF65-F5344CB8AC3E}">
-        <p14:creationId xmlns:p14="http://schemas.microsoft.com/office/powerpoint/2010/main" val="3327269754"/>
+        <p14:creationId xmlns:p14="http://schemas.microsoft.com/office/powerpoint/2010/main" val="3356307705"/>
       </p:ext>
     </p:extLst>
   </p:cSld>
@@ -7395,16 +6074,17 @@
           <a:lstStyle/>
           <a:p>
             <a:r>
-              <a:rPr lang="en-US" sz="6600" dirty="0"/>
-              <a:t>Where there’s smoke, there’s fire.</a:t>
-            </a:r>
+              <a:rPr lang="en-US"/>
+              <a:t>You’ll need to learn a lot of new things.</a:t>
+            </a:r>
+            <a:endParaRPr lang="en-US" dirty="0"/>
           </a:p>
         </p:txBody>
       </p:sp>
     </p:spTree>
     <p:extLst>
       <p:ext uri="{BB962C8B-B14F-4D97-AF65-F5344CB8AC3E}">
-        <p14:creationId xmlns:p14="http://schemas.microsoft.com/office/powerpoint/2010/main" val="3356307705"/>
+        <p14:creationId xmlns:p14="http://schemas.microsoft.com/office/powerpoint/2010/main" val="965077165"/>
       </p:ext>
     </p:extLst>
   </p:cSld>
@@ -7621,8 +6301,8 @@
         </p:nvSpPr>
         <p:spPr>
           <a:xfrm>
-            <a:off x="6315924" y="2161846"/>
-            <a:ext cx="4926418" cy="1077218"/>
+            <a:off x="6322016" y="1692689"/>
+            <a:ext cx="4926418" cy="2062103"/>
           </a:xfrm>
           <a:prstGeom prst="rect">
             <a:avLst/>
@@ -7660,6 +6340,34 @@
                 </a:solidFill>
               </a:rPr>
               <a:t>We’re Hiring!</a:t>
+            </a:r>
+          </a:p>
+          <a:p>
+            <a:pPr marL="742950" lvl="1" indent="-285750">
+              <a:buFont typeface="Arial" panose="020B0604020202020204" pitchFamily="34" charset="0"/>
+              <a:buChar char="•"/>
+            </a:pPr>
+            <a:r>
+              <a:rPr lang="en-US" sz="3200" dirty="0">
+                <a:solidFill>
+                  <a:srgbClr val="32A2DB"/>
+                </a:solidFill>
+              </a:rPr>
+              <a:t>Data Engineers</a:t>
+            </a:r>
+          </a:p>
+          <a:p>
+            <a:pPr marL="742950" lvl="1" indent="-285750">
+              <a:buFont typeface="Arial" panose="020B0604020202020204" pitchFamily="34" charset="0"/>
+              <a:buChar char="•"/>
+            </a:pPr>
+            <a:r>
+              <a:rPr lang="en-US" sz="3200" dirty="0">
+                <a:solidFill>
+                  <a:srgbClr val="32A2DB"/>
+                </a:solidFill>
+              </a:rPr>
+              <a:t>Solution Architects</a:t>
             </a:r>
           </a:p>
         </p:txBody>
@@ -7702,7 +6410,7 @@
                   <a:srgbClr val="7A0019"/>
                 </a:solidFill>
               </a:rPr>
-              <a:t>Adjunct</a:t>
+              <a:t>Adjunct Instructor</a:t>
             </a:r>
           </a:p>
           <a:p>
@@ -7983,66 +6691,6 @@
           </a:bodyPr>
           <a:lstStyle/>
           <a:p>
-            <a:r>
-              <a:rPr lang="en-US"/>
-              <a:t>You’ll need to learn a lot of new things.</a:t>
-            </a:r>
-            <a:endParaRPr lang="en-US" dirty="0"/>
-          </a:p>
-        </p:txBody>
-      </p:sp>
-    </p:spTree>
-    <p:extLst>
-      <p:ext uri="{BB962C8B-B14F-4D97-AF65-F5344CB8AC3E}">
-        <p14:creationId xmlns:p14="http://schemas.microsoft.com/office/powerpoint/2010/main" val="965077165"/>
-      </p:ext>
-    </p:extLst>
-  </p:cSld>
-  <p:clrMapOvr>
-    <a:masterClrMapping/>
-  </p:clrMapOvr>
-</p:sld>
-</file>
-
-<file path=ppt/slides/slide21.xml><?xml version="1.0" encoding="utf-8"?>
-<p:sld xmlns:a="http://schemas.openxmlformats.org/drawingml/2006/main" xmlns:r="http://schemas.openxmlformats.org/officeDocument/2006/relationships" xmlns:p="http://schemas.openxmlformats.org/presentationml/2006/main">
-  <p:cSld>
-    <p:spTree>
-      <p:nvGrpSpPr>
-        <p:cNvPr id="1" name=""/>
-        <p:cNvGrpSpPr/>
-        <p:nvPr/>
-      </p:nvGrpSpPr>
-      <p:grpSpPr>
-        <a:xfrm>
-          <a:off x="0" y="0"/>
-          <a:ext cx="0" cy="0"/>
-          <a:chOff x="0" y="0"/>
-          <a:chExt cx="0" cy="0"/>
-        </a:xfrm>
-      </p:grpSpPr>
-      <p:sp>
-        <p:nvSpPr>
-          <p:cNvPr id="2" name="Title 1"/>
-          <p:cNvSpPr>
-            <a:spLocks noGrp="1"/>
-          </p:cNvSpPr>
-          <p:nvPr>
-            <p:ph type="ctrTitle"/>
-          </p:nvPr>
-        </p:nvSpPr>
-        <p:spPr>
-          <a:xfrm>
-            <a:off x="1524000" y="1122362"/>
-            <a:ext cx="9144000" cy="4604670"/>
-          </a:xfrm>
-        </p:spPr>
-        <p:txBody>
-          <a:bodyPr anchor="ctr">
-            <a:normAutofit/>
-          </a:bodyPr>
-          <a:lstStyle/>
-          <a:p>
             <a:pPr algn="l"/>
             <a:r>
               <a:rPr lang="en-US" dirty="0"/>
@@ -8064,7 +6712,7 @@
 </p:sld>
 </file>
 
-<file path=ppt/slides/slide22.xml><?xml version="1.0" encoding="utf-8"?>
+<file path=ppt/slides/slide21.xml><?xml version="1.0" encoding="utf-8"?>
 <p:sld xmlns:a="http://schemas.openxmlformats.org/drawingml/2006/main" xmlns:r="http://schemas.openxmlformats.org/officeDocument/2006/relationships" xmlns:p="http://schemas.openxmlformats.org/presentationml/2006/main">
   <p:cSld>
     <p:spTree>
@@ -8965,545 +7613,6 @@
       </p:grpSpPr>
       <p:sp>
         <p:nvSpPr>
-          <p:cNvPr id="2" name="Title 1"/>
-          <p:cNvSpPr>
-            <a:spLocks noGrp="1"/>
-          </p:cNvSpPr>
-          <p:nvPr>
-            <p:ph type="title"/>
-          </p:nvPr>
-        </p:nvSpPr>
-        <p:spPr/>
-        <p:txBody>
-          <a:bodyPr/>
-          <a:lstStyle/>
-          <a:p>
-            <a:r>
-              <a:rPr lang="en-US" dirty="0"/>
-              <a:t>Concepts of Automated Testing</a:t>
-            </a:r>
-          </a:p>
-        </p:txBody>
-      </p:sp>
-      <p:sp>
-        <p:nvSpPr>
-          <p:cNvPr id="3" name="Content Placeholder 2"/>
-          <p:cNvSpPr>
-            <a:spLocks noGrp="1"/>
-          </p:cNvSpPr>
-          <p:nvPr>
-            <p:ph idx="1"/>
-          </p:nvPr>
-        </p:nvSpPr>
-        <p:spPr/>
-        <p:txBody>
-          <a:bodyPr/>
-          <a:lstStyle/>
-          <a:p>
-            <a:r>
-              <a:rPr lang="en-US" dirty="0"/>
-              <a:t>Coded tests</a:t>
-            </a:r>
-          </a:p>
-          <a:p>
-            <a:pPr lvl="1"/>
-            <a:r>
-              <a:rPr lang="en-US" dirty="0"/>
-              <a:t>Your tests are code</a:t>
-            </a:r>
-          </a:p>
-          <a:p>
-            <a:pPr lvl="1"/>
-            <a:r>
-              <a:rPr lang="en-US" dirty="0"/>
-              <a:t>They need code review too</a:t>
-            </a:r>
-          </a:p>
-          <a:p>
-            <a:r>
-              <a:rPr lang="en-US" dirty="0"/>
-              <a:t>SOLID is the key</a:t>
-            </a:r>
-          </a:p>
-          <a:p>
-            <a:r>
-              <a:rPr lang="en-US" dirty="0"/>
-              <a:t>They should be run by your CI tools (Jenkins, Drone, etc.)</a:t>
-            </a:r>
-          </a:p>
-          <a:p>
-            <a:r>
-              <a:rPr lang="en-US" dirty="0"/>
-              <a:t>Try to achieve high [statement, branch] coverage</a:t>
-            </a:r>
-          </a:p>
-          <a:p>
-            <a:r>
-              <a:rPr lang="en-US" dirty="0">
-                <a:hlinkClick r:id="rId2"/>
-              </a:rPr>
-              <a:t>You’ll use a framework</a:t>
-            </a:r>
-            <a:endParaRPr lang="en-US" dirty="0"/>
-          </a:p>
-        </p:txBody>
-      </p:sp>
-    </p:spTree>
-    <p:extLst>
-      <p:ext uri="{BB962C8B-B14F-4D97-AF65-F5344CB8AC3E}">
-        <p14:creationId xmlns:p14="http://schemas.microsoft.com/office/powerpoint/2010/main" val="3383419397"/>
-      </p:ext>
-    </p:extLst>
-  </p:cSld>
-  <p:clrMapOvr>
-    <a:masterClrMapping/>
-  </p:clrMapOvr>
-  <p:timing>
-    <p:tnLst>
-      <p:par>
-        <p:cTn id="1" dur="indefinite" restart="never" nodeType="tmRoot">
-          <p:childTnLst>
-            <p:seq concurrent="1" nextAc="seek">
-              <p:cTn id="2" dur="indefinite" nodeType="mainSeq">
-                <p:childTnLst>
-                  <p:par>
-                    <p:cTn id="3" fill="hold">
-                      <p:stCondLst>
-                        <p:cond delay="indefinite"/>
-                      </p:stCondLst>
-                      <p:childTnLst>
-                        <p:par>
-                          <p:cTn id="4" fill="hold">
-                            <p:stCondLst>
-                              <p:cond delay="0"/>
-                            </p:stCondLst>
-                            <p:childTnLst>
-                              <p:par>
-                                <p:cTn id="5" presetID="10" presetClass="entr" presetSubtype="0" fill="hold" grpId="0" nodeType="clickEffect">
-                                  <p:stCondLst>
-                                    <p:cond delay="0"/>
-                                  </p:stCondLst>
-                                  <p:childTnLst>
-                                    <p:set>
-                                      <p:cBhvr>
-                                        <p:cTn id="6" dur="1" fill="hold">
-                                          <p:stCondLst>
-                                            <p:cond delay="0"/>
-                                          </p:stCondLst>
-                                        </p:cTn>
-                                        <p:tgtEl>
-                                          <p:spTgt spid="3">
-                                            <p:txEl>
-                                              <p:pRg st="0" end="0"/>
-                                            </p:txEl>
-                                          </p:spTgt>
-                                        </p:tgtEl>
-                                        <p:attrNameLst>
-                                          <p:attrName>style.visibility</p:attrName>
-                                        </p:attrNameLst>
-                                      </p:cBhvr>
-                                      <p:to>
-                                        <p:strVal val="visible"/>
-                                      </p:to>
-                                    </p:set>
-                                    <p:animEffect transition="in" filter="fade">
-                                      <p:cBhvr>
-                                        <p:cTn id="7" dur="500"/>
-                                        <p:tgtEl>
-                                          <p:spTgt spid="3">
-                                            <p:txEl>
-                                              <p:pRg st="0" end="0"/>
-                                            </p:txEl>
-                                          </p:spTgt>
-                                        </p:tgtEl>
-                                      </p:cBhvr>
-                                    </p:animEffect>
-                                  </p:childTnLst>
-                                </p:cTn>
-                              </p:par>
-                              <p:par>
-                                <p:cTn id="8" presetID="10" presetClass="entr" presetSubtype="0" fill="hold" grpId="0" nodeType="withEffect">
-                                  <p:stCondLst>
-                                    <p:cond delay="0"/>
-                                  </p:stCondLst>
-                                  <p:childTnLst>
-                                    <p:set>
-                                      <p:cBhvr>
-                                        <p:cTn id="9" dur="1" fill="hold">
-                                          <p:stCondLst>
-                                            <p:cond delay="0"/>
-                                          </p:stCondLst>
-                                        </p:cTn>
-                                        <p:tgtEl>
-                                          <p:spTgt spid="3">
-                                            <p:txEl>
-                                              <p:pRg st="1" end="1"/>
-                                            </p:txEl>
-                                          </p:spTgt>
-                                        </p:tgtEl>
-                                        <p:attrNameLst>
-                                          <p:attrName>style.visibility</p:attrName>
-                                        </p:attrNameLst>
-                                      </p:cBhvr>
-                                      <p:to>
-                                        <p:strVal val="visible"/>
-                                      </p:to>
-                                    </p:set>
-                                    <p:animEffect transition="in" filter="fade">
-                                      <p:cBhvr>
-                                        <p:cTn id="10" dur="500"/>
-                                        <p:tgtEl>
-                                          <p:spTgt spid="3">
-                                            <p:txEl>
-                                              <p:pRg st="1" end="1"/>
-                                            </p:txEl>
-                                          </p:spTgt>
-                                        </p:tgtEl>
-                                      </p:cBhvr>
-                                    </p:animEffect>
-                                  </p:childTnLst>
-                                </p:cTn>
-                              </p:par>
-                              <p:par>
-                                <p:cTn id="11" presetID="10" presetClass="entr" presetSubtype="0" fill="hold" grpId="0" nodeType="withEffect">
-                                  <p:stCondLst>
-                                    <p:cond delay="0"/>
-                                  </p:stCondLst>
-                                  <p:childTnLst>
-                                    <p:set>
-                                      <p:cBhvr>
-                                        <p:cTn id="12" dur="1" fill="hold">
-                                          <p:stCondLst>
-                                            <p:cond delay="0"/>
-                                          </p:stCondLst>
-                                        </p:cTn>
-                                        <p:tgtEl>
-                                          <p:spTgt spid="3">
-                                            <p:txEl>
-                                              <p:pRg st="2" end="2"/>
-                                            </p:txEl>
-                                          </p:spTgt>
-                                        </p:tgtEl>
-                                        <p:attrNameLst>
-                                          <p:attrName>style.visibility</p:attrName>
-                                        </p:attrNameLst>
-                                      </p:cBhvr>
-                                      <p:to>
-                                        <p:strVal val="visible"/>
-                                      </p:to>
-                                    </p:set>
-                                    <p:animEffect transition="in" filter="fade">
-                                      <p:cBhvr>
-                                        <p:cTn id="13" dur="500"/>
-                                        <p:tgtEl>
-                                          <p:spTgt spid="3">
-                                            <p:txEl>
-                                              <p:pRg st="2" end="2"/>
-                                            </p:txEl>
-                                          </p:spTgt>
-                                        </p:tgtEl>
-                                      </p:cBhvr>
-                                    </p:animEffect>
-                                  </p:childTnLst>
-                                </p:cTn>
-                              </p:par>
-                            </p:childTnLst>
-                          </p:cTn>
-                        </p:par>
-                      </p:childTnLst>
-                    </p:cTn>
-                  </p:par>
-                  <p:par>
-                    <p:cTn id="14" fill="hold">
-                      <p:stCondLst>
-                        <p:cond delay="indefinite"/>
-                      </p:stCondLst>
-                      <p:childTnLst>
-                        <p:par>
-                          <p:cTn id="15" fill="hold">
-                            <p:stCondLst>
-                              <p:cond delay="0"/>
-                            </p:stCondLst>
-                            <p:childTnLst>
-                              <p:par>
-                                <p:cTn id="16" presetID="10" presetClass="entr" presetSubtype="0" fill="hold" grpId="0" nodeType="clickEffect">
-                                  <p:stCondLst>
-                                    <p:cond delay="0"/>
-                                  </p:stCondLst>
-                                  <p:childTnLst>
-                                    <p:set>
-                                      <p:cBhvr>
-                                        <p:cTn id="17" dur="1" fill="hold">
-                                          <p:stCondLst>
-                                            <p:cond delay="0"/>
-                                          </p:stCondLst>
-                                        </p:cTn>
-                                        <p:tgtEl>
-                                          <p:spTgt spid="3">
-                                            <p:txEl>
-                                              <p:pRg st="3" end="3"/>
-                                            </p:txEl>
-                                          </p:spTgt>
-                                        </p:tgtEl>
-                                        <p:attrNameLst>
-                                          <p:attrName>style.visibility</p:attrName>
-                                        </p:attrNameLst>
-                                      </p:cBhvr>
-                                      <p:to>
-                                        <p:strVal val="visible"/>
-                                      </p:to>
-                                    </p:set>
-                                    <p:animEffect transition="in" filter="fade">
-                                      <p:cBhvr>
-                                        <p:cTn id="18" dur="500"/>
-                                        <p:tgtEl>
-                                          <p:spTgt spid="3">
-                                            <p:txEl>
-                                              <p:pRg st="3" end="3"/>
-                                            </p:txEl>
-                                          </p:spTgt>
-                                        </p:tgtEl>
-                                      </p:cBhvr>
-                                    </p:animEffect>
-                                  </p:childTnLst>
-                                </p:cTn>
-                              </p:par>
-                            </p:childTnLst>
-                          </p:cTn>
-                        </p:par>
-                      </p:childTnLst>
-                    </p:cTn>
-                  </p:par>
-                  <p:par>
-                    <p:cTn id="19" fill="hold">
-                      <p:stCondLst>
-                        <p:cond delay="indefinite"/>
-                      </p:stCondLst>
-                      <p:childTnLst>
-                        <p:par>
-                          <p:cTn id="20" fill="hold">
-                            <p:stCondLst>
-                              <p:cond delay="0"/>
-                            </p:stCondLst>
-                            <p:childTnLst>
-                              <p:par>
-                                <p:cTn id="21" presetID="10" presetClass="entr" presetSubtype="0" fill="hold" grpId="0" nodeType="clickEffect">
-                                  <p:stCondLst>
-                                    <p:cond delay="0"/>
-                                  </p:stCondLst>
-                                  <p:childTnLst>
-                                    <p:set>
-                                      <p:cBhvr>
-                                        <p:cTn id="22" dur="1" fill="hold">
-                                          <p:stCondLst>
-                                            <p:cond delay="0"/>
-                                          </p:stCondLst>
-                                        </p:cTn>
-                                        <p:tgtEl>
-                                          <p:spTgt spid="3">
-                                            <p:txEl>
-                                              <p:pRg st="4" end="4"/>
-                                            </p:txEl>
-                                          </p:spTgt>
-                                        </p:tgtEl>
-                                        <p:attrNameLst>
-                                          <p:attrName>style.visibility</p:attrName>
-                                        </p:attrNameLst>
-                                      </p:cBhvr>
-                                      <p:to>
-                                        <p:strVal val="visible"/>
-                                      </p:to>
-                                    </p:set>
-                                    <p:animEffect transition="in" filter="fade">
-                                      <p:cBhvr>
-                                        <p:cTn id="23" dur="500"/>
-                                        <p:tgtEl>
-                                          <p:spTgt spid="3">
-                                            <p:txEl>
-                                              <p:pRg st="4" end="4"/>
-                                            </p:txEl>
-                                          </p:spTgt>
-                                        </p:tgtEl>
-                                      </p:cBhvr>
-                                    </p:animEffect>
-                                  </p:childTnLst>
-                                </p:cTn>
-                              </p:par>
-                            </p:childTnLst>
-                          </p:cTn>
-                        </p:par>
-                      </p:childTnLst>
-                    </p:cTn>
-                  </p:par>
-                  <p:par>
-                    <p:cTn id="24" fill="hold">
-                      <p:stCondLst>
-                        <p:cond delay="indefinite"/>
-                      </p:stCondLst>
-                      <p:childTnLst>
-                        <p:par>
-                          <p:cTn id="25" fill="hold">
-                            <p:stCondLst>
-                              <p:cond delay="0"/>
-                            </p:stCondLst>
-                            <p:childTnLst>
-                              <p:par>
-                                <p:cTn id="26" presetID="10" presetClass="entr" presetSubtype="0" fill="hold" grpId="0" nodeType="clickEffect">
-                                  <p:stCondLst>
-                                    <p:cond delay="0"/>
-                                  </p:stCondLst>
-                                  <p:childTnLst>
-                                    <p:set>
-                                      <p:cBhvr>
-                                        <p:cTn id="27" dur="1" fill="hold">
-                                          <p:stCondLst>
-                                            <p:cond delay="0"/>
-                                          </p:stCondLst>
-                                        </p:cTn>
-                                        <p:tgtEl>
-                                          <p:spTgt spid="3">
-                                            <p:txEl>
-                                              <p:pRg st="5" end="5"/>
-                                            </p:txEl>
-                                          </p:spTgt>
-                                        </p:tgtEl>
-                                        <p:attrNameLst>
-                                          <p:attrName>style.visibility</p:attrName>
-                                        </p:attrNameLst>
-                                      </p:cBhvr>
-                                      <p:to>
-                                        <p:strVal val="visible"/>
-                                      </p:to>
-                                    </p:set>
-                                    <p:animEffect transition="in" filter="fade">
-                                      <p:cBhvr>
-                                        <p:cTn id="28" dur="500"/>
-                                        <p:tgtEl>
-                                          <p:spTgt spid="3">
-                                            <p:txEl>
-                                              <p:pRg st="5" end="5"/>
-                                            </p:txEl>
-                                          </p:spTgt>
-                                        </p:tgtEl>
-                                      </p:cBhvr>
-                                    </p:animEffect>
-                                  </p:childTnLst>
-                                </p:cTn>
-                              </p:par>
-                            </p:childTnLst>
-                          </p:cTn>
-                        </p:par>
-                      </p:childTnLst>
-                    </p:cTn>
-                  </p:par>
-                  <p:par>
-                    <p:cTn id="29" fill="hold">
-                      <p:stCondLst>
-                        <p:cond delay="indefinite"/>
-                      </p:stCondLst>
-                      <p:childTnLst>
-                        <p:par>
-                          <p:cTn id="30" fill="hold">
-                            <p:stCondLst>
-                              <p:cond delay="0"/>
-                            </p:stCondLst>
-                            <p:childTnLst>
-                              <p:par>
-                                <p:cTn id="31" presetID="10" presetClass="entr" presetSubtype="0" fill="hold" grpId="0" nodeType="clickEffect">
-                                  <p:stCondLst>
-                                    <p:cond delay="0"/>
-                                  </p:stCondLst>
-                                  <p:childTnLst>
-                                    <p:set>
-                                      <p:cBhvr>
-                                        <p:cTn id="32" dur="1" fill="hold">
-                                          <p:stCondLst>
-                                            <p:cond delay="0"/>
-                                          </p:stCondLst>
-                                        </p:cTn>
-                                        <p:tgtEl>
-                                          <p:spTgt spid="3">
-                                            <p:txEl>
-                                              <p:pRg st="6" end="6"/>
-                                            </p:txEl>
-                                          </p:spTgt>
-                                        </p:tgtEl>
-                                        <p:attrNameLst>
-                                          <p:attrName>style.visibility</p:attrName>
-                                        </p:attrNameLst>
-                                      </p:cBhvr>
-                                      <p:to>
-                                        <p:strVal val="visible"/>
-                                      </p:to>
-                                    </p:set>
-                                    <p:animEffect transition="in" filter="fade">
-                                      <p:cBhvr>
-                                        <p:cTn id="33" dur="500"/>
-                                        <p:tgtEl>
-                                          <p:spTgt spid="3">
-                                            <p:txEl>
-                                              <p:pRg st="6" end="6"/>
-                                            </p:txEl>
-                                          </p:spTgt>
-                                        </p:tgtEl>
-                                      </p:cBhvr>
-                                    </p:animEffect>
-                                  </p:childTnLst>
-                                </p:cTn>
-                              </p:par>
-                            </p:childTnLst>
-                          </p:cTn>
-                        </p:par>
-                      </p:childTnLst>
-                    </p:cTn>
-                  </p:par>
-                </p:childTnLst>
-              </p:cTn>
-              <p:prevCondLst>
-                <p:cond evt="onPrev" delay="0">
-                  <p:tgtEl>
-                    <p:sldTgt/>
-                  </p:tgtEl>
-                </p:cond>
-              </p:prevCondLst>
-              <p:nextCondLst>
-                <p:cond evt="onNext" delay="0">
-                  <p:tgtEl>
-                    <p:sldTgt/>
-                  </p:tgtEl>
-                </p:cond>
-              </p:nextCondLst>
-            </p:seq>
-          </p:childTnLst>
-        </p:cTn>
-      </p:par>
-    </p:tnLst>
-    <p:bldLst>
-      <p:bldP spid="3" grpId="0" build="p"/>
-    </p:bldLst>
-  </p:timing>
-</p:sld>
-</file>
-
-<file path=ppt/slides/slide5.xml><?xml version="1.0" encoding="utf-8"?>
-<p:sld xmlns:a="http://schemas.openxmlformats.org/drawingml/2006/main" xmlns:r="http://schemas.openxmlformats.org/officeDocument/2006/relationships" xmlns:p="http://schemas.openxmlformats.org/presentationml/2006/main">
-  <p:cSld>
-    <p:spTree>
-      <p:nvGrpSpPr>
-        <p:cNvPr id="1" name=""/>
-        <p:cNvGrpSpPr/>
-        <p:nvPr/>
-      </p:nvGrpSpPr>
-      <p:grpSpPr>
-        <a:xfrm>
-          <a:off x="0" y="0"/>
-          <a:ext cx="0" cy="0"/>
-          <a:chOff x="0" y="0"/>
-          <a:chExt cx="0" cy="0"/>
-        </a:xfrm>
-      </p:grpSpPr>
-      <p:sp>
-        <p:nvSpPr>
           <p:cNvPr id="4" name="Title 3">
             <a:extLst>
               <a:ext uri="{FF2B5EF4-FFF2-40B4-BE49-F238E27FC236}">
@@ -9568,7 +7677,7 @@
 </p:sld>
 </file>
 
-<file path=ppt/slides/slide6.xml><?xml version="1.0" encoding="utf-8"?>
+<file path=ppt/slides/slide5.xml><?xml version="1.0" encoding="utf-8"?>
 <p:sld xmlns:a="http://schemas.openxmlformats.org/drawingml/2006/main" xmlns:r="http://schemas.openxmlformats.org/officeDocument/2006/relationships" xmlns:p="http://schemas.openxmlformats.org/presentationml/2006/main">
   <p:cSld>
     <p:spTree>
@@ -10267,6 +8376,758 @@
                                           <p:spTgt spid="3">
                                             <p:txEl>
                                               <p:pRg st="9" end="9"/>
+                                            </p:txEl>
+                                          </p:spTgt>
+                                        </p:tgtEl>
+                                      </p:cBhvr>
+                                    </p:animEffect>
+                                  </p:childTnLst>
+                                </p:cTn>
+                              </p:par>
+                            </p:childTnLst>
+                          </p:cTn>
+                        </p:par>
+                      </p:childTnLst>
+                    </p:cTn>
+                  </p:par>
+                </p:childTnLst>
+              </p:cTn>
+              <p:prevCondLst>
+                <p:cond evt="onPrev" delay="0">
+                  <p:tgtEl>
+                    <p:sldTgt/>
+                  </p:tgtEl>
+                </p:cond>
+              </p:prevCondLst>
+              <p:nextCondLst>
+                <p:cond evt="onNext" delay="0">
+                  <p:tgtEl>
+                    <p:sldTgt/>
+                  </p:tgtEl>
+                </p:cond>
+              </p:nextCondLst>
+            </p:seq>
+          </p:childTnLst>
+        </p:cTn>
+      </p:par>
+    </p:tnLst>
+  </p:timing>
+</p:sld>
+</file>
+
+<file path=ppt/slides/slide6.xml><?xml version="1.0" encoding="utf-8"?>
+<p:sld xmlns:a="http://schemas.openxmlformats.org/drawingml/2006/main" xmlns:r="http://schemas.openxmlformats.org/officeDocument/2006/relationships" xmlns:p="http://schemas.openxmlformats.org/presentationml/2006/main">
+  <p:cSld>
+    <p:spTree>
+      <p:nvGrpSpPr>
+        <p:cNvPr id="1" name=""/>
+        <p:cNvGrpSpPr/>
+        <p:nvPr/>
+      </p:nvGrpSpPr>
+      <p:grpSpPr>
+        <a:xfrm>
+          <a:off x="0" y="0"/>
+          <a:ext cx="0" cy="0"/>
+          <a:chOff x="0" y="0"/>
+          <a:chExt cx="0" cy="0"/>
+        </a:xfrm>
+      </p:grpSpPr>
+      <p:sp>
+        <p:nvSpPr>
+          <p:cNvPr id="2" name="Title 1"/>
+          <p:cNvSpPr>
+            <a:spLocks noGrp="1"/>
+          </p:cNvSpPr>
+          <p:nvPr>
+            <p:ph type="title"/>
+          </p:nvPr>
+        </p:nvSpPr>
+        <p:spPr/>
+        <p:txBody>
+          <a:bodyPr/>
+          <a:lstStyle/>
+          <a:p>
+            <a:r>
+              <a:rPr lang="en-US" dirty="0"/>
+              <a:t>Test-Driven Development (TDD)</a:t>
+            </a:r>
+          </a:p>
+        </p:txBody>
+      </p:sp>
+      <p:pic>
+        <p:nvPicPr>
+          <p:cNvPr id="4" name="Content Placeholder 3"/>
+          <p:cNvPicPr>
+            <a:picLocks noGrp="1" noChangeAspect="1"/>
+          </p:cNvPicPr>
+          <p:nvPr>
+            <p:ph idx="1"/>
+          </p:nvPr>
+        </p:nvPicPr>
+        <p:blipFill>
+          <a:blip r:embed="rId3"/>
+          <a:stretch>
+            <a:fillRect/>
+          </a:stretch>
+        </p:blipFill>
+        <p:spPr>
+          <a:xfrm>
+            <a:off x="1116449" y="1690688"/>
+            <a:ext cx="2258891" cy="4351338"/>
+          </a:xfrm>
+          <a:prstGeom prst="rect">
+            <a:avLst/>
+          </a:prstGeom>
+        </p:spPr>
+      </p:pic>
+      <p:sp>
+        <p:nvSpPr>
+          <p:cNvPr id="5" name="TextBox 4"/>
+          <p:cNvSpPr txBox="1"/>
+          <p:nvPr/>
+        </p:nvSpPr>
+        <p:spPr>
+          <a:xfrm>
+            <a:off x="4463717" y="1690688"/>
+            <a:ext cx="6890084" cy="3970318"/>
+          </a:xfrm>
+          <a:prstGeom prst="rect">
+            <a:avLst/>
+          </a:prstGeom>
+          <a:noFill/>
+        </p:spPr>
+        <p:txBody>
+          <a:bodyPr wrap="square" rtlCol="0">
+            <a:spAutoFit/>
+          </a:bodyPr>
+          <a:lstStyle/>
+          <a:p>
+            <a:pPr marL="285750" indent="-285750">
+              <a:buFont typeface="Arial" charset="0"/>
+              <a:buChar char="•"/>
+            </a:pPr>
+            <a:r>
+              <a:rPr lang="en-US" sz="2800" dirty="0"/>
+              <a:t>Helps you understand your requirements</a:t>
+            </a:r>
+          </a:p>
+          <a:p>
+            <a:pPr marL="285750" indent="-285750">
+              <a:buFont typeface="Arial" charset="0"/>
+              <a:buChar char="•"/>
+            </a:pPr>
+            <a:r>
+              <a:rPr lang="en-US" sz="2800" dirty="0"/>
+              <a:t>Forces you to test (YAY!)</a:t>
+            </a:r>
+          </a:p>
+          <a:p>
+            <a:pPr marL="285750" indent="-285750">
+              <a:buFont typeface="Arial" charset="0"/>
+              <a:buChar char="•"/>
+            </a:pPr>
+            <a:r>
+              <a:rPr lang="en-US" sz="2800" dirty="0"/>
+              <a:t>If your test doesn’t fail first, it’s a bad test</a:t>
+            </a:r>
+          </a:p>
+          <a:p>
+            <a:pPr marL="742950" lvl="1" indent="-285750">
+              <a:buFont typeface="Arial" charset="0"/>
+              <a:buChar char="•"/>
+            </a:pPr>
+            <a:r>
+              <a:rPr lang="en-US" sz="2800" dirty="0"/>
+              <a:t>Avoid false positives</a:t>
+            </a:r>
+          </a:p>
+          <a:p>
+            <a:pPr marL="742950" lvl="1" indent="-285750">
+              <a:buFont typeface="Arial" charset="0"/>
+              <a:buChar char="•"/>
+            </a:pPr>
+            <a:r>
+              <a:rPr lang="en-US" sz="2800" dirty="0"/>
+              <a:t>Ensure better tests</a:t>
+            </a:r>
+          </a:p>
+          <a:p>
+            <a:pPr marL="285750" indent="-285750">
+              <a:buFont typeface="Arial" charset="0"/>
+              <a:buChar char="•"/>
+            </a:pPr>
+            <a:r>
+              <a:rPr lang="en-US" sz="2800" dirty="0"/>
+              <a:t>When you have tests, you can CONFIDENTLY change your code in the future</a:t>
+            </a:r>
+          </a:p>
+          <a:p>
+            <a:pPr marL="285750" indent="-285750">
+              <a:buFont typeface="Arial" charset="0"/>
+              <a:buChar char="•"/>
+            </a:pPr>
+            <a:r>
+              <a:rPr lang="en-US" sz="2800" dirty="0"/>
+              <a:t>Incorporate SOLID to make it easier</a:t>
+            </a:r>
+          </a:p>
+          <a:p>
+            <a:pPr marL="285750" indent="-285750">
+              <a:buFont typeface="Arial" charset="0"/>
+              <a:buChar char="•"/>
+            </a:pPr>
+            <a:r>
+              <a:rPr lang="en-US" sz="2800" dirty="0"/>
+              <a:t>It takes practice!</a:t>
+            </a:r>
+          </a:p>
+        </p:txBody>
+      </p:sp>
+    </p:spTree>
+    <p:extLst>
+      <p:ext uri="{BB962C8B-B14F-4D97-AF65-F5344CB8AC3E}">
+        <p14:creationId xmlns:p14="http://schemas.microsoft.com/office/powerpoint/2010/main" val="1752400368"/>
+      </p:ext>
+    </p:extLst>
+  </p:cSld>
+  <p:clrMapOvr>
+    <a:masterClrMapping/>
+  </p:clrMapOvr>
+  <p:timing>
+    <p:tnLst>
+      <p:par>
+        <p:cTn id="1" dur="indefinite" restart="never" nodeType="tmRoot">
+          <p:childTnLst>
+            <p:seq concurrent="1" nextAc="seek">
+              <p:cTn id="2" dur="indefinite" nodeType="mainSeq">
+                <p:childTnLst>
+                  <p:par>
+                    <p:cTn id="3" fill="hold">
+                      <p:stCondLst>
+                        <p:cond delay="indefinite"/>
+                      </p:stCondLst>
+                      <p:childTnLst>
+                        <p:par>
+                          <p:cTn id="4" fill="hold">
+                            <p:stCondLst>
+                              <p:cond delay="0"/>
+                            </p:stCondLst>
+                            <p:childTnLst>
+                              <p:par>
+                                <p:cTn id="5" presetID="10" presetClass="entr" presetSubtype="0" fill="hold" nodeType="clickEffect">
+                                  <p:stCondLst>
+                                    <p:cond delay="0"/>
+                                  </p:stCondLst>
+                                  <p:childTnLst>
+                                    <p:set>
+                                      <p:cBhvr>
+                                        <p:cTn id="6" dur="1" fill="hold">
+                                          <p:stCondLst>
+                                            <p:cond delay="0"/>
+                                          </p:stCondLst>
+                                        </p:cTn>
+                                        <p:tgtEl>
+                                          <p:spTgt spid="4"/>
+                                        </p:tgtEl>
+                                        <p:attrNameLst>
+                                          <p:attrName>style.visibility</p:attrName>
+                                        </p:attrNameLst>
+                                      </p:cBhvr>
+                                      <p:to>
+                                        <p:strVal val="visible"/>
+                                      </p:to>
+                                    </p:set>
+                                    <p:animEffect transition="in" filter="fade">
+                                      <p:cBhvr>
+                                        <p:cTn id="7" dur="500"/>
+                                        <p:tgtEl>
+                                          <p:spTgt spid="4"/>
+                                        </p:tgtEl>
+                                      </p:cBhvr>
+                                    </p:animEffect>
+                                  </p:childTnLst>
+                                </p:cTn>
+                              </p:par>
+                            </p:childTnLst>
+                          </p:cTn>
+                        </p:par>
+                      </p:childTnLst>
+                    </p:cTn>
+                  </p:par>
+                  <p:par>
+                    <p:cTn id="8" fill="hold">
+                      <p:stCondLst>
+                        <p:cond delay="indefinite"/>
+                      </p:stCondLst>
+                      <p:childTnLst>
+                        <p:par>
+                          <p:cTn id="9" fill="hold">
+                            <p:stCondLst>
+                              <p:cond delay="0"/>
+                            </p:stCondLst>
+                            <p:childTnLst>
+                              <p:par>
+                                <p:cTn id="10" presetID="10" presetClass="entr" presetSubtype="0" fill="hold" nodeType="clickEffect">
+                                  <p:stCondLst>
+                                    <p:cond delay="0"/>
+                                  </p:stCondLst>
+                                  <p:childTnLst>
+                                    <p:set>
+                                      <p:cBhvr>
+                                        <p:cTn id="11" dur="1" fill="hold">
+                                          <p:stCondLst>
+                                            <p:cond delay="0"/>
+                                          </p:stCondLst>
+                                        </p:cTn>
+                                        <p:tgtEl>
+                                          <p:spTgt spid="5">
+                                            <p:txEl>
+                                              <p:pRg st="0" end="0"/>
+                                            </p:txEl>
+                                          </p:spTgt>
+                                        </p:tgtEl>
+                                        <p:attrNameLst>
+                                          <p:attrName>style.visibility</p:attrName>
+                                        </p:attrNameLst>
+                                      </p:cBhvr>
+                                      <p:to>
+                                        <p:strVal val="visible"/>
+                                      </p:to>
+                                    </p:set>
+                                    <p:animEffect transition="in" filter="fade">
+                                      <p:cBhvr>
+                                        <p:cTn id="12" dur="500"/>
+                                        <p:tgtEl>
+                                          <p:spTgt spid="5">
+                                            <p:txEl>
+                                              <p:pRg st="0" end="0"/>
+                                            </p:txEl>
+                                          </p:spTgt>
+                                        </p:tgtEl>
+                                      </p:cBhvr>
+                                    </p:animEffect>
+                                  </p:childTnLst>
+                                </p:cTn>
+                              </p:par>
+                            </p:childTnLst>
+                          </p:cTn>
+                        </p:par>
+                      </p:childTnLst>
+                    </p:cTn>
+                  </p:par>
+                  <p:par>
+                    <p:cTn id="13" fill="hold">
+                      <p:stCondLst>
+                        <p:cond delay="indefinite"/>
+                      </p:stCondLst>
+                      <p:childTnLst>
+                        <p:par>
+                          <p:cTn id="14" fill="hold">
+                            <p:stCondLst>
+                              <p:cond delay="0"/>
+                            </p:stCondLst>
+                            <p:childTnLst>
+                              <p:par>
+                                <p:cTn id="15" presetID="10" presetClass="entr" presetSubtype="0" fill="hold" nodeType="clickEffect">
+                                  <p:stCondLst>
+                                    <p:cond delay="0"/>
+                                  </p:stCondLst>
+                                  <p:childTnLst>
+                                    <p:set>
+                                      <p:cBhvr>
+                                        <p:cTn id="16" dur="1" fill="hold">
+                                          <p:stCondLst>
+                                            <p:cond delay="0"/>
+                                          </p:stCondLst>
+                                        </p:cTn>
+                                        <p:tgtEl>
+                                          <p:spTgt spid="5">
+                                            <p:txEl>
+                                              <p:pRg st="1" end="1"/>
+                                            </p:txEl>
+                                          </p:spTgt>
+                                        </p:tgtEl>
+                                        <p:attrNameLst>
+                                          <p:attrName>style.visibility</p:attrName>
+                                        </p:attrNameLst>
+                                      </p:cBhvr>
+                                      <p:to>
+                                        <p:strVal val="visible"/>
+                                      </p:to>
+                                    </p:set>
+                                    <p:animEffect transition="in" filter="fade">
+                                      <p:cBhvr>
+                                        <p:cTn id="17" dur="500"/>
+                                        <p:tgtEl>
+                                          <p:spTgt spid="5">
+                                            <p:txEl>
+                                              <p:pRg st="1" end="1"/>
+                                            </p:txEl>
+                                          </p:spTgt>
+                                        </p:tgtEl>
+                                      </p:cBhvr>
+                                    </p:animEffect>
+                                  </p:childTnLst>
+                                </p:cTn>
+                              </p:par>
+                            </p:childTnLst>
+                          </p:cTn>
+                        </p:par>
+                      </p:childTnLst>
+                    </p:cTn>
+                  </p:par>
+                  <p:par>
+                    <p:cTn id="18" fill="hold">
+                      <p:stCondLst>
+                        <p:cond delay="indefinite"/>
+                      </p:stCondLst>
+                      <p:childTnLst>
+                        <p:par>
+                          <p:cTn id="19" fill="hold">
+                            <p:stCondLst>
+                              <p:cond delay="0"/>
+                            </p:stCondLst>
+                            <p:childTnLst>
+                              <p:par>
+                                <p:cTn id="20" presetID="10" presetClass="entr" presetSubtype="0" fill="hold" nodeType="clickEffect">
+                                  <p:stCondLst>
+                                    <p:cond delay="0"/>
+                                  </p:stCondLst>
+                                  <p:childTnLst>
+                                    <p:set>
+                                      <p:cBhvr>
+                                        <p:cTn id="21" dur="1" fill="hold">
+                                          <p:stCondLst>
+                                            <p:cond delay="0"/>
+                                          </p:stCondLst>
+                                        </p:cTn>
+                                        <p:tgtEl>
+                                          <p:spTgt spid="5">
+                                            <p:txEl>
+                                              <p:pRg st="2" end="2"/>
+                                            </p:txEl>
+                                          </p:spTgt>
+                                        </p:tgtEl>
+                                        <p:attrNameLst>
+                                          <p:attrName>style.visibility</p:attrName>
+                                        </p:attrNameLst>
+                                      </p:cBhvr>
+                                      <p:to>
+                                        <p:strVal val="visible"/>
+                                      </p:to>
+                                    </p:set>
+                                    <p:animEffect transition="in" filter="fade">
+                                      <p:cBhvr>
+                                        <p:cTn id="22" dur="500"/>
+                                        <p:tgtEl>
+                                          <p:spTgt spid="5">
+                                            <p:txEl>
+                                              <p:pRg st="2" end="2"/>
+                                            </p:txEl>
+                                          </p:spTgt>
+                                        </p:tgtEl>
+                                      </p:cBhvr>
+                                    </p:animEffect>
+                                  </p:childTnLst>
+                                </p:cTn>
+                              </p:par>
+                            </p:childTnLst>
+                          </p:cTn>
+                        </p:par>
+                      </p:childTnLst>
+                    </p:cTn>
+                  </p:par>
+                  <p:par>
+                    <p:cTn id="23" fill="hold">
+                      <p:stCondLst>
+                        <p:cond delay="indefinite"/>
+                      </p:stCondLst>
+                      <p:childTnLst>
+                        <p:par>
+                          <p:cTn id="24" fill="hold">
+                            <p:stCondLst>
+                              <p:cond delay="0"/>
+                            </p:stCondLst>
+                            <p:childTnLst>
+                              <p:par>
+                                <p:cTn id="25" presetID="10" presetClass="entr" presetSubtype="0" fill="hold" nodeType="clickEffect">
+                                  <p:stCondLst>
+                                    <p:cond delay="0"/>
+                                  </p:stCondLst>
+                                  <p:childTnLst>
+                                    <p:set>
+                                      <p:cBhvr>
+                                        <p:cTn id="26" dur="1" fill="hold">
+                                          <p:stCondLst>
+                                            <p:cond delay="0"/>
+                                          </p:stCondLst>
+                                        </p:cTn>
+                                        <p:tgtEl>
+                                          <p:spTgt spid="5">
+                                            <p:txEl>
+                                              <p:pRg st="3" end="3"/>
+                                            </p:txEl>
+                                          </p:spTgt>
+                                        </p:tgtEl>
+                                        <p:attrNameLst>
+                                          <p:attrName>style.visibility</p:attrName>
+                                        </p:attrNameLst>
+                                      </p:cBhvr>
+                                      <p:to>
+                                        <p:strVal val="visible"/>
+                                      </p:to>
+                                    </p:set>
+                                    <p:animEffect transition="in" filter="fade">
+                                      <p:cBhvr>
+                                        <p:cTn id="27" dur="500"/>
+                                        <p:tgtEl>
+                                          <p:spTgt spid="5">
+                                            <p:txEl>
+                                              <p:pRg st="3" end="3"/>
+                                            </p:txEl>
+                                          </p:spTgt>
+                                        </p:tgtEl>
+                                      </p:cBhvr>
+                                    </p:animEffect>
+                                  </p:childTnLst>
+                                </p:cTn>
+                              </p:par>
+                            </p:childTnLst>
+                          </p:cTn>
+                        </p:par>
+                      </p:childTnLst>
+                    </p:cTn>
+                  </p:par>
+                  <p:par>
+                    <p:cTn id="28" fill="hold">
+                      <p:stCondLst>
+                        <p:cond delay="indefinite"/>
+                      </p:stCondLst>
+                      <p:childTnLst>
+                        <p:par>
+                          <p:cTn id="29" fill="hold">
+                            <p:stCondLst>
+                              <p:cond delay="0"/>
+                            </p:stCondLst>
+                            <p:childTnLst>
+                              <p:par>
+                                <p:cTn id="30" presetID="10" presetClass="entr" presetSubtype="0" fill="hold" nodeType="clickEffect">
+                                  <p:stCondLst>
+                                    <p:cond delay="0"/>
+                                  </p:stCondLst>
+                                  <p:childTnLst>
+                                    <p:set>
+                                      <p:cBhvr>
+                                        <p:cTn id="31" dur="1" fill="hold">
+                                          <p:stCondLst>
+                                            <p:cond delay="0"/>
+                                          </p:stCondLst>
+                                        </p:cTn>
+                                        <p:tgtEl>
+                                          <p:spTgt spid="5">
+                                            <p:txEl>
+                                              <p:pRg st="4" end="4"/>
+                                            </p:txEl>
+                                          </p:spTgt>
+                                        </p:tgtEl>
+                                        <p:attrNameLst>
+                                          <p:attrName>style.visibility</p:attrName>
+                                        </p:attrNameLst>
+                                      </p:cBhvr>
+                                      <p:to>
+                                        <p:strVal val="visible"/>
+                                      </p:to>
+                                    </p:set>
+                                    <p:animEffect transition="in" filter="fade">
+                                      <p:cBhvr>
+                                        <p:cTn id="32" dur="500"/>
+                                        <p:tgtEl>
+                                          <p:spTgt spid="5">
+                                            <p:txEl>
+                                              <p:pRg st="4" end="4"/>
+                                            </p:txEl>
+                                          </p:spTgt>
+                                        </p:tgtEl>
+                                      </p:cBhvr>
+                                    </p:animEffect>
+                                  </p:childTnLst>
+                                </p:cTn>
+                              </p:par>
+                            </p:childTnLst>
+                          </p:cTn>
+                        </p:par>
+                      </p:childTnLst>
+                    </p:cTn>
+                  </p:par>
+                  <p:par>
+                    <p:cTn id="33" fill="hold">
+                      <p:stCondLst>
+                        <p:cond delay="indefinite"/>
+                      </p:stCondLst>
+                      <p:childTnLst>
+                        <p:par>
+                          <p:cTn id="34" fill="hold">
+                            <p:stCondLst>
+                              <p:cond delay="0"/>
+                            </p:stCondLst>
+                            <p:childTnLst>
+                              <p:par>
+                                <p:cTn id="35" presetID="10" presetClass="entr" presetSubtype="0" fill="hold" nodeType="clickEffect">
+                                  <p:stCondLst>
+                                    <p:cond delay="0"/>
+                                  </p:stCondLst>
+                                  <p:childTnLst>
+                                    <p:set>
+                                      <p:cBhvr>
+                                        <p:cTn id="36" dur="1" fill="hold">
+                                          <p:stCondLst>
+                                            <p:cond delay="0"/>
+                                          </p:stCondLst>
+                                        </p:cTn>
+                                        <p:tgtEl>
+                                          <p:spTgt spid="5">
+                                            <p:txEl>
+                                              <p:pRg st="5" end="5"/>
+                                            </p:txEl>
+                                          </p:spTgt>
+                                        </p:tgtEl>
+                                        <p:attrNameLst>
+                                          <p:attrName>style.visibility</p:attrName>
+                                        </p:attrNameLst>
+                                      </p:cBhvr>
+                                      <p:to>
+                                        <p:strVal val="visible"/>
+                                      </p:to>
+                                    </p:set>
+                                    <p:animEffect transition="in" filter="fade">
+                                      <p:cBhvr>
+                                        <p:cTn id="37" dur="500"/>
+                                        <p:tgtEl>
+                                          <p:spTgt spid="5">
+                                            <p:txEl>
+                                              <p:pRg st="5" end="5"/>
+                                            </p:txEl>
+                                          </p:spTgt>
+                                        </p:tgtEl>
+                                      </p:cBhvr>
+                                    </p:animEffect>
+                                  </p:childTnLst>
+                                </p:cTn>
+                              </p:par>
+                            </p:childTnLst>
+                          </p:cTn>
+                        </p:par>
+                      </p:childTnLst>
+                    </p:cTn>
+                  </p:par>
+                  <p:par>
+                    <p:cTn id="38" fill="hold">
+                      <p:stCondLst>
+                        <p:cond delay="indefinite"/>
+                      </p:stCondLst>
+                      <p:childTnLst>
+                        <p:par>
+                          <p:cTn id="39" fill="hold">
+                            <p:stCondLst>
+                              <p:cond delay="0"/>
+                            </p:stCondLst>
+                            <p:childTnLst>
+                              <p:par>
+                                <p:cTn id="40" presetID="10" presetClass="entr" presetSubtype="0" fill="hold" nodeType="clickEffect">
+                                  <p:stCondLst>
+                                    <p:cond delay="0"/>
+                                  </p:stCondLst>
+                                  <p:childTnLst>
+                                    <p:set>
+                                      <p:cBhvr>
+                                        <p:cTn id="41" dur="1" fill="hold">
+                                          <p:stCondLst>
+                                            <p:cond delay="0"/>
+                                          </p:stCondLst>
+                                        </p:cTn>
+                                        <p:tgtEl>
+                                          <p:spTgt spid="5">
+                                            <p:txEl>
+                                              <p:pRg st="6" end="6"/>
+                                            </p:txEl>
+                                          </p:spTgt>
+                                        </p:tgtEl>
+                                        <p:attrNameLst>
+                                          <p:attrName>style.visibility</p:attrName>
+                                        </p:attrNameLst>
+                                      </p:cBhvr>
+                                      <p:to>
+                                        <p:strVal val="visible"/>
+                                      </p:to>
+                                    </p:set>
+                                    <p:animEffect transition="in" filter="fade">
+                                      <p:cBhvr>
+                                        <p:cTn id="42" dur="500"/>
+                                        <p:tgtEl>
+                                          <p:spTgt spid="5">
+                                            <p:txEl>
+                                              <p:pRg st="6" end="6"/>
+                                            </p:txEl>
+                                          </p:spTgt>
+                                        </p:tgtEl>
+                                      </p:cBhvr>
+                                    </p:animEffect>
+                                  </p:childTnLst>
+                                </p:cTn>
+                              </p:par>
+                            </p:childTnLst>
+                          </p:cTn>
+                        </p:par>
+                      </p:childTnLst>
+                    </p:cTn>
+                  </p:par>
+                  <p:par>
+                    <p:cTn id="43" fill="hold">
+                      <p:stCondLst>
+                        <p:cond delay="indefinite"/>
+                      </p:stCondLst>
+                      <p:childTnLst>
+                        <p:par>
+                          <p:cTn id="44" fill="hold">
+                            <p:stCondLst>
+                              <p:cond delay="0"/>
+                            </p:stCondLst>
+                            <p:childTnLst>
+                              <p:par>
+                                <p:cTn id="45" presetID="10" presetClass="entr" presetSubtype="0" fill="hold" nodeType="clickEffect">
+                                  <p:stCondLst>
+                                    <p:cond delay="0"/>
+                                  </p:stCondLst>
+                                  <p:childTnLst>
+                                    <p:set>
+                                      <p:cBhvr>
+                                        <p:cTn id="46" dur="1" fill="hold">
+                                          <p:stCondLst>
+                                            <p:cond delay="0"/>
+                                          </p:stCondLst>
+                                        </p:cTn>
+                                        <p:tgtEl>
+                                          <p:spTgt spid="5">
+                                            <p:txEl>
+                                              <p:pRg st="7" end="7"/>
+                                            </p:txEl>
+                                          </p:spTgt>
+                                        </p:tgtEl>
+                                        <p:attrNameLst>
+                                          <p:attrName>style.visibility</p:attrName>
+                                        </p:attrNameLst>
+                                      </p:cBhvr>
+                                      <p:to>
+                                        <p:strVal val="visible"/>
+                                      </p:to>
+                                    </p:set>
+                                    <p:animEffect transition="in" filter="fade">
+                                      <p:cBhvr>
+                                        <p:cTn id="47" dur="500"/>
+                                        <p:tgtEl>
+                                          <p:spTgt spid="5">
+                                            <p:txEl>
+                                              <p:pRg st="7" end="7"/>
                                             </p:txEl>
                                           </p:spTgt>
                                         </p:tgtEl>
@@ -10325,6 +9186,89 @@
       </p:grpSpPr>
       <p:sp>
         <p:nvSpPr>
+          <p:cNvPr id="4" name="Title 3">
+            <a:extLst>
+              <a:ext uri="{FF2B5EF4-FFF2-40B4-BE49-F238E27FC236}">
+                <a16:creationId xmlns:a16="http://schemas.microsoft.com/office/drawing/2014/main" id="{F8CE6D9D-8FB6-426E-92EE-E8F4A3871F61}"/>
+              </a:ext>
+            </a:extLst>
+          </p:cNvPr>
+          <p:cNvSpPr>
+            <a:spLocks noGrp="1"/>
+          </p:cNvSpPr>
+          <p:nvPr>
+            <p:ph type="title"/>
+          </p:nvPr>
+        </p:nvSpPr>
+        <p:spPr/>
+        <p:txBody>
+          <a:bodyPr/>
+          <a:lstStyle/>
+          <a:p>
+            <a:r>
+              <a:rPr lang="en-US" dirty="0"/>
+              <a:t>Demo App in R</a:t>
+            </a:r>
+          </a:p>
+        </p:txBody>
+      </p:sp>
+      <p:sp>
+        <p:nvSpPr>
+          <p:cNvPr id="5" name="Text Placeholder 4">
+            <a:extLst>
+              <a:ext uri="{FF2B5EF4-FFF2-40B4-BE49-F238E27FC236}">
+                <a16:creationId xmlns:a16="http://schemas.microsoft.com/office/drawing/2014/main" id="{21313DED-C475-4BEC-82D2-AD6951936A13}"/>
+              </a:ext>
+            </a:extLst>
+          </p:cNvPr>
+          <p:cNvSpPr>
+            <a:spLocks noGrp="1"/>
+          </p:cNvSpPr>
+          <p:nvPr>
+            <p:ph type="body" idx="1"/>
+          </p:nvPr>
+        </p:nvSpPr>
+        <p:spPr/>
+        <p:txBody>
+          <a:bodyPr/>
+          <a:lstStyle/>
+          <a:p>
+            <a:endParaRPr lang="en-US"/>
+          </a:p>
+        </p:txBody>
+      </p:sp>
+    </p:spTree>
+    <p:extLst>
+      <p:ext uri="{BB962C8B-B14F-4D97-AF65-F5344CB8AC3E}">
+        <p14:creationId xmlns:p14="http://schemas.microsoft.com/office/powerpoint/2010/main" val="2337566926"/>
+      </p:ext>
+    </p:extLst>
+  </p:cSld>
+  <p:clrMapOvr>
+    <a:masterClrMapping/>
+  </p:clrMapOvr>
+</p:sld>
+</file>
+
+<file path=ppt/slides/slide8.xml><?xml version="1.0" encoding="utf-8"?>
+<p:sld xmlns:a="http://schemas.openxmlformats.org/drawingml/2006/main" xmlns:r="http://schemas.openxmlformats.org/officeDocument/2006/relationships" xmlns:p="http://schemas.openxmlformats.org/presentationml/2006/main">
+  <p:cSld>
+    <p:spTree>
+      <p:nvGrpSpPr>
+        <p:cNvPr id="1" name=""/>
+        <p:cNvGrpSpPr/>
+        <p:nvPr/>
+      </p:nvGrpSpPr>
+      <p:grpSpPr>
+        <a:xfrm>
+          <a:off x="0" y="0"/>
+          <a:ext cx="0" cy="0"/>
+          <a:chOff x="0" y="0"/>
+          <a:chExt cx="0" cy="0"/>
+        </a:xfrm>
+      </p:grpSpPr>
+      <p:sp>
+        <p:nvSpPr>
           <p:cNvPr id="2" name="Title 1"/>
           <p:cNvSpPr>
             <a:spLocks noGrp="1"/>
@@ -10339,145 +9283,130 @@
           <a:lstStyle/>
           <a:p>
             <a:r>
-              <a:rPr lang="en-US" dirty="0"/>
-              <a:t>Test-Driven Development (TDD)</a:t>
+              <a:rPr lang="en-US"/>
+              <a:t>Coded Unit Testing with RUnit</a:t>
             </a:r>
           </a:p>
         </p:txBody>
       </p:sp>
-      <p:pic>
-        <p:nvPicPr>
-          <p:cNvPr id="4" name="Content Placeholder 3"/>
-          <p:cNvPicPr>
-            <a:picLocks noGrp="1" noChangeAspect="1"/>
-          </p:cNvPicPr>
+      <p:sp>
+        <p:nvSpPr>
+          <p:cNvPr id="3" name="Content Placeholder 2"/>
+          <p:cNvSpPr>
+            <a:spLocks noGrp="1"/>
+          </p:cNvSpPr>
           <p:nvPr>
             <p:ph idx="1"/>
           </p:nvPr>
-        </p:nvPicPr>
-        <p:blipFill>
-          <a:blip r:embed="rId3"/>
-          <a:stretch>
-            <a:fillRect/>
-          </a:stretch>
-        </p:blipFill>
-        <p:spPr>
-          <a:xfrm>
-            <a:off x="1116449" y="1690688"/>
-            <a:ext cx="2258891" cy="4351338"/>
-          </a:xfrm>
-          <a:prstGeom prst="rect">
-            <a:avLst/>
-          </a:prstGeom>
-        </p:spPr>
-      </p:pic>
-      <p:sp>
-        <p:nvSpPr>
-          <p:cNvPr id="5" name="TextBox 4"/>
-          <p:cNvSpPr txBox="1"/>
-          <p:nvPr/>
-        </p:nvSpPr>
-        <p:spPr>
-          <a:xfrm>
-            <a:off x="4463717" y="1690688"/>
-            <a:ext cx="6890084" cy="3970318"/>
-          </a:xfrm>
-          <a:prstGeom prst="rect">
-            <a:avLst/>
-          </a:prstGeom>
-          <a:noFill/>
-        </p:spPr>
+        </p:nvSpPr>
+        <p:spPr/>
         <p:txBody>
-          <a:bodyPr wrap="square" rtlCol="0">
-            <a:spAutoFit/>
+          <a:bodyPr>
+            <a:normAutofit fontScale="92500" lnSpcReduction="10000"/>
           </a:bodyPr>
           <a:lstStyle/>
           <a:p>
-            <a:pPr marL="285750" indent="-285750">
-              <a:buFont typeface="Arial" charset="0"/>
-              <a:buChar char="•"/>
-            </a:pPr>
-            <a:r>
-              <a:rPr lang="en-US" sz="2800" dirty="0"/>
-              <a:t>Helps you understand your requirements</a:t>
-            </a:r>
-          </a:p>
-          <a:p>
-            <a:pPr marL="285750" indent="-285750">
-              <a:buFont typeface="Arial" charset="0"/>
-              <a:buChar char="•"/>
-            </a:pPr>
-            <a:r>
-              <a:rPr lang="en-US" sz="2800" dirty="0"/>
-              <a:t>Forces you to test (YAY!)</a:t>
-            </a:r>
-          </a:p>
-          <a:p>
-            <a:pPr marL="285750" indent="-285750">
-              <a:buFont typeface="Arial" charset="0"/>
-              <a:buChar char="•"/>
-            </a:pPr>
-            <a:r>
-              <a:rPr lang="en-US" sz="2800" dirty="0"/>
-              <a:t>If your test doesn’t fail first, it’s a bad test</a:t>
-            </a:r>
-          </a:p>
-          <a:p>
-            <a:pPr marL="742950" lvl="1" indent="-285750">
-              <a:buFont typeface="Arial" charset="0"/>
-              <a:buChar char="•"/>
-            </a:pPr>
-            <a:r>
-              <a:rPr lang="en-US" sz="2800" dirty="0"/>
-              <a:t>Avoid false positives</a:t>
-            </a:r>
-          </a:p>
-          <a:p>
-            <a:pPr marL="742950" lvl="1" indent="-285750">
-              <a:buFont typeface="Arial" charset="0"/>
-              <a:buChar char="•"/>
-            </a:pPr>
-            <a:r>
-              <a:rPr lang="en-US" sz="2800" dirty="0"/>
-              <a:t>Ensure better tests</a:t>
-            </a:r>
-          </a:p>
-          <a:p>
-            <a:pPr marL="285750" indent="-285750">
-              <a:buFont typeface="Arial" charset="0"/>
-              <a:buChar char="•"/>
-            </a:pPr>
-            <a:r>
-              <a:rPr lang="en-US" sz="2800" dirty="0"/>
-              <a:t>When you have tests, you can CONFIDENTLY change your code in the future</a:t>
-            </a:r>
-          </a:p>
-          <a:p>
-            <a:pPr marL="285750" indent="-285750">
-              <a:buFont typeface="Arial" charset="0"/>
-              <a:buChar char="•"/>
-            </a:pPr>
-            <a:r>
-              <a:rPr lang="en-US" sz="2800" dirty="0"/>
-              <a:t>Incorporate SOLID to make it easier</a:t>
-            </a:r>
-          </a:p>
-          <a:p>
-            <a:pPr marL="285750" indent="-285750">
-              <a:buFont typeface="Arial" charset="0"/>
-              <a:buChar char="•"/>
-            </a:pPr>
-            <a:r>
-              <a:rPr lang="en-US" sz="2800" dirty="0"/>
-              <a:t>It takes practice!</a:t>
-            </a:r>
+            <a:r>
+              <a:rPr lang="en-US" dirty="0"/>
+              <a:t>Why?</a:t>
+            </a:r>
+          </a:p>
+          <a:p>
+            <a:pPr lvl="1"/>
+            <a:r>
+              <a:rPr lang="en-US" dirty="0"/>
+              <a:t>Every time you change your code, you want to re-test it, ENTIRELY</a:t>
+            </a:r>
+          </a:p>
+          <a:p>
+            <a:pPr lvl="1"/>
+            <a:r>
+              <a:rPr lang="en-US" dirty="0"/>
+              <a:t>Without coded testing, we skip testing pieces we’ve already tested</a:t>
+            </a:r>
+          </a:p>
+          <a:p>
+            <a:pPr lvl="1"/>
+            <a:r>
+              <a:rPr lang="en-US" dirty="0"/>
+              <a:t>Gain confidence in testing changes to large data sets</a:t>
+            </a:r>
+          </a:p>
+          <a:p>
+            <a:pPr lvl="1"/>
+            <a:r>
+              <a:rPr lang="en-US" dirty="0"/>
+              <a:t>What if we broke something we previously built?</a:t>
+            </a:r>
+          </a:p>
+          <a:p>
+            <a:pPr lvl="2"/>
+            <a:r>
+              <a:rPr lang="en-US" dirty="0"/>
+              <a:t>We won’t know until a defect is reported</a:t>
+            </a:r>
+          </a:p>
+          <a:p>
+            <a:pPr lvl="1"/>
+            <a:r>
+              <a:rPr lang="en-US" dirty="0"/>
+              <a:t>Integrate testing within the deployment process</a:t>
+            </a:r>
+          </a:p>
+          <a:p>
+            <a:r>
+              <a:rPr lang="en-US" dirty="0"/>
+              <a:t>Package: </a:t>
+            </a:r>
+            <a:r>
+              <a:rPr lang="en-US" dirty="0" err="1">
+                <a:hlinkClick r:id="rId2"/>
+              </a:rPr>
+              <a:t>Runit</a:t>
+            </a:r>
+            <a:endParaRPr lang="en-US" dirty="0"/>
+          </a:p>
+          <a:p>
+            <a:pPr lvl="1"/>
+            <a:r>
+              <a:rPr lang="en-US" dirty="0"/>
+              <a:t>Allows automated verification of code units</a:t>
+            </a:r>
+          </a:p>
+          <a:p>
+            <a:pPr lvl="1"/>
+            <a:r>
+              <a:rPr lang="en-US" dirty="0"/>
+              <a:t>Allows a test suites to be defined and tested together</a:t>
+            </a:r>
+          </a:p>
+          <a:p>
+            <a:pPr lvl="1"/>
+            <a:r>
+              <a:rPr lang="en-US" dirty="0"/>
+              <a:t>Allows for test results to be reported</a:t>
+            </a:r>
+          </a:p>
+          <a:p>
+            <a:pPr lvl="1"/>
+            <a:r>
+              <a:rPr lang="en-US" dirty="0"/>
+              <a:t>Also: </a:t>
+            </a:r>
+            <a:r>
+              <a:rPr lang="en-US" dirty="0" err="1">
+                <a:hlinkClick r:id="rId3"/>
+              </a:rPr>
+              <a:t>testthat</a:t>
+            </a:r>
+            <a:endParaRPr lang="en-US" dirty="0"/>
           </a:p>
         </p:txBody>
       </p:sp>
     </p:spTree>
     <p:extLst>
       <p:ext uri="{BB962C8B-B14F-4D97-AF65-F5344CB8AC3E}">
-        <p14:creationId xmlns:p14="http://schemas.microsoft.com/office/powerpoint/2010/main" val="1752400368"/>
+        <p14:creationId xmlns:p14="http://schemas.microsoft.com/office/powerpoint/2010/main" val="704699504"/>
       </p:ext>
     </p:extLst>
   </p:cSld>
@@ -10496,6 +9425,9 @@
                     <p:cTn id="3" fill="hold">
                       <p:stCondLst>
                         <p:cond delay="indefinite"/>
+                        <p:cond evt="onBegin" delay="0">
+                          <p:tn val="2"/>
+                        </p:cond>
                       </p:stCondLst>
                       <p:childTnLst>
                         <p:par>
@@ -10505,7 +9437,7 @@
                             </p:stCondLst>
                             <p:childTnLst>
                               <p:par>
-                                <p:cTn id="5" presetID="10" presetClass="entr" presetSubtype="0" fill="hold" nodeType="clickEffect">
+                                <p:cTn id="5" presetID="10" presetClass="entr" presetSubtype="0" fill="hold" nodeType="withEffect">
                                   <p:stCondLst>
                                     <p:cond delay="0"/>
                                   </p:stCondLst>
@@ -10518,7 +9450,11 @@
                                           </p:stCondLst>
                                         </p:cTn>
                                         <p:tgtEl>
-                                          <p:spTgt spid="4"/>
+                                          <p:spTgt spid="3">
+                                            <p:txEl>
+                                              <p:pRg st="0" end="0"/>
+                                            </p:txEl>
+                                          </p:spTgt>
                                         </p:tgtEl>
                                         <p:attrNameLst>
                                           <p:attrName>style.visibility</p:attrName>
@@ -10532,7 +9468,269 @@
                                       <p:cBhvr>
                                         <p:cTn id="7" dur="500"/>
                                         <p:tgtEl>
-                                          <p:spTgt spid="4"/>
+                                          <p:spTgt spid="3">
+                                            <p:txEl>
+                                              <p:pRg st="0" end="0"/>
+                                            </p:txEl>
+                                          </p:spTgt>
+                                        </p:tgtEl>
+                                      </p:cBhvr>
+                                    </p:animEffect>
+                                  </p:childTnLst>
+                                </p:cTn>
+                              </p:par>
+                              <p:par>
+                                <p:cTn id="8" presetID="10" presetClass="entr" presetSubtype="0" fill="hold" nodeType="withEffect">
+                                  <p:stCondLst>
+                                    <p:cond delay="0"/>
+                                  </p:stCondLst>
+                                  <p:childTnLst>
+                                    <p:set>
+                                      <p:cBhvr>
+                                        <p:cTn id="9" dur="1" fill="hold">
+                                          <p:stCondLst>
+                                            <p:cond delay="0"/>
+                                          </p:stCondLst>
+                                        </p:cTn>
+                                        <p:tgtEl>
+                                          <p:spTgt spid="3">
+                                            <p:txEl>
+                                              <p:pRg st="1" end="1"/>
+                                            </p:txEl>
+                                          </p:spTgt>
+                                        </p:tgtEl>
+                                        <p:attrNameLst>
+                                          <p:attrName>style.visibility</p:attrName>
+                                        </p:attrNameLst>
+                                      </p:cBhvr>
+                                      <p:to>
+                                        <p:strVal val="visible"/>
+                                      </p:to>
+                                    </p:set>
+                                    <p:animEffect transition="in" filter="fade">
+                                      <p:cBhvr>
+                                        <p:cTn id="10" dur="500"/>
+                                        <p:tgtEl>
+                                          <p:spTgt spid="3">
+                                            <p:txEl>
+                                              <p:pRg st="1" end="1"/>
+                                            </p:txEl>
+                                          </p:spTgt>
+                                        </p:tgtEl>
+                                      </p:cBhvr>
+                                    </p:animEffect>
+                                  </p:childTnLst>
+                                </p:cTn>
+                              </p:par>
+                              <p:par>
+                                <p:cTn id="11" presetID="10" presetClass="entr" presetSubtype="0" fill="hold" nodeType="withEffect">
+                                  <p:stCondLst>
+                                    <p:cond delay="0"/>
+                                  </p:stCondLst>
+                                  <p:childTnLst>
+                                    <p:set>
+                                      <p:cBhvr>
+                                        <p:cTn id="12" dur="1" fill="hold">
+                                          <p:stCondLst>
+                                            <p:cond delay="0"/>
+                                          </p:stCondLst>
+                                        </p:cTn>
+                                        <p:tgtEl>
+                                          <p:spTgt spid="3">
+                                            <p:txEl>
+                                              <p:pRg st="2" end="2"/>
+                                            </p:txEl>
+                                          </p:spTgt>
+                                        </p:tgtEl>
+                                        <p:attrNameLst>
+                                          <p:attrName>style.visibility</p:attrName>
+                                        </p:attrNameLst>
+                                      </p:cBhvr>
+                                      <p:to>
+                                        <p:strVal val="visible"/>
+                                      </p:to>
+                                    </p:set>
+                                    <p:animEffect transition="in" filter="fade">
+                                      <p:cBhvr>
+                                        <p:cTn id="13" dur="500"/>
+                                        <p:tgtEl>
+                                          <p:spTgt spid="3">
+                                            <p:txEl>
+                                              <p:pRg st="2" end="2"/>
+                                            </p:txEl>
+                                          </p:spTgt>
+                                        </p:tgtEl>
+                                      </p:cBhvr>
+                                    </p:animEffect>
+                                  </p:childTnLst>
+                                </p:cTn>
+                              </p:par>
+                              <p:par>
+                                <p:cTn id="14" presetID="10" presetClass="entr" presetSubtype="0" fill="hold" nodeType="withEffect">
+                                  <p:stCondLst>
+                                    <p:cond delay="0"/>
+                                  </p:stCondLst>
+                                  <p:childTnLst>
+                                    <p:set>
+                                      <p:cBhvr>
+                                        <p:cTn id="15" dur="1" fill="hold">
+                                          <p:stCondLst>
+                                            <p:cond delay="0"/>
+                                          </p:stCondLst>
+                                        </p:cTn>
+                                        <p:tgtEl>
+                                          <p:spTgt spid="3">
+                                            <p:txEl>
+                                              <p:pRg st="3" end="3"/>
+                                            </p:txEl>
+                                          </p:spTgt>
+                                        </p:tgtEl>
+                                        <p:attrNameLst>
+                                          <p:attrName>style.visibility</p:attrName>
+                                        </p:attrNameLst>
+                                      </p:cBhvr>
+                                      <p:to>
+                                        <p:strVal val="visible"/>
+                                      </p:to>
+                                    </p:set>
+                                    <p:animEffect transition="in" filter="fade">
+                                      <p:cBhvr>
+                                        <p:cTn id="16" dur="500"/>
+                                        <p:tgtEl>
+                                          <p:spTgt spid="3">
+                                            <p:txEl>
+                                              <p:pRg st="3" end="3"/>
+                                            </p:txEl>
+                                          </p:spTgt>
+                                        </p:tgtEl>
+                                      </p:cBhvr>
+                                    </p:animEffect>
+                                  </p:childTnLst>
+                                </p:cTn>
+                              </p:par>
+                              <p:par>
+                                <p:cTn id="17" presetID="10" presetClass="entr" presetSubtype="0" fill="hold" nodeType="withEffect">
+                                  <p:stCondLst>
+                                    <p:cond delay="0"/>
+                                  </p:stCondLst>
+                                  <p:childTnLst>
+                                    <p:set>
+                                      <p:cBhvr>
+                                        <p:cTn id="18" dur="1" fill="hold">
+                                          <p:stCondLst>
+                                            <p:cond delay="0"/>
+                                          </p:stCondLst>
+                                        </p:cTn>
+                                        <p:tgtEl>
+                                          <p:spTgt spid="3">
+                                            <p:txEl>
+                                              <p:pRg st="4" end="4"/>
+                                            </p:txEl>
+                                          </p:spTgt>
+                                        </p:tgtEl>
+                                        <p:attrNameLst>
+                                          <p:attrName>style.visibility</p:attrName>
+                                        </p:attrNameLst>
+                                      </p:cBhvr>
+                                      <p:to>
+                                        <p:strVal val="visible"/>
+                                      </p:to>
+                                    </p:set>
+                                    <p:animEffect transition="in" filter="fade">
+                                      <p:cBhvr>
+                                        <p:cTn id="19" dur="500"/>
+                                        <p:tgtEl>
+                                          <p:spTgt spid="3">
+                                            <p:txEl>
+                                              <p:pRg st="4" end="4"/>
+                                            </p:txEl>
+                                          </p:spTgt>
+                                        </p:tgtEl>
+                                      </p:cBhvr>
+                                    </p:animEffect>
+                                  </p:childTnLst>
+                                </p:cTn>
+                              </p:par>
+                              <p:par>
+                                <p:cTn id="20" presetID="10" presetClass="entr" presetSubtype="0" fill="hold" nodeType="withEffect">
+                                  <p:stCondLst>
+                                    <p:cond delay="0"/>
+                                  </p:stCondLst>
+                                  <p:childTnLst>
+                                    <p:set>
+                                      <p:cBhvr>
+                                        <p:cTn id="21" dur="1" fill="hold">
+                                          <p:stCondLst>
+                                            <p:cond delay="0"/>
+                                          </p:stCondLst>
+                                        </p:cTn>
+                                        <p:tgtEl>
+                                          <p:spTgt spid="3">
+                                            <p:txEl>
+                                              <p:pRg st="5" end="5"/>
+                                            </p:txEl>
+                                          </p:spTgt>
+                                        </p:tgtEl>
+                                        <p:attrNameLst>
+                                          <p:attrName>style.visibility</p:attrName>
+                                        </p:attrNameLst>
+                                      </p:cBhvr>
+                                      <p:to>
+                                        <p:strVal val="visible"/>
+                                      </p:to>
+                                    </p:set>
+                                    <p:animEffect transition="in" filter="fade">
+                                      <p:cBhvr>
+                                        <p:cTn id="22" dur="500"/>
+                                        <p:tgtEl>
+                                          <p:spTgt spid="3">
+                                            <p:txEl>
+                                              <p:pRg st="5" end="5"/>
+                                            </p:txEl>
+                                          </p:spTgt>
+                                        </p:tgtEl>
+                                      </p:cBhvr>
+                                    </p:animEffect>
+                                  </p:childTnLst>
+                                </p:cTn>
+                              </p:par>
+                              <p:par>
+                                <p:cTn id="23" presetID="10" presetClass="entr" presetSubtype="0" fill="hold" nodeType="withEffect">
+                                  <p:stCondLst>
+                                    <p:cond delay="0"/>
+                                  </p:stCondLst>
+                                  <p:childTnLst>
+                                    <p:set>
+                                      <p:cBhvr>
+                                        <p:cTn id="24" dur="1" fill="hold">
+                                          <p:stCondLst>
+                                            <p:cond delay="0"/>
+                                          </p:stCondLst>
+                                        </p:cTn>
+                                        <p:tgtEl>
+                                          <p:spTgt spid="3">
+                                            <p:txEl>
+                                              <p:pRg st="6" end="6"/>
+                                            </p:txEl>
+                                          </p:spTgt>
+                                        </p:tgtEl>
+                                        <p:attrNameLst>
+                                          <p:attrName>style.visibility</p:attrName>
+                                        </p:attrNameLst>
+                                      </p:cBhvr>
+                                      <p:to>
+                                        <p:strVal val="visible"/>
+                                      </p:to>
+                                    </p:set>
+                                    <p:animEffect transition="in" filter="fade">
+                                      <p:cBhvr>
+                                        <p:cTn id="25" dur="500"/>
+                                        <p:tgtEl>
+                                          <p:spTgt spid="3">
+                                            <p:txEl>
+                                              <p:pRg st="6" end="6"/>
+                                            </p:txEl>
+                                          </p:spTgt>
                                         </p:tgtEl>
                                       </p:cBhvr>
                                     </p:animEffect>
@@ -10546,34 +9744,34 @@
                     </p:cTn>
                   </p:par>
                   <p:par>
-                    <p:cTn id="8" fill="hold">
+                    <p:cTn id="26" fill="hold">
                       <p:stCondLst>
                         <p:cond delay="indefinite"/>
                       </p:stCondLst>
                       <p:childTnLst>
                         <p:par>
-                          <p:cTn id="9" fill="hold">
+                          <p:cTn id="27" fill="hold">
                             <p:stCondLst>
                               <p:cond delay="0"/>
                             </p:stCondLst>
                             <p:childTnLst>
                               <p:par>
-                                <p:cTn id="10" presetID="10" presetClass="entr" presetSubtype="0" fill="hold" nodeType="clickEffect">
+                                <p:cTn id="28" presetID="10" presetClass="entr" presetSubtype="0" fill="hold" nodeType="clickEffect">
                                   <p:stCondLst>
                                     <p:cond delay="0"/>
                                   </p:stCondLst>
                                   <p:childTnLst>
                                     <p:set>
                                       <p:cBhvr>
-                                        <p:cTn id="11" dur="1" fill="hold">
+                                        <p:cTn id="29" dur="1" fill="hold">
                                           <p:stCondLst>
                                             <p:cond delay="0"/>
                                           </p:stCondLst>
                                         </p:cTn>
                                         <p:tgtEl>
-                                          <p:spTgt spid="5">
-                                            <p:txEl>
-                                              <p:pRg st="0" end="0"/>
+                                          <p:spTgt spid="3">
+                                            <p:txEl>
+                                              <p:pRg st="7" end="7"/>
                                             </p:txEl>
                                           </p:spTgt>
                                         </p:tgtEl>
@@ -10587,11 +9785,11 @@
                                     </p:set>
                                     <p:animEffect transition="in" filter="fade">
                                       <p:cBhvr>
-                                        <p:cTn id="12" dur="500"/>
-                                        <p:tgtEl>
-                                          <p:spTgt spid="5">
-                                            <p:txEl>
-                                              <p:pRg st="0" end="0"/>
+                                        <p:cTn id="30" dur="500"/>
+                                        <p:tgtEl>
+                                          <p:spTgt spid="3">
+                                            <p:txEl>
+                                              <p:pRg st="7" end="7"/>
                                             </p:txEl>
                                           </p:spTgt>
                                         </p:tgtEl>
@@ -10600,41 +9798,23 @@
                                   </p:childTnLst>
                                 </p:cTn>
                               </p:par>
-                            </p:childTnLst>
-                          </p:cTn>
-                        </p:par>
-                      </p:childTnLst>
-                    </p:cTn>
-                  </p:par>
-                  <p:par>
-                    <p:cTn id="13" fill="hold">
-                      <p:stCondLst>
-                        <p:cond delay="indefinite"/>
-                      </p:stCondLst>
-                      <p:childTnLst>
-                        <p:par>
-                          <p:cTn id="14" fill="hold">
-                            <p:stCondLst>
-                              <p:cond delay="0"/>
-                            </p:stCondLst>
-                            <p:childTnLst>
                               <p:par>
-                                <p:cTn id="15" presetID="10" presetClass="entr" presetSubtype="0" fill="hold" nodeType="clickEffect">
+                                <p:cTn id="31" presetID="10" presetClass="entr" presetSubtype="0" fill="hold" nodeType="withEffect">
                                   <p:stCondLst>
                                     <p:cond delay="0"/>
                                   </p:stCondLst>
                                   <p:childTnLst>
                                     <p:set>
                                       <p:cBhvr>
-                                        <p:cTn id="16" dur="1" fill="hold">
+                                        <p:cTn id="32" dur="1" fill="hold">
                                           <p:stCondLst>
                                             <p:cond delay="0"/>
                                           </p:stCondLst>
                                         </p:cTn>
                                         <p:tgtEl>
-                                          <p:spTgt spid="5">
-                                            <p:txEl>
-                                              <p:pRg st="1" end="1"/>
+                                          <p:spTgt spid="3">
+                                            <p:txEl>
+                                              <p:pRg st="8" end="8"/>
                                             </p:txEl>
                                           </p:spTgt>
                                         </p:tgtEl>
@@ -10648,11 +9828,11 @@
                                     </p:set>
                                     <p:animEffect transition="in" filter="fade">
                                       <p:cBhvr>
-                                        <p:cTn id="17" dur="500"/>
-                                        <p:tgtEl>
-                                          <p:spTgt spid="5">
-                                            <p:txEl>
-                                              <p:pRg st="1" end="1"/>
+                                        <p:cTn id="33" dur="500"/>
+                                        <p:tgtEl>
+                                          <p:spTgt spid="3">
+                                            <p:txEl>
+                                              <p:pRg st="8" end="8"/>
                                             </p:txEl>
                                           </p:spTgt>
                                         </p:tgtEl>
@@ -10661,41 +9841,23 @@
                                   </p:childTnLst>
                                 </p:cTn>
                               </p:par>
-                            </p:childTnLst>
-                          </p:cTn>
-                        </p:par>
-                      </p:childTnLst>
-                    </p:cTn>
-                  </p:par>
-                  <p:par>
-                    <p:cTn id="18" fill="hold">
-                      <p:stCondLst>
-                        <p:cond delay="indefinite"/>
-                      </p:stCondLst>
-                      <p:childTnLst>
-                        <p:par>
-                          <p:cTn id="19" fill="hold">
-                            <p:stCondLst>
-                              <p:cond delay="0"/>
-                            </p:stCondLst>
-                            <p:childTnLst>
                               <p:par>
-                                <p:cTn id="20" presetID="10" presetClass="entr" presetSubtype="0" fill="hold" nodeType="clickEffect">
+                                <p:cTn id="34" presetID="10" presetClass="entr" presetSubtype="0" fill="hold" nodeType="withEffect">
                                   <p:stCondLst>
                                     <p:cond delay="0"/>
                                   </p:stCondLst>
                                   <p:childTnLst>
                                     <p:set>
                                       <p:cBhvr>
-                                        <p:cTn id="21" dur="1" fill="hold">
+                                        <p:cTn id="35" dur="1" fill="hold">
                                           <p:stCondLst>
                                             <p:cond delay="0"/>
                                           </p:stCondLst>
                                         </p:cTn>
                                         <p:tgtEl>
-                                          <p:spTgt spid="5">
-                                            <p:txEl>
-                                              <p:pRg st="2" end="2"/>
+                                          <p:spTgt spid="3">
+                                            <p:txEl>
+                                              <p:pRg st="9" end="9"/>
                                             </p:txEl>
                                           </p:spTgt>
                                         </p:tgtEl>
@@ -10709,11 +9871,11 @@
                                     </p:set>
                                     <p:animEffect transition="in" filter="fade">
                                       <p:cBhvr>
-                                        <p:cTn id="22" dur="500"/>
-                                        <p:tgtEl>
-                                          <p:spTgt spid="5">
-                                            <p:txEl>
-                                              <p:pRg st="2" end="2"/>
+                                        <p:cTn id="36" dur="500"/>
+                                        <p:tgtEl>
+                                          <p:spTgt spid="3">
+                                            <p:txEl>
+                                              <p:pRg st="9" end="9"/>
                                             </p:txEl>
                                           </p:spTgt>
                                         </p:tgtEl>
@@ -10722,41 +9884,23 @@
                                   </p:childTnLst>
                                 </p:cTn>
                               </p:par>
-                            </p:childTnLst>
-                          </p:cTn>
-                        </p:par>
-                      </p:childTnLst>
-                    </p:cTn>
-                  </p:par>
-                  <p:par>
-                    <p:cTn id="23" fill="hold">
-                      <p:stCondLst>
-                        <p:cond delay="indefinite"/>
-                      </p:stCondLst>
-                      <p:childTnLst>
-                        <p:par>
-                          <p:cTn id="24" fill="hold">
-                            <p:stCondLst>
-                              <p:cond delay="0"/>
-                            </p:stCondLst>
-                            <p:childTnLst>
                               <p:par>
-                                <p:cTn id="25" presetID="10" presetClass="entr" presetSubtype="0" fill="hold" nodeType="clickEffect">
+                                <p:cTn id="37" presetID="10" presetClass="entr" presetSubtype="0" fill="hold" nodeType="withEffect">
                                   <p:stCondLst>
                                     <p:cond delay="0"/>
                                   </p:stCondLst>
                                   <p:childTnLst>
                                     <p:set>
                                       <p:cBhvr>
-                                        <p:cTn id="26" dur="1" fill="hold">
+                                        <p:cTn id="38" dur="1" fill="hold">
                                           <p:stCondLst>
                                             <p:cond delay="0"/>
                                           </p:stCondLst>
                                         </p:cTn>
                                         <p:tgtEl>
-                                          <p:spTgt spid="5">
-                                            <p:txEl>
-                                              <p:pRg st="3" end="3"/>
+                                          <p:spTgt spid="3">
+                                            <p:txEl>
+                                              <p:pRg st="10" end="10"/>
                                             </p:txEl>
                                           </p:spTgt>
                                         </p:tgtEl>
@@ -10770,11 +9914,11 @@
                                     </p:set>
                                     <p:animEffect transition="in" filter="fade">
                                       <p:cBhvr>
-                                        <p:cTn id="27" dur="500"/>
-                                        <p:tgtEl>
-                                          <p:spTgt spid="5">
-                                            <p:txEl>
-                                              <p:pRg st="3" end="3"/>
+                                        <p:cTn id="39" dur="500"/>
+                                        <p:tgtEl>
+                                          <p:spTgt spid="3">
+                                            <p:txEl>
+                                              <p:pRg st="10" end="10"/>
                                             </p:txEl>
                                           </p:spTgt>
                                         </p:tgtEl>
@@ -10783,41 +9927,23 @@
                                   </p:childTnLst>
                                 </p:cTn>
                               </p:par>
-                            </p:childTnLst>
-                          </p:cTn>
-                        </p:par>
-                      </p:childTnLst>
-                    </p:cTn>
-                  </p:par>
-                  <p:par>
-                    <p:cTn id="28" fill="hold">
-                      <p:stCondLst>
-                        <p:cond delay="indefinite"/>
-                      </p:stCondLst>
-                      <p:childTnLst>
-                        <p:par>
-                          <p:cTn id="29" fill="hold">
-                            <p:stCondLst>
-                              <p:cond delay="0"/>
-                            </p:stCondLst>
-                            <p:childTnLst>
                               <p:par>
-                                <p:cTn id="30" presetID="10" presetClass="entr" presetSubtype="0" fill="hold" nodeType="clickEffect">
+                                <p:cTn id="40" presetID="10" presetClass="entr" presetSubtype="0" fill="hold" nodeType="withEffect">
                                   <p:stCondLst>
                                     <p:cond delay="0"/>
                                   </p:stCondLst>
                                   <p:childTnLst>
                                     <p:set>
                                       <p:cBhvr>
-                                        <p:cTn id="31" dur="1" fill="hold">
+                                        <p:cTn id="41" dur="1" fill="hold">
                                           <p:stCondLst>
                                             <p:cond delay="0"/>
                                           </p:stCondLst>
                                         </p:cTn>
                                         <p:tgtEl>
-                                          <p:spTgt spid="5">
-                                            <p:txEl>
-                                              <p:pRg st="4" end="4"/>
+                                          <p:spTgt spid="3">
+                                            <p:txEl>
+                                              <p:pRg st="11" end="11"/>
                                             </p:txEl>
                                           </p:spTgt>
                                         </p:tgtEl>
@@ -10831,194 +9957,11 @@
                                     </p:set>
                                     <p:animEffect transition="in" filter="fade">
                                       <p:cBhvr>
-                                        <p:cTn id="32" dur="500"/>
-                                        <p:tgtEl>
-                                          <p:spTgt spid="5">
-                                            <p:txEl>
-                                              <p:pRg st="4" end="4"/>
-                                            </p:txEl>
-                                          </p:spTgt>
-                                        </p:tgtEl>
-                                      </p:cBhvr>
-                                    </p:animEffect>
-                                  </p:childTnLst>
-                                </p:cTn>
-                              </p:par>
-                            </p:childTnLst>
-                          </p:cTn>
-                        </p:par>
-                      </p:childTnLst>
-                    </p:cTn>
-                  </p:par>
-                  <p:par>
-                    <p:cTn id="33" fill="hold">
-                      <p:stCondLst>
-                        <p:cond delay="indefinite"/>
-                      </p:stCondLst>
-                      <p:childTnLst>
-                        <p:par>
-                          <p:cTn id="34" fill="hold">
-                            <p:stCondLst>
-                              <p:cond delay="0"/>
-                            </p:stCondLst>
-                            <p:childTnLst>
-                              <p:par>
-                                <p:cTn id="35" presetID="10" presetClass="entr" presetSubtype="0" fill="hold" nodeType="clickEffect">
-                                  <p:stCondLst>
-                                    <p:cond delay="0"/>
-                                  </p:stCondLst>
-                                  <p:childTnLst>
-                                    <p:set>
-                                      <p:cBhvr>
-                                        <p:cTn id="36" dur="1" fill="hold">
-                                          <p:stCondLst>
-                                            <p:cond delay="0"/>
-                                          </p:stCondLst>
-                                        </p:cTn>
-                                        <p:tgtEl>
-                                          <p:spTgt spid="5">
-                                            <p:txEl>
-                                              <p:pRg st="5" end="5"/>
-                                            </p:txEl>
-                                          </p:spTgt>
-                                        </p:tgtEl>
-                                        <p:attrNameLst>
-                                          <p:attrName>style.visibility</p:attrName>
-                                        </p:attrNameLst>
-                                      </p:cBhvr>
-                                      <p:to>
-                                        <p:strVal val="visible"/>
-                                      </p:to>
-                                    </p:set>
-                                    <p:animEffect transition="in" filter="fade">
-                                      <p:cBhvr>
-                                        <p:cTn id="37" dur="500"/>
-                                        <p:tgtEl>
-                                          <p:spTgt spid="5">
-                                            <p:txEl>
-                                              <p:pRg st="5" end="5"/>
-                                            </p:txEl>
-                                          </p:spTgt>
-                                        </p:tgtEl>
-                                      </p:cBhvr>
-                                    </p:animEffect>
-                                  </p:childTnLst>
-                                </p:cTn>
-                              </p:par>
-                            </p:childTnLst>
-                          </p:cTn>
-                        </p:par>
-                      </p:childTnLst>
-                    </p:cTn>
-                  </p:par>
-                  <p:par>
-                    <p:cTn id="38" fill="hold">
-                      <p:stCondLst>
-                        <p:cond delay="indefinite"/>
-                      </p:stCondLst>
-                      <p:childTnLst>
-                        <p:par>
-                          <p:cTn id="39" fill="hold">
-                            <p:stCondLst>
-                              <p:cond delay="0"/>
-                            </p:stCondLst>
-                            <p:childTnLst>
-                              <p:par>
-                                <p:cTn id="40" presetID="10" presetClass="entr" presetSubtype="0" fill="hold" nodeType="clickEffect">
-                                  <p:stCondLst>
-                                    <p:cond delay="0"/>
-                                  </p:stCondLst>
-                                  <p:childTnLst>
-                                    <p:set>
-                                      <p:cBhvr>
-                                        <p:cTn id="41" dur="1" fill="hold">
-                                          <p:stCondLst>
-                                            <p:cond delay="0"/>
-                                          </p:stCondLst>
-                                        </p:cTn>
-                                        <p:tgtEl>
-                                          <p:spTgt spid="5">
-                                            <p:txEl>
-                                              <p:pRg st="6" end="6"/>
-                                            </p:txEl>
-                                          </p:spTgt>
-                                        </p:tgtEl>
-                                        <p:attrNameLst>
-                                          <p:attrName>style.visibility</p:attrName>
-                                        </p:attrNameLst>
-                                      </p:cBhvr>
-                                      <p:to>
-                                        <p:strVal val="visible"/>
-                                      </p:to>
-                                    </p:set>
-                                    <p:animEffect transition="in" filter="fade">
-                                      <p:cBhvr>
                                         <p:cTn id="42" dur="500"/>
                                         <p:tgtEl>
-                                          <p:spTgt spid="5">
-                                            <p:txEl>
-                                              <p:pRg st="6" end="6"/>
-                                            </p:txEl>
-                                          </p:spTgt>
-                                        </p:tgtEl>
-                                      </p:cBhvr>
-                                    </p:animEffect>
-                                  </p:childTnLst>
-                                </p:cTn>
-                              </p:par>
-                            </p:childTnLst>
-                          </p:cTn>
-                        </p:par>
-                      </p:childTnLst>
-                    </p:cTn>
-                  </p:par>
-                  <p:par>
-                    <p:cTn id="43" fill="hold">
-                      <p:stCondLst>
-                        <p:cond delay="indefinite"/>
-                      </p:stCondLst>
-                      <p:childTnLst>
-                        <p:par>
-                          <p:cTn id="44" fill="hold">
-                            <p:stCondLst>
-                              <p:cond delay="0"/>
-                            </p:stCondLst>
-                            <p:childTnLst>
-                              <p:par>
-                                <p:cTn id="45" presetID="10" presetClass="entr" presetSubtype="0" fill="hold" nodeType="clickEffect">
-                                  <p:stCondLst>
-                                    <p:cond delay="0"/>
-                                  </p:stCondLst>
-                                  <p:childTnLst>
-                                    <p:set>
-                                      <p:cBhvr>
-                                        <p:cTn id="46" dur="1" fill="hold">
-                                          <p:stCondLst>
-                                            <p:cond delay="0"/>
-                                          </p:stCondLst>
-                                        </p:cTn>
-                                        <p:tgtEl>
-                                          <p:spTgt spid="5">
-                                            <p:txEl>
-                                              <p:pRg st="7" end="7"/>
-                                            </p:txEl>
-                                          </p:spTgt>
-                                        </p:tgtEl>
-                                        <p:attrNameLst>
-                                          <p:attrName>style.visibility</p:attrName>
-                                        </p:attrNameLst>
-                                      </p:cBhvr>
-                                      <p:to>
-                                        <p:strVal val="visible"/>
-                                      </p:to>
-                                    </p:set>
-                                    <p:animEffect transition="in" filter="fade">
-                                      <p:cBhvr>
-                                        <p:cTn id="47" dur="500"/>
-                                        <p:tgtEl>
-                                          <p:spTgt spid="5">
-                                            <p:txEl>
-                                              <p:pRg st="7" end="7"/>
+                                          <p:spTgt spid="3">
+                                            <p:txEl>
+                                              <p:pRg st="11" end="11"/>
                                             </p:txEl>
                                           </p:spTgt>
                                         </p:tgtEl>
@@ -11058,89 +10001,6 @@
 </p:sld>
 </file>
 
-<file path=ppt/slides/slide8.xml><?xml version="1.0" encoding="utf-8"?>
-<p:sld xmlns:a="http://schemas.openxmlformats.org/drawingml/2006/main" xmlns:r="http://schemas.openxmlformats.org/officeDocument/2006/relationships" xmlns:p="http://schemas.openxmlformats.org/presentationml/2006/main">
-  <p:cSld>
-    <p:spTree>
-      <p:nvGrpSpPr>
-        <p:cNvPr id="1" name=""/>
-        <p:cNvGrpSpPr/>
-        <p:nvPr/>
-      </p:nvGrpSpPr>
-      <p:grpSpPr>
-        <a:xfrm>
-          <a:off x="0" y="0"/>
-          <a:ext cx="0" cy="0"/>
-          <a:chOff x="0" y="0"/>
-          <a:chExt cx="0" cy="0"/>
-        </a:xfrm>
-      </p:grpSpPr>
-      <p:sp>
-        <p:nvSpPr>
-          <p:cNvPr id="4" name="Title 3">
-            <a:extLst>
-              <a:ext uri="{FF2B5EF4-FFF2-40B4-BE49-F238E27FC236}">
-                <a16:creationId xmlns:a16="http://schemas.microsoft.com/office/drawing/2014/main" id="{F8CE6D9D-8FB6-426E-92EE-E8F4A3871F61}"/>
-              </a:ext>
-            </a:extLst>
-          </p:cNvPr>
-          <p:cNvSpPr>
-            <a:spLocks noGrp="1"/>
-          </p:cNvSpPr>
-          <p:nvPr>
-            <p:ph type="title"/>
-          </p:nvPr>
-        </p:nvSpPr>
-        <p:spPr/>
-        <p:txBody>
-          <a:bodyPr/>
-          <a:lstStyle/>
-          <a:p>
-            <a:r>
-              <a:rPr lang="en-US" dirty="0"/>
-              <a:t>Demo App in R</a:t>
-            </a:r>
-          </a:p>
-        </p:txBody>
-      </p:sp>
-      <p:sp>
-        <p:nvSpPr>
-          <p:cNvPr id="5" name="Text Placeholder 4">
-            <a:extLst>
-              <a:ext uri="{FF2B5EF4-FFF2-40B4-BE49-F238E27FC236}">
-                <a16:creationId xmlns:a16="http://schemas.microsoft.com/office/drawing/2014/main" id="{21313DED-C475-4BEC-82D2-AD6951936A13}"/>
-              </a:ext>
-            </a:extLst>
-          </p:cNvPr>
-          <p:cNvSpPr>
-            <a:spLocks noGrp="1"/>
-          </p:cNvSpPr>
-          <p:nvPr>
-            <p:ph type="body" idx="1"/>
-          </p:nvPr>
-        </p:nvSpPr>
-        <p:spPr/>
-        <p:txBody>
-          <a:bodyPr/>
-          <a:lstStyle/>
-          <a:p>
-            <a:endParaRPr lang="en-US"/>
-          </a:p>
-        </p:txBody>
-      </p:sp>
-    </p:spTree>
-    <p:extLst>
-      <p:ext uri="{BB962C8B-B14F-4D97-AF65-F5344CB8AC3E}">
-        <p14:creationId xmlns:p14="http://schemas.microsoft.com/office/powerpoint/2010/main" val="2337566926"/>
-      </p:ext>
-    </p:extLst>
-  </p:cSld>
-  <p:clrMapOvr>
-    <a:masterClrMapping/>
-  </p:clrMapOvr>
-</p:sld>
-</file>
-
 <file path=ppt/slides/slide9.xml><?xml version="1.0" encoding="utf-8"?>
 <p:sld xmlns:a="http://schemas.openxmlformats.org/drawingml/2006/main" xmlns:r="http://schemas.openxmlformats.org/officeDocument/2006/relationships" xmlns:p="http://schemas.openxmlformats.org/presentationml/2006/main">
   <p:cSld>
@@ -11175,7 +10035,7 @@
           <a:p>
             <a:r>
               <a:rPr lang="en-US"/>
-              <a:t>Coded Unit Testing with RUnit</a:t>
+              <a:t>A Doorbuster Metric Program</a:t>
             </a:r>
           </a:p>
         </p:txBody>
@@ -11193,103 +10053,112 @@
         <p:spPr/>
         <p:txBody>
           <a:bodyPr>
-            <a:normAutofit fontScale="92500" lnSpcReduction="10000"/>
+            <a:normAutofit lnSpcReduction="10000"/>
           </a:bodyPr>
           <a:lstStyle/>
           <a:p>
-            <a:r>
-              <a:rPr lang="en-US" dirty="0"/>
-              <a:t>Why?</a:t>
-            </a:r>
-          </a:p>
-          <a:p>
-            <a:pPr lvl="1"/>
-            <a:r>
-              <a:rPr lang="en-US" dirty="0"/>
-              <a:t>Every time you change your code, you want to re-test it, ENTIRELY</a:t>
-            </a:r>
-          </a:p>
-          <a:p>
-            <a:pPr lvl="1"/>
-            <a:r>
-              <a:rPr lang="en-US" dirty="0"/>
-              <a:t>Without coded testing, we skip testing pieces we’ve already tested</a:t>
-            </a:r>
-          </a:p>
-          <a:p>
-            <a:pPr lvl="1"/>
-            <a:r>
-              <a:rPr lang="en-US" dirty="0"/>
-              <a:t>Gain confidence in testing changes to large data sets</a:t>
-            </a:r>
-          </a:p>
-          <a:p>
-            <a:pPr lvl="1"/>
-            <a:r>
-              <a:rPr lang="en-US" dirty="0"/>
-              <a:t>What if we broke something we previously built?</a:t>
-            </a:r>
-          </a:p>
-          <a:p>
-            <a:pPr lvl="2"/>
-            <a:r>
-              <a:rPr lang="en-US" dirty="0"/>
-              <a:t>We won’t know until a defect is reported</a:t>
-            </a:r>
-          </a:p>
-          <a:p>
-            <a:pPr lvl="1"/>
-            <a:r>
-              <a:rPr lang="en-US" dirty="0"/>
-              <a:t>Integrate testing within the deployment process</a:t>
-            </a:r>
-          </a:p>
-          <a:p>
-            <a:r>
-              <a:rPr lang="en-US" dirty="0"/>
-              <a:t>Package: </a:t>
-            </a:r>
-            <a:r>
-              <a:rPr lang="en-US" dirty="0" err="1">
-                <a:hlinkClick r:id="rId2"/>
-              </a:rPr>
-              <a:t>Runit</a:t>
-            </a:r>
-            <a:endParaRPr lang="en-US" dirty="0"/>
-          </a:p>
-          <a:p>
-            <a:pPr lvl="1"/>
-            <a:r>
-              <a:rPr lang="en-US" dirty="0"/>
-              <a:t>Allows automated verification of code units</a:t>
-            </a:r>
-          </a:p>
-          <a:p>
-            <a:pPr lvl="1"/>
-            <a:r>
-              <a:rPr lang="en-US" dirty="0"/>
-              <a:t>Allows a test suites to be defined and tested together</a:t>
-            </a:r>
-          </a:p>
-          <a:p>
-            <a:pPr lvl="1"/>
-            <a:r>
-              <a:rPr lang="en-US" dirty="0"/>
-              <a:t>Allows for test results to be reported</a:t>
-            </a:r>
-          </a:p>
-          <a:p>
-            <a:pPr lvl="1"/>
-            <a:r>
-              <a:rPr lang="en-US" dirty="0"/>
-              <a:t>Also: </a:t>
-            </a:r>
-            <a:r>
-              <a:rPr lang="en-US" dirty="0" err="1">
-                <a:hlinkClick r:id="rId3"/>
-              </a:rPr>
-              <a:t>testthat</a:t>
-            </a:r>
+            <a:pPr marL="0" indent="0">
+              <a:buNone/>
+            </a:pPr>
+            <a:r>
+              <a:rPr lang="en-US" b="1" dirty="0"/>
+              <a:t>Requirements</a:t>
+            </a:r>
+          </a:p>
+          <a:p>
+            <a:pPr marL="514350" indent="-514350">
+              <a:buAutoNum type="arabicPeriod"/>
+            </a:pPr>
+            <a:r>
+              <a:rPr lang="en-US" dirty="0"/>
+              <a:t>Shall read two product csv files</a:t>
+            </a:r>
+          </a:p>
+          <a:p>
+            <a:pPr marL="971550" lvl="1" indent="-514350">
+              <a:buAutoNum type="arabicPeriod"/>
+            </a:pPr>
+            <a:r>
+              <a:rPr lang="en-US" dirty="0"/>
+              <a:t>Doorbuster1.csv</a:t>
+            </a:r>
+          </a:p>
+          <a:p>
+            <a:pPr marL="971550" lvl="1" indent="-514350">
+              <a:buAutoNum type="arabicPeriod"/>
+            </a:pPr>
+            <a:r>
+              <a:rPr lang="en-US" dirty="0"/>
+              <a:t>Doorbuster2.csv</a:t>
+            </a:r>
+          </a:p>
+          <a:p>
+            <a:pPr marL="514350" indent="-514350">
+              <a:buAutoNum type="arabicPeriod"/>
+            </a:pPr>
+            <a:r>
+              <a:rPr lang="en-US" dirty="0"/>
+              <a:t>Shall add two metrics to the product data</a:t>
+            </a:r>
+          </a:p>
+          <a:p>
+            <a:pPr marL="971550" lvl="1" indent="-514350">
+              <a:buAutoNum type="arabicPeriod"/>
+            </a:pPr>
+            <a:r>
+              <a:rPr lang="en-US" dirty="0"/>
+              <a:t>Products that are doorbusters but have no price assigned</a:t>
+            </a:r>
+          </a:p>
+          <a:p>
+            <a:pPr marL="971550" lvl="1" indent="-514350">
+              <a:buAutoNum type="arabicPeriod"/>
+            </a:pPr>
+            <a:r>
+              <a:rPr lang="en-US" dirty="0"/>
+              <a:t>Products that are doorbusters and online, but are out of stock</a:t>
+            </a:r>
+          </a:p>
+          <a:p>
+            <a:pPr marL="514350" indent="-514350">
+              <a:buAutoNum type="arabicPeriod"/>
+            </a:pPr>
+            <a:r>
+              <a:rPr lang="en-US" dirty="0"/>
+              <a:t>Shall write out a csv with the following:</a:t>
+            </a:r>
+          </a:p>
+          <a:p>
+            <a:pPr marL="971550" lvl="1" indent="-514350">
+              <a:buAutoNum type="arabicPeriod"/>
+            </a:pPr>
+            <a:r>
+              <a:rPr lang="en-US" dirty="0"/>
+              <a:t>Product id</a:t>
+            </a:r>
+          </a:p>
+          <a:p>
+            <a:pPr marL="971550" lvl="1" indent="-514350">
+              <a:buAutoNum type="arabicPeriod"/>
+            </a:pPr>
+            <a:r>
+              <a:rPr lang="en-US" dirty="0"/>
+              <a:t>No price metric</a:t>
+            </a:r>
+          </a:p>
+          <a:p>
+            <a:pPr marL="971550" lvl="1" indent="-514350">
+              <a:buAutoNum type="arabicPeriod"/>
+            </a:pPr>
+            <a:r>
+              <a:rPr lang="en-US" dirty="0"/>
+              <a:t>Online but out of stock metric</a:t>
+            </a:r>
+          </a:p>
+          <a:p>
+            <a:pPr marL="971550" lvl="1" indent="-514350">
+              <a:buAutoNum type="arabicPeriod"/>
+            </a:pPr>
             <a:endParaRPr lang="en-US" dirty="0"/>
           </a:p>
         </p:txBody>
@@ -11297,7 +10166,7 @@
     </p:spTree>
     <p:extLst>
       <p:ext uri="{BB962C8B-B14F-4D97-AF65-F5344CB8AC3E}">
-        <p14:creationId xmlns:p14="http://schemas.microsoft.com/office/powerpoint/2010/main" val="704699504"/>
+        <p14:creationId xmlns:p14="http://schemas.microsoft.com/office/powerpoint/2010/main" val="1358362045"/>
       </p:ext>
     </p:extLst>
   </p:cSld>
@@ -11325,7 +10194,7 @@
                             </p:stCondLst>
                             <p:childTnLst>
                               <p:par>
-                                <p:cTn id="5" presetID="10" presetClass="entr" presetSubtype="0" fill="hold" nodeType="clickEffect">
+                                <p:cTn id="5" presetID="10" presetClass="entr" presetSubtype="0" fill="hold" grpId="0" nodeType="clickEffect">
                                   <p:stCondLst>
                                     <p:cond delay="0"/>
                                   </p:stCondLst>
@@ -11386,7 +10255,7 @@
                             </p:stCondLst>
                             <p:childTnLst>
                               <p:par>
-                                <p:cTn id="10" presetID="10" presetClass="entr" presetSubtype="0" fill="hold" nodeType="clickEffect">
+                                <p:cTn id="10" presetID="10" presetClass="entr" presetSubtype="0" fill="hold" grpId="0" nodeType="clickEffect">
                                   <p:stCondLst>
                                     <p:cond delay="0"/>
                                   </p:stCondLst>
@@ -11420,6 +10289,92 @@
                                           <p:spTgt spid="3">
                                             <p:txEl>
                                               <p:pRg st="1" end="1"/>
+                                            </p:txEl>
+                                          </p:spTgt>
+                                        </p:tgtEl>
+                                      </p:cBhvr>
+                                    </p:animEffect>
+                                  </p:childTnLst>
+                                </p:cTn>
+                              </p:par>
+                              <p:par>
+                                <p:cTn id="13" presetID="10" presetClass="entr" presetSubtype="0" fill="hold" grpId="0" nodeType="withEffect">
+                                  <p:stCondLst>
+                                    <p:cond delay="0"/>
+                                  </p:stCondLst>
+                                  <p:childTnLst>
+                                    <p:set>
+                                      <p:cBhvr>
+                                        <p:cTn id="14" dur="1" fill="hold">
+                                          <p:stCondLst>
+                                            <p:cond delay="0"/>
+                                          </p:stCondLst>
+                                        </p:cTn>
+                                        <p:tgtEl>
+                                          <p:spTgt spid="3">
+                                            <p:txEl>
+                                              <p:pRg st="2" end="2"/>
+                                            </p:txEl>
+                                          </p:spTgt>
+                                        </p:tgtEl>
+                                        <p:attrNameLst>
+                                          <p:attrName>style.visibility</p:attrName>
+                                        </p:attrNameLst>
+                                      </p:cBhvr>
+                                      <p:to>
+                                        <p:strVal val="visible"/>
+                                      </p:to>
+                                    </p:set>
+                                    <p:animEffect transition="in" filter="fade">
+                                      <p:cBhvr>
+                                        <p:cTn id="15" dur="500"/>
+                                        <p:tgtEl>
+                                          <p:spTgt spid="3">
+                                            <p:txEl>
+                                              <p:pRg st="2" end="2"/>
+                                            </p:txEl>
+                                          </p:spTgt>
+                                        </p:tgtEl>
+                                      </p:cBhvr>
+                                    </p:animEffect>
+                                  </p:childTnLst>
+                                </p:cTn>
+                              </p:par>
+                              <p:par>
+                                <p:cTn id="16" presetID="10" presetClass="entr" presetSubtype="0" fill="hold" grpId="0" nodeType="withEffect">
+                                  <p:stCondLst>
+                                    <p:cond delay="0"/>
+                                  </p:stCondLst>
+                                  <p:childTnLst>
+                                    <p:set>
+                                      <p:cBhvr>
+                                        <p:cTn id="17" dur="1" fill="hold">
+                                          <p:stCondLst>
+                                            <p:cond delay="0"/>
+                                          </p:stCondLst>
+                                        </p:cTn>
+                                        <p:tgtEl>
+                                          <p:spTgt spid="3">
+                                            <p:txEl>
+                                              <p:pRg st="3" end="3"/>
+                                            </p:txEl>
+                                          </p:spTgt>
+                                        </p:tgtEl>
+                                        <p:attrNameLst>
+                                          <p:attrName>style.visibility</p:attrName>
+                                        </p:attrNameLst>
+                                      </p:cBhvr>
+                                      <p:to>
+                                        <p:strVal val="visible"/>
+                                      </p:to>
+                                    </p:set>
+                                    <p:animEffect transition="in" filter="fade">
+                                      <p:cBhvr>
+                                        <p:cTn id="18" dur="500"/>
+                                        <p:tgtEl>
+                                          <p:spTgt spid="3">
+                                            <p:txEl>
+                                              <p:pRg st="3" end="3"/>
                                             </p:txEl>
                                           </p:spTgt>
                                         </p:tgtEl>
@@ -11435,26 +10390,26 @@
                     </p:cTn>
                   </p:par>
                   <p:par>
-                    <p:cTn id="13" fill="hold">
+                    <p:cTn id="19" fill="hold">
                       <p:stCondLst>
                         <p:cond delay="indefinite"/>
                       </p:stCondLst>
                       <p:childTnLst>
                         <p:par>
-                          <p:cTn id="14" fill="hold">
+                          <p:cTn id="20" fill="hold">
                             <p:stCondLst>
                               <p:cond delay="0"/>
                             </p:stCondLst>
                             <p:childTnLst>
                               <p:par>
-                                <p:cTn id="15" presetID="10" presetClass="entr" presetSubtype="0" fill="hold" nodeType="clickEffect">
+                                <p:cTn id="21" presetID="10" presetClass="entr" presetSubtype="0" fill="hold" grpId="0" nodeType="clickEffect">
                                   <p:stCondLst>
                                     <p:cond delay="0"/>
                                   </p:stCondLst>
                                   <p:childTnLst>
                                     <p:set>
                                       <p:cBhvr>
-                                        <p:cTn id="16" dur="1" fill="hold">
+                                        <p:cTn id="22" dur="1" fill="hold">
                                           <p:stCondLst>
                                             <p:cond delay="0"/>
                                           </p:stCondLst>
@@ -11462,7 +10417,7 @@
                                         <p:tgtEl>
                                           <p:spTgt spid="3">
                                             <p:txEl>
-                                              <p:pRg st="2" end="2"/>
+                                              <p:pRg st="4" end="4"/>
                                             </p:txEl>
                                           </p:spTgt>
                                         </p:tgtEl>
@@ -11476,11 +10431,97 @@
                                     </p:set>
                                     <p:animEffect transition="in" filter="fade">
                                       <p:cBhvr>
-                                        <p:cTn id="17" dur="500"/>
-                                        <p:tgtEl>
-                                          <p:spTgt spid="3">
-                                            <p:txEl>
-                                              <p:pRg st="2" end="2"/>
+                                        <p:cTn id="23" dur="500"/>
+                                        <p:tgtEl>
+                                          <p:spTgt spid="3">
+                                            <p:txEl>
+                                              <p:pRg st="4" end="4"/>
+                                            </p:txEl>
+                                          </p:spTgt>
+                                        </p:tgtEl>
+                                      </p:cBhvr>
+                                    </p:animEffect>
+                                  </p:childTnLst>
+                                </p:cTn>
+                              </p:par>
+                              <p:par>
+                                <p:cTn id="24" presetID="10" presetClass="entr" presetSubtype="0" fill="hold" grpId="0" nodeType="withEffect">
+                                  <p:stCondLst>
+                                    <p:cond delay="0"/>
+                                  </p:stCondLst>
+                                  <p:childTnLst>
+                                    <p:set>
+                                      <p:cBhvr>
+                                        <p:cTn id="25" dur="1" fill="hold">
+                                          <p:stCondLst>
+                                            <p:cond delay="0"/>
+                                          </p:stCondLst>
+                                        </p:cTn>
+                                        <p:tgtEl>
+                                          <p:spTgt spid="3">
+                                            <p:txEl>
+                                              <p:pRg st="5" end="5"/>
+                                            </p:txEl>
+                                          </p:spTgt>
+                                        </p:tgtEl>
+                                        <p:attrNameLst>
+                                          <p:attrName>style.visibility</p:attrName>
+                                        </p:attrNameLst>
+                                      </p:cBhvr>
+                                      <p:to>
+                                        <p:strVal val="visible"/>
+                                      </p:to>
+                                    </p:set>
+                                    <p:animEffect transition="in" filter="fade">
+                                      <p:cBhvr>
+                                        <p:cTn id="26" dur="500"/>
+                                        <p:tgtEl>
+                                          <p:spTgt spid="3">
+                                            <p:txEl>
+                                              <p:pRg st="5" end="5"/>
+                                            </p:txEl>
+                                          </p:spTgt>
+                                        </p:tgtEl>
+                                      </p:cBhvr>
+                                    </p:animEffect>
+                                  </p:childTnLst>
+                                </p:cTn>
+                              </p:par>
+                              <p:par>
+                                <p:cTn id="27" presetID="10" presetClass="entr" presetSubtype="0" fill="hold" grpId="0" nodeType="withEffect">
+                                  <p:stCondLst>
+                                    <p:cond delay="0"/>
+                                  </p:stCondLst>
+                                  <p:childTnLst>
+                                    <p:set>
+                                      <p:cBhvr>
+                                        <p:cTn id="28" dur="1" fill="hold">
+                                          <p:stCondLst>
+                                            <p:cond delay="0"/>
+                                          </p:stCondLst>
+                                        </p:cTn>
+                                        <p:tgtEl>
+                                          <p:spTgt spid="3">
+                                            <p:txEl>
+                                              <p:pRg st="6" end="6"/>
+                                            </p:txEl>
+                                          </p:spTgt>
+                                        </p:tgtEl>
+                                        <p:attrNameLst>
+                                          <p:attrName>style.visibility</p:attrName>
+                                        </p:attrNameLst>
+                                      </p:cBhvr>
+                                      <p:to>
+                                        <p:strVal val="visible"/>
+                                      </p:to>
+                                    </p:set>
+                                    <p:animEffect transition="in" filter="fade">
+                                      <p:cBhvr>
+                                        <p:cTn id="29" dur="500"/>
+                                        <p:tgtEl>
+                                          <p:spTgt spid="3">
+                                            <p:txEl>
+                                              <p:pRg st="6" end="6"/>
                                             </p:txEl>
                                           </p:spTgt>
                                         </p:tgtEl>
@@ -11496,26 +10537,26 @@
                     </p:cTn>
                   </p:par>
                   <p:par>
-                    <p:cTn id="18" fill="hold">
+                    <p:cTn id="30" fill="hold">
                       <p:stCondLst>
                         <p:cond delay="indefinite"/>
                       </p:stCondLst>
                       <p:childTnLst>
                         <p:par>
-                          <p:cTn id="19" fill="hold">
+                          <p:cTn id="31" fill="hold">
                             <p:stCondLst>
                               <p:cond delay="0"/>
                             </p:stCondLst>
                             <p:childTnLst>
                               <p:par>
-                                <p:cTn id="20" presetID="10" presetClass="entr" presetSubtype="0" fill="hold" nodeType="clickEffect">
+                                <p:cTn id="32" presetID="10" presetClass="entr" presetSubtype="0" fill="hold" grpId="0" nodeType="clickEffect">
                                   <p:stCondLst>
                                     <p:cond delay="0"/>
                                   </p:stCondLst>
                                   <p:childTnLst>
                                     <p:set>
                                       <p:cBhvr>
-                                        <p:cTn id="21" dur="1" fill="hold">
+                                        <p:cTn id="33" dur="1" fill="hold">
                                           <p:stCondLst>
                                             <p:cond delay="0"/>
                                           </p:stCondLst>
@@ -11523,7 +10564,7 @@
                                         <p:tgtEl>
                                           <p:spTgt spid="3">
                                             <p:txEl>
-                                              <p:pRg st="3" end="3"/>
+                                              <p:pRg st="7" end="7"/>
                                             </p:txEl>
                                           </p:spTgt>
                                         </p:tgtEl>
@@ -11537,11 +10578,11 @@
                                     </p:set>
                                     <p:animEffect transition="in" filter="fade">
                                       <p:cBhvr>
-                                        <p:cTn id="22" dur="500"/>
-                                        <p:tgtEl>
-                                          <p:spTgt spid="3">
-                                            <p:txEl>
-                                              <p:pRg st="3" end="3"/>
+                                        <p:cTn id="34" dur="500"/>
+                                        <p:tgtEl>
+                                          <p:spTgt spid="3">
+                                            <p:txEl>
+                                              <p:pRg st="7" end="7"/>
                                             </p:txEl>
                                           </p:spTgt>
                                         </p:tgtEl>
@@ -11550,33 +10591,15 @@
                                   </p:childTnLst>
                                 </p:cTn>
                               </p:par>
-                            </p:childTnLst>
-                          </p:cTn>
-                        </p:par>
-                      </p:childTnLst>
-                    </p:cTn>
-                  </p:par>
-                  <p:par>
-                    <p:cTn id="23" fill="hold">
-                      <p:stCondLst>
-                        <p:cond delay="indefinite"/>
-                      </p:stCondLst>
-                      <p:childTnLst>
-                        <p:par>
-                          <p:cTn id="24" fill="hold">
-                            <p:stCondLst>
-                              <p:cond delay="0"/>
-                            </p:stCondLst>
-                            <p:childTnLst>
                               <p:par>
-                                <p:cTn id="25" presetID="10" presetClass="entr" presetSubtype="0" fill="hold" nodeType="clickEffect">
+                                <p:cTn id="35" presetID="10" presetClass="entr" presetSubtype="0" fill="hold" grpId="0" nodeType="withEffect">
                                   <p:stCondLst>
                                     <p:cond delay="0"/>
                                   </p:stCondLst>
                                   <p:childTnLst>
                                     <p:set>
                                       <p:cBhvr>
-                                        <p:cTn id="26" dur="1" fill="hold">
+                                        <p:cTn id="36" dur="1" fill="hold">
                                           <p:stCondLst>
                                             <p:cond delay="0"/>
                                           </p:stCondLst>
@@ -11584,7 +10607,7 @@
                                         <p:tgtEl>
                                           <p:spTgt spid="3">
                                             <p:txEl>
-                                              <p:pRg st="4" end="4"/>
+                                              <p:pRg st="8" end="8"/>
                                             </p:txEl>
                                           </p:spTgt>
                                         </p:tgtEl>
@@ -11598,11 +10621,11 @@
                                     </p:set>
                                     <p:animEffect transition="in" filter="fade">
                                       <p:cBhvr>
-                                        <p:cTn id="27" dur="500"/>
-                                        <p:tgtEl>
-                                          <p:spTgt spid="3">
-                                            <p:txEl>
-                                              <p:pRg st="4" end="4"/>
+                                        <p:cTn id="37" dur="500"/>
+                                        <p:tgtEl>
+                                          <p:spTgt spid="3">
+                                            <p:txEl>
+                                              <p:pRg st="8" end="8"/>
                                             </p:txEl>
                                           </p:spTgt>
                                         </p:tgtEl>
@@ -11612,14 +10635,14 @@
                                 </p:cTn>
                               </p:par>
                               <p:par>
-                                <p:cTn id="28" presetID="10" presetClass="entr" presetSubtype="0" fill="hold" nodeType="withEffect">
+                                <p:cTn id="38" presetID="10" presetClass="entr" presetSubtype="0" fill="hold" grpId="0" nodeType="withEffect">
                                   <p:stCondLst>
                                     <p:cond delay="0"/>
                                   </p:stCondLst>
                                   <p:childTnLst>
                                     <p:set>
                                       <p:cBhvr>
-                                        <p:cTn id="29" dur="1" fill="hold">
+                                        <p:cTn id="39" dur="1" fill="hold">
                                           <p:stCondLst>
                                             <p:cond delay="0"/>
                                           </p:stCondLst>
@@ -11627,7 +10650,7 @@
                                         <p:tgtEl>
                                           <p:spTgt spid="3">
                                             <p:txEl>
-                                              <p:pRg st="5" end="5"/>
+                                              <p:pRg st="9" end="9"/>
                                             </p:txEl>
                                           </p:spTgt>
                                         </p:tgtEl>
@@ -11641,11 +10664,11 @@
                                     </p:set>
                                     <p:animEffect transition="in" filter="fade">
                                       <p:cBhvr>
-                                        <p:cTn id="30" dur="500"/>
-                                        <p:tgtEl>
-                                          <p:spTgt spid="3">
-                                            <p:txEl>
-                                              <p:pRg st="5" end="5"/>
+                                        <p:cTn id="40" dur="500"/>
+                                        <p:tgtEl>
+                                          <p:spTgt spid="3">
+                                            <p:txEl>
+                                              <p:pRg st="9" end="9"/>
                                             </p:txEl>
                                           </p:spTgt>
                                         </p:tgtEl>
@@ -11654,33 +10677,15 @@
                                   </p:childTnLst>
                                 </p:cTn>
                               </p:par>
-                            </p:childTnLst>
-                          </p:cTn>
-                        </p:par>
-                      </p:childTnLst>
-                    </p:cTn>
-                  </p:par>
-                  <p:par>
-                    <p:cTn id="31" fill="hold">
-                      <p:stCondLst>
-                        <p:cond delay="indefinite"/>
-                      </p:stCondLst>
-                      <p:childTnLst>
-                        <p:par>
-                          <p:cTn id="32" fill="hold">
-                            <p:stCondLst>
-                              <p:cond delay="0"/>
-                            </p:stCondLst>
-                            <p:childTnLst>
                               <p:par>
-                                <p:cTn id="33" presetID="10" presetClass="entr" presetSubtype="0" fill="hold" nodeType="clickEffect">
+                                <p:cTn id="41" presetID="10" presetClass="entr" presetSubtype="0" fill="hold" grpId="0" nodeType="withEffect">
                                   <p:stCondLst>
                                     <p:cond delay="0"/>
                                   </p:stCondLst>
                                   <p:childTnLst>
                                     <p:set>
                                       <p:cBhvr>
-                                        <p:cTn id="34" dur="1" fill="hold">
+                                        <p:cTn id="42" dur="1" fill="hold">
                                           <p:stCondLst>
                                             <p:cond delay="0"/>
                                           </p:stCondLst>
@@ -11688,7 +10693,7 @@
                                         <p:tgtEl>
                                           <p:spTgt spid="3">
                                             <p:txEl>
-                                              <p:pRg st="6" end="6"/>
+                                              <p:pRg st="10" end="10"/>
                                             </p:txEl>
                                           </p:spTgt>
                                         </p:tgtEl>
@@ -11702,244 +10707,11 @@
                                     </p:set>
                                     <p:animEffect transition="in" filter="fade">
                                       <p:cBhvr>
-                                        <p:cTn id="35" dur="500"/>
-                                        <p:tgtEl>
-                                          <p:spTgt spid="3">
-                                            <p:txEl>
-                                              <p:pRg st="6" end="6"/>
-                                            </p:txEl>
-                                          </p:spTgt>
-                                        </p:tgtEl>
-                                      </p:cBhvr>
-                                    </p:animEffect>
-                                  </p:childTnLst>
-                                </p:cTn>
-                              </p:par>
-                            </p:childTnLst>
-                          </p:cTn>
-                        </p:par>
-                      </p:childTnLst>
-                    </p:cTn>
-                  </p:par>
-                  <p:par>
-                    <p:cTn id="36" fill="hold">
-                      <p:stCondLst>
-                        <p:cond delay="indefinite"/>
-                      </p:stCondLst>
-                      <p:childTnLst>
-                        <p:par>
-                          <p:cTn id="37" fill="hold">
-                            <p:stCondLst>
-                              <p:cond delay="0"/>
-                            </p:stCondLst>
-                            <p:childTnLst>
-                              <p:par>
-                                <p:cTn id="38" presetID="10" presetClass="entr" presetSubtype="0" fill="hold" nodeType="clickEffect">
-                                  <p:stCondLst>
-                                    <p:cond delay="0"/>
-                                  </p:stCondLst>
-                                  <p:childTnLst>
-                                    <p:set>
-                                      <p:cBhvr>
-                                        <p:cTn id="39" dur="1" fill="hold">
-                                          <p:stCondLst>
-                                            <p:cond delay="0"/>
-                                          </p:stCondLst>
-                                        </p:cTn>
-                                        <p:tgtEl>
-                                          <p:spTgt spid="3">
-                                            <p:txEl>
-                                              <p:pRg st="7" end="7"/>
-                                            </p:txEl>
-                                          </p:spTgt>
-                                        </p:tgtEl>
-                                        <p:attrNameLst>
-                                          <p:attrName>style.visibility</p:attrName>
-                                        </p:attrNameLst>
-                                      </p:cBhvr>
-                                      <p:to>
-                                        <p:strVal val="visible"/>
-                                      </p:to>
-                                    </p:set>
-                                    <p:animEffect transition="in" filter="fade">
-                                      <p:cBhvr>
-                                        <p:cTn id="40" dur="500"/>
-                                        <p:tgtEl>
-                                          <p:spTgt spid="3">
-                                            <p:txEl>
-                                              <p:pRg st="7" end="7"/>
-                                            </p:txEl>
-                                          </p:spTgt>
-                                        </p:tgtEl>
-                                      </p:cBhvr>
-                                    </p:animEffect>
-                                  </p:childTnLst>
-                                </p:cTn>
-                              </p:par>
-                              <p:par>
-                                <p:cTn id="41" presetID="10" presetClass="entr" presetSubtype="0" fill="hold" nodeType="withEffect">
-                                  <p:stCondLst>
-                                    <p:cond delay="0"/>
-                                  </p:stCondLst>
-                                  <p:childTnLst>
-                                    <p:set>
-                                      <p:cBhvr>
-                                        <p:cTn id="42" dur="1" fill="hold">
-                                          <p:stCondLst>
-                                            <p:cond delay="0"/>
-                                          </p:stCondLst>
-                                        </p:cTn>
-                                        <p:tgtEl>
-                                          <p:spTgt spid="3">
-                                            <p:txEl>
-                                              <p:pRg st="8" end="8"/>
-                                            </p:txEl>
-                                          </p:spTgt>
-                                        </p:tgtEl>
-                                        <p:attrNameLst>
-                                          <p:attrName>style.visibility</p:attrName>
-                                        </p:attrNameLst>
-                                      </p:cBhvr>
-                                      <p:to>
-                                        <p:strVal val="visible"/>
-                                      </p:to>
-                                    </p:set>
-                                    <p:animEffect transition="in" filter="fade">
-                                      <p:cBhvr>
                                         <p:cTn id="43" dur="500"/>
                                         <p:tgtEl>
                                           <p:spTgt spid="3">
                                             <p:txEl>
-                                              <p:pRg st="8" end="8"/>
-                                            </p:txEl>
-                                          </p:spTgt>
-                                        </p:tgtEl>
-                                      </p:cBhvr>
-                                    </p:animEffect>
-                                  </p:childTnLst>
-                                </p:cTn>
-                              </p:par>
-                              <p:par>
-                                <p:cTn id="44" presetID="10" presetClass="entr" presetSubtype="0" fill="hold" nodeType="withEffect">
-                                  <p:stCondLst>
-                                    <p:cond delay="0"/>
-                                  </p:stCondLst>
-                                  <p:childTnLst>
-                                    <p:set>
-                                      <p:cBhvr>
-                                        <p:cTn id="45" dur="1" fill="hold">
-                                          <p:stCondLst>
-                                            <p:cond delay="0"/>
-                                          </p:stCondLst>
-                                        </p:cTn>
-                                        <p:tgtEl>
-                                          <p:spTgt spid="3">
-                                            <p:txEl>
-                                              <p:pRg st="9" end="9"/>
-                                            </p:txEl>
-                                          </p:spTgt>
-                                        </p:tgtEl>
-                                        <p:attrNameLst>
-                                          <p:attrName>style.visibility</p:attrName>
-                                        </p:attrNameLst>
-                                      </p:cBhvr>
-                                      <p:to>
-                                        <p:strVal val="visible"/>
-                                      </p:to>
-                                    </p:set>
-                                    <p:animEffect transition="in" filter="fade">
-                                      <p:cBhvr>
-                                        <p:cTn id="46" dur="500"/>
-                                        <p:tgtEl>
-                                          <p:spTgt spid="3">
-                                            <p:txEl>
-                                              <p:pRg st="9" end="9"/>
-                                            </p:txEl>
-                                          </p:spTgt>
-                                        </p:tgtEl>
-                                      </p:cBhvr>
-                                    </p:animEffect>
-                                  </p:childTnLst>
-                                </p:cTn>
-                              </p:par>
-                              <p:par>
-                                <p:cTn id="47" presetID="10" presetClass="entr" presetSubtype="0" fill="hold" nodeType="withEffect">
-                                  <p:stCondLst>
-                                    <p:cond delay="0"/>
-                                  </p:stCondLst>
-                                  <p:childTnLst>
-                                    <p:set>
-                                      <p:cBhvr>
-                                        <p:cTn id="48" dur="1" fill="hold">
-                                          <p:stCondLst>
-                                            <p:cond delay="0"/>
-                                          </p:stCondLst>
-                                        </p:cTn>
-                                        <p:tgtEl>
-                                          <p:spTgt spid="3">
-                                            <p:txEl>
                                               <p:pRg st="10" end="10"/>
-                                            </p:txEl>
-                                          </p:spTgt>
-                                        </p:tgtEl>
-                                        <p:attrNameLst>
-                                          <p:attrName>style.visibility</p:attrName>
-                                        </p:attrNameLst>
-                                      </p:cBhvr>
-                                      <p:to>
-                                        <p:strVal val="visible"/>
-                                      </p:to>
-                                    </p:set>
-                                    <p:animEffect transition="in" filter="fade">
-                                      <p:cBhvr>
-                                        <p:cTn id="49" dur="500"/>
-                                        <p:tgtEl>
-                                          <p:spTgt spid="3">
-                                            <p:txEl>
-                                              <p:pRg st="10" end="10"/>
-                                            </p:txEl>
-                                          </p:spTgt>
-                                        </p:tgtEl>
-                                      </p:cBhvr>
-                                    </p:animEffect>
-                                  </p:childTnLst>
-                                </p:cTn>
-                              </p:par>
-                              <p:par>
-                                <p:cTn id="50" presetID="10" presetClass="entr" presetSubtype="0" fill="hold" nodeType="withEffect">
-                                  <p:stCondLst>
-                                    <p:cond delay="0"/>
-                                  </p:stCondLst>
-                                  <p:childTnLst>
-                                    <p:set>
-                                      <p:cBhvr>
-                                        <p:cTn id="51" dur="1" fill="hold">
-                                          <p:stCondLst>
-                                            <p:cond delay="0"/>
-                                          </p:stCondLst>
-                                        </p:cTn>
-                                        <p:tgtEl>
-                                          <p:spTgt spid="3">
-                                            <p:txEl>
-                                              <p:pRg st="11" end="11"/>
-                                            </p:txEl>
-                                          </p:spTgt>
-                                        </p:tgtEl>
-                                        <p:attrNameLst>
-                                          <p:attrName>style.visibility</p:attrName>
-                                        </p:attrNameLst>
-                                      </p:cBhvr>
-                                      <p:to>
-                                        <p:strVal val="visible"/>
-                                      </p:to>
-                                    </p:set>
-                                    <p:animEffect transition="in" filter="fade">
-                                      <p:cBhvr>
-                                        <p:cTn id="52" dur="500"/>
-                                        <p:tgtEl>
-                                          <p:spTgt spid="3">
-                                            <p:txEl>
-                                              <p:pRg st="11" end="11"/>
                                             </p:txEl>
                                           </p:spTgt>
                                         </p:tgtEl>
@@ -11975,6 +10747,9 @@
         </p:cTn>
       </p:par>
     </p:tnLst>
+    <p:bldLst>
+      <p:bldP spid="3" grpId="0" build="p"/>
+    </p:bldLst>
   </p:timing>
 </p:sld>
 </file>
